--- a/ch08/第8章 包装器类.pptx
+++ b/ch08/第8章 包装器类.pptx
@@ -25,7 +25,7 @@
     <p:sldId id="439" r:id="rId13"/>
     <p:sldId id="438" r:id="rId14"/>
   </p:sldIdLst>
-  <p:sldSz cx="9144000" cy="6858000" type="screen4x3"/>
+  <p:sldSz cx="12192000" cy="6858000"/>
   <p:notesSz cx="6794500" cy="9918700"/>
   <p:defaultTextStyle>
     <a:defPPr>
@@ -155,12 +155,12 @@
   <p:extLst>
     <p:ext uri="{EFAFB233-063F-42B5-8137-9DF3F51BA10A}">
       <p15:sldGuideLst xmlns:p15="http://schemas.microsoft.com/office/powerpoint/2012/main">
-        <p15:guide id="1" orient="horz" pos="2160">
+        <p15:guide id="1" orient="horz" pos="2160" userDrawn="1">
           <p15:clr>
             <a:srgbClr val="A4A3A4"/>
           </p15:clr>
         </p15:guide>
-        <p15:guide id="2" pos="2880">
+        <p15:guide id="2" pos="3840" userDrawn="1">
           <p15:clr>
             <a:srgbClr val="A4A3A4"/>
           </p15:clr>
@@ -557,8 +557,8 @@
         </p:nvSpPr>
         <p:spPr bwMode="auto">
           <a:xfrm>
-            <a:off x="917575" y="744538"/>
-            <a:ext cx="4959350" cy="3719512"/>
+            <a:off x="92075" y="744538"/>
+            <a:ext cx="6610350" cy="3719512"/>
           </a:xfrm>
           <a:prstGeom prst="rect">
             <a:avLst/>
@@ -923,7 +923,12 @@
             <p:ph type="sldImg"/>
           </p:nvPr>
         </p:nvSpPr>
-        <p:spPr/>
+        <p:spPr>
+          <a:xfrm>
+            <a:off x="92075" y="744538"/>
+            <a:ext cx="6610350" cy="3719512"/>
+          </a:xfrm>
+        </p:spPr>
       </p:sp>
       <p:sp>
         <p:nvSpPr>
@@ -1014,6 +1019,10 @@
           </p:nvPr>
         </p:nvSpPr>
         <p:spPr>
+          <a:xfrm>
+            <a:off x="92075" y="744538"/>
+            <a:ext cx="6610350" cy="3719512"/>
+          </a:xfrm>
           <a:ln/>
         </p:spPr>
       </p:sp>
@@ -1252,7 +1261,12 @@
             <p:ph type="sldImg"/>
           </p:nvPr>
         </p:nvSpPr>
-        <p:spPr/>
+        <p:spPr>
+          <a:xfrm>
+            <a:off x="92075" y="744538"/>
+            <a:ext cx="6610350" cy="3719512"/>
+          </a:xfrm>
+        </p:spPr>
       </p:sp>
       <p:sp>
         <p:nvSpPr>
@@ -1342,7 +1356,12 @@
             <p:ph type="sldImg"/>
           </p:nvPr>
         </p:nvSpPr>
-        <p:spPr/>
+        <p:spPr>
+          <a:xfrm>
+            <a:off x="92075" y="744538"/>
+            <a:ext cx="6610350" cy="3719512"/>
+          </a:xfrm>
+        </p:spPr>
       </p:sp>
       <p:sp>
         <p:nvSpPr>
@@ -3164,7 +3183,12 @@
             <p:ph type="sldImg"/>
           </p:nvPr>
         </p:nvSpPr>
-        <p:spPr/>
+        <p:spPr>
+          <a:xfrm>
+            <a:off x="92075" y="744538"/>
+            <a:ext cx="6610350" cy="3719512"/>
+          </a:xfrm>
+        </p:spPr>
       </p:sp>
       <p:sp>
         <p:nvSpPr>
@@ -3281,7 +3305,12 @@
             <p:ph type="sldImg"/>
           </p:nvPr>
         </p:nvSpPr>
-        <p:spPr/>
+        <p:spPr>
+          <a:xfrm>
+            <a:off x="92075" y="744538"/>
+            <a:ext cx="6610350" cy="3719512"/>
+          </a:xfrm>
+        </p:spPr>
       </p:sp>
       <p:sp>
         <p:nvSpPr>
@@ -3408,6 +3437,10 @@
           </p:nvPr>
         </p:nvSpPr>
         <p:spPr>
+          <a:xfrm>
+            <a:off x="92075" y="744538"/>
+            <a:ext cx="6610350" cy="3719512"/>
+          </a:xfrm>
           <a:ln/>
         </p:spPr>
       </p:sp>
@@ -3678,8 +3711,8 @@
         </p:nvSpPr>
         <p:spPr>
           <a:xfrm>
-            <a:off x="685800" y="2130425"/>
-            <a:ext cx="7772400" cy="1470025"/>
+            <a:off x="914400" y="2130426"/>
+            <a:ext cx="10363200" cy="1470025"/>
           </a:xfrm>
           <a:prstGeom prst="rect">
             <a:avLst/>
@@ -3727,8 +3760,8 @@
         </p:nvSpPr>
         <p:spPr>
           <a:xfrm>
-            <a:off x="1371600" y="3886200"/>
-            <a:ext cx="6400800" cy="1752600"/>
+            <a:off x="1828800" y="3886200"/>
+            <a:ext cx="8534400" cy="1752600"/>
           </a:xfrm>
           <a:prstGeom prst="rect">
             <a:avLst/>
@@ -3810,8 +3843,8 @@
         </p:nvSpPr>
         <p:spPr>
           <a:xfrm>
-            <a:off x="457200" y="6245225"/>
-            <a:ext cx="2133600" cy="476250"/>
+            <a:off x="609600" y="6245225"/>
+            <a:ext cx="2844800" cy="476250"/>
           </a:xfrm>
           <a:prstGeom prst="rect">
             <a:avLst/>
@@ -3873,8 +3906,8 @@
         </p:nvSpPr>
         <p:spPr>
           <a:xfrm>
-            <a:off x="6553200" y="6245225"/>
-            <a:ext cx="2133600" cy="476250"/>
+            <a:off x="8737600" y="6245225"/>
+            <a:ext cx="2844800" cy="476250"/>
           </a:xfrm>
           <a:prstGeom prst="rect">
             <a:avLst/>
@@ -3930,8 +3963,8 @@
         </p:blipFill>
         <p:spPr bwMode="auto">
           <a:xfrm>
-            <a:off x="323528" y="188640"/>
-            <a:ext cx="1104900" cy="2017712"/>
+            <a:off x="431371" y="188640"/>
+            <a:ext cx="1473200" cy="2017712"/>
           </a:xfrm>
           <a:prstGeom prst="rect">
             <a:avLst/>
@@ -4010,8 +4043,8 @@
         </p:nvSpPr>
         <p:spPr>
           <a:xfrm>
-            <a:off x="457200" y="274638"/>
-            <a:ext cx="8229600" cy="742094"/>
+            <a:off x="609600" y="274638"/>
+            <a:ext cx="10972800" cy="742094"/>
           </a:xfrm>
           <a:prstGeom prst="rect">
             <a:avLst/>
@@ -4053,8 +4086,8 @@
         </p:nvSpPr>
         <p:spPr>
           <a:xfrm>
-            <a:off x="457200" y="1160748"/>
-            <a:ext cx="8229600" cy="4965415"/>
+            <a:off x="609600" y="1160749"/>
+            <a:ext cx="10972800" cy="4965415"/>
           </a:xfrm>
           <a:prstGeom prst="rect">
             <a:avLst/>
@@ -4184,8 +4217,8 @@
         </p:nvSpPr>
         <p:spPr>
           <a:xfrm>
-            <a:off x="7272300" y="6263751"/>
-            <a:ext cx="1512168" cy="369332"/>
+            <a:off x="9696400" y="6263751"/>
+            <a:ext cx="2016224" cy="369332"/>
           </a:xfrm>
           <a:prstGeom prst="rect">
             <a:avLst/>
@@ -4277,8 +4310,8 @@
         </p:nvSpPr>
         <p:spPr>
           <a:xfrm>
-            <a:off x="457200" y="274638"/>
-            <a:ext cx="8229600" cy="706090"/>
+            <a:off x="609600" y="274638"/>
+            <a:ext cx="10972800" cy="706090"/>
           </a:xfrm>
           <a:prstGeom prst="rect">
             <a:avLst/>
@@ -4320,8 +4353,8 @@
         </p:nvSpPr>
         <p:spPr>
           <a:xfrm>
-            <a:off x="457200" y="1088740"/>
-            <a:ext cx="4038600" cy="5037423"/>
+            <a:off x="609600" y="1088740"/>
+            <a:ext cx="5384800" cy="5037423"/>
           </a:xfrm>
           <a:prstGeom prst="rect">
             <a:avLst/>
@@ -4407,8 +4440,8 @@
         </p:nvSpPr>
         <p:spPr>
           <a:xfrm>
-            <a:off x="4648200" y="1088740"/>
-            <a:ext cx="4038600" cy="5037423"/>
+            <a:off x="6197600" y="1088740"/>
+            <a:ext cx="5384800" cy="5037423"/>
           </a:xfrm>
           <a:prstGeom prst="rect">
             <a:avLst/>
@@ -4494,8 +4527,8 @@
         </p:nvSpPr>
         <p:spPr>
           <a:xfrm>
-            <a:off x="457200" y="6245225"/>
-            <a:ext cx="2133600" cy="476250"/>
+            <a:off x="609600" y="6245225"/>
+            <a:ext cx="2844800" cy="476250"/>
           </a:xfrm>
           <a:prstGeom prst="rect">
             <a:avLst/>
@@ -4557,8 +4590,8 @@
         </p:nvSpPr>
         <p:spPr>
           <a:xfrm>
-            <a:off x="6553200" y="6245225"/>
-            <a:ext cx="2133600" cy="476250"/>
+            <a:off x="8737600" y="6245225"/>
+            <a:ext cx="2844800" cy="476250"/>
           </a:xfrm>
           <a:prstGeom prst="rect">
             <a:avLst/>
@@ -4599,8 +4632,8 @@
         </p:nvSpPr>
         <p:spPr>
           <a:xfrm>
-            <a:off x="7272300" y="6263751"/>
-            <a:ext cx="1512168" cy="369332"/>
+            <a:off x="9696400" y="6263751"/>
+            <a:ext cx="2016224" cy="369332"/>
           </a:xfrm>
           <a:prstGeom prst="rect">
             <a:avLst/>
@@ -4692,8 +4725,8 @@
         </p:nvSpPr>
         <p:spPr>
           <a:xfrm>
-            <a:off x="457200" y="6245225"/>
-            <a:ext cx="2133600" cy="476250"/>
+            <a:off x="609600" y="6245225"/>
+            <a:ext cx="2844800" cy="476250"/>
           </a:xfrm>
           <a:prstGeom prst="rect">
             <a:avLst/>
@@ -4755,8 +4788,8 @@
         </p:nvSpPr>
         <p:spPr>
           <a:xfrm>
-            <a:off x="6553200" y="6245225"/>
-            <a:ext cx="2133600" cy="476250"/>
+            <a:off x="8737600" y="6245225"/>
+            <a:ext cx="2844800" cy="476250"/>
           </a:xfrm>
           <a:prstGeom prst="rect">
             <a:avLst/>
@@ -4797,8 +4830,8 @@
         </p:nvSpPr>
         <p:spPr>
           <a:xfrm>
-            <a:off x="7272300" y="6263751"/>
-            <a:ext cx="1512168" cy="369332"/>
+            <a:off x="9696400" y="6263751"/>
+            <a:ext cx="2016224" cy="369332"/>
           </a:xfrm>
           <a:prstGeom prst="rect">
             <a:avLst/>
@@ -4849,8 +4882,8 @@
         </p:nvSpPr>
         <p:spPr>
           <a:xfrm>
-            <a:off x="287524" y="6231485"/>
-            <a:ext cx="1512168" cy="369332"/>
+            <a:off x="383365" y="6231485"/>
+            <a:ext cx="2016224" cy="369332"/>
           </a:xfrm>
           <a:prstGeom prst="rect">
             <a:avLst/>
@@ -4944,8 +4977,8 @@
         </p:blipFill>
         <p:spPr bwMode="auto">
           <a:xfrm>
-            <a:off x="0" y="0"/>
-            <a:ext cx="9144000" cy="1000125"/>
+            <a:off x="0" y="1"/>
+            <a:ext cx="12192000" cy="1000125"/>
           </a:xfrm>
           <a:prstGeom prst="rect">
             <a:avLst/>
@@ -4987,8 +5020,8 @@
         </p:nvSpPr>
         <p:spPr bwMode="auto">
           <a:xfrm>
-            <a:off x="3124200" y="6245225"/>
-            <a:ext cx="2895600" cy="476250"/>
+            <a:off x="4165600" y="6245225"/>
+            <a:ext cx="3860800" cy="476250"/>
           </a:xfrm>
           <a:prstGeom prst="rect">
             <a:avLst/>
@@ -5067,8 +5100,8 @@
         </p:blipFill>
         <p:spPr bwMode="auto">
           <a:xfrm>
-            <a:off x="0" y="0"/>
-            <a:ext cx="2916238" cy="1000125"/>
+            <a:off x="0" y="1"/>
+            <a:ext cx="3888317" cy="1000125"/>
           </a:xfrm>
           <a:prstGeom prst="rect">
             <a:avLst/>
@@ -5558,10 +5591,14 @@
           <a:lstStyle/>
           <a:p>
             <a:r>
-              <a:rPr lang="zh-CN" altLang="en-US" smtClean="0"/>
-              <a:t>包装器类</a:t>
-            </a:r>
-            <a:endParaRPr lang="zh-CN" altLang="en-US"/>
+              <a:rPr lang="zh-CN" altLang="en-US" dirty="0" smtClean="0"/>
+              <a:t>第八章  包装</a:t>
+            </a:r>
+            <a:r>
+              <a:rPr lang="zh-CN" altLang="en-US" dirty="0" smtClean="0"/>
+              <a:t>器类</a:t>
+            </a:r>
+            <a:endParaRPr lang="zh-CN" altLang="en-US" dirty="0"/>
           </a:p>
         </p:txBody>
       </p:sp>
@@ -5580,10 +5617,6 @@
           <a:bodyPr/>
           <a:lstStyle/>
           <a:p>
-            <a:r>
-              <a:rPr lang="zh-CN" altLang="en-US" dirty="0" smtClean="0"/>
-              <a:t>李玮玮</a:t>
-            </a:r>
             <a:endParaRPr lang="zh-CN" altLang="en-US" dirty="0"/>
           </a:p>
         </p:txBody>
@@ -5657,25 +5690,55 @@
           <a:bodyPr/>
           <a:lstStyle/>
           <a:p>
+            <a:pPr>
+              <a:lnSpc>
+                <a:spcPct val="150000"/>
+              </a:lnSpc>
+            </a:pPr>
             <a:r>
               <a:rPr lang="zh-CN" altLang="en-US" dirty="0" smtClean="0"/>
-              <a:t>可变元参数列表给方法的重载带来了一定的难题</a:t>
-            </a:r>
-            <a:r>
-              <a:rPr lang="en-US" altLang="zh-CN" dirty="0" smtClean="0"/>
-              <a:t>;</a:t>
-            </a:r>
-          </a:p>
-          <a:p>
+              <a:t>可变元参数列表给方法的重载带来了一定的</a:t>
+            </a:r>
+            <a:r>
+              <a:rPr lang="zh-CN" altLang="en-US" dirty="0" smtClean="0"/>
+              <a:t>难题</a:t>
+            </a:r>
+            <a:r>
+              <a:rPr lang="zh-CN" altLang="en-US" dirty="0"/>
+              <a:t>。</a:t>
+            </a:r>
             <a:endParaRPr lang="en-US" altLang="zh-CN" dirty="0" smtClean="0"/>
           </a:p>
           <a:p>
+            <a:pPr>
+              <a:lnSpc>
+                <a:spcPct val="150000"/>
+              </a:lnSpc>
+            </a:pPr>
             <a:endParaRPr lang="en-US" altLang="zh-CN" dirty="0" smtClean="0"/>
           </a:p>
           <a:p>
+            <a:pPr>
+              <a:lnSpc>
+                <a:spcPct val="150000"/>
+              </a:lnSpc>
+            </a:pPr>
             <a:endParaRPr lang="en-US" altLang="zh-CN" dirty="0" smtClean="0"/>
           </a:p>
           <a:p>
+            <a:pPr>
+              <a:lnSpc>
+                <a:spcPct val="150000"/>
+              </a:lnSpc>
+            </a:pPr>
+            <a:endParaRPr lang="en-US" altLang="zh-CN" dirty="0" smtClean="0"/>
+          </a:p>
+          <a:p>
+            <a:pPr>
+              <a:lnSpc>
+                <a:spcPct val="150000"/>
+              </a:lnSpc>
+            </a:pPr>
             <a:endParaRPr lang="en-US" altLang="zh-CN" dirty="0" smtClean="0"/>
           </a:p>
         </p:txBody>
@@ -5688,7 +5751,7 @@
         </p:nvSpPr>
         <p:spPr>
           <a:xfrm>
-            <a:off x="7945438" y="4189413"/>
+            <a:off x="9469439" y="4189413"/>
             <a:ext cx="796925" cy="400050"/>
           </a:xfrm>
           <a:prstGeom prst="rect">
@@ -5812,7 +5875,7 @@
               <a:defRPr/>
             </a:pPr>
             <a:r>
-              <a:rPr lang="en-US" altLang="zh-CN" dirty="0" err="1" smtClean="0">
+              <a:rPr lang="en-US" altLang="zh-CN" dirty="0" err="1">
                 <a:solidFill>
                   <a:schemeClr val="tx1"/>
                 </a:solidFill>
@@ -5820,7 +5883,7 @@
               </a:rPr>
               <a:t>int,int</a:t>
             </a:r>
-            <a:endParaRPr lang="zh-CN" altLang="en-US" dirty="0" smtClean="0">
+            <a:endParaRPr lang="zh-CN" altLang="en-US" dirty="0">
               <a:solidFill>
                 <a:schemeClr val="tx1"/>
               </a:solidFill>
@@ -5840,7 +5903,7 @@
         </p:nvCxnSpPr>
         <p:spPr bwMode="auto">
           <a:xfrm flipV="1">
-            <a:off x="7111803" y="4389438"/>
+            <a:off x="8635804" y="4389438"/>
             <a:ext cx="833635" cy="1341490"/>
           </a:xfrm>
           <a:prstGeom prst="bentConnector3">
@@ -5878,7 +5941,7 @@
         </p:nvSpPr>
         <p:spPr bwMode="auto">
           <a:xfrm>
-            <a:off x="1010846" y="1719538"/>
+            <a:off x="2534846" y="1719539"/>
             <a:ext cx="6153542" cy="3163543"/>
           </a:xfrm>
           <a:prstGeom prst="rect">
@@ -5904,24 +5967,14 @@
               <a:defRPr/>
             </a:pPr>
             <a:r>
-              <a:rPr lang="en-US" altLang="zh-CN" sz="1800" dirty="0" smtClean="0">
+              <a:rPr lang="en-US" altLang="zh-CN" sz="1800" dirty="0">
                 <a:solidFill>
                   <a:schemeClr val="tx1"/>
                 </a:solidFill>
                 <a:latin typeface="微软雅黑" pitchFamily="34" charset="-122"/>
                 <a:ea typeface="微软雅黑" pitchFamily="34" charset="-122"/>
               </a:rPr>
-              <a:t>public </a:t>
-            </a:r>
-            <a:r>
-              <a:rPr lang="en-US" altLang="zh-CN" sz="1800" dirty="0">
-                <a:solidFill>
-                  <a:schemeClr val="tx1"/>
-                </a:solidFill>
-                <a:latin typeface="微软雅黑" pitchFamily="34" charset="-122"/>
-                <a:ea typeface="微软雅黑" pitchFamily="34" charset="-122"/>
-              </a:rPr>
-              <a:t>class </a:t>
+              <a:t>public class </a:t>
             </a:r>
             <a:r>
               <a:rPr lang="en-US" altLang="zh-CN" sz="1800" dirty="0" err="1">
@@ -6113,24 +6166,14 @@
               <a:t>...</a:t>
             </a:r>
             <a:r>
-              <a:rPr lang="en-US" altLang="zh-CN" sz="1800" dirty="0" smtClean="0">
+              <a:rPr lang="en-US" altLang="zh-CN" sz="1800" dirty="0">
                 <a:solidFill>
                   <a:schemeClr val="tx1"/>
                 </a:solidFill>
                 <a:latin typeface="微软雅黑" pitchFamily="34" charset="-122"/>
                 <a:ea typeface="微软雅黑" pitchFamily="34" charset="-122"/>
               </a:rPr>
-              <a:t>x</a:t>
-            </a:r>
-            <a:r>
-              <a:rPr lang="en-US" altLang="zh-CN" sz="1800" dirty="0">
-                <a:solidFill>
-                  <a:schemeClr val="tx1"/>
-                </a:solidFill>
-                <a:latin typeface="微软雅黑" pitchFamily="34" charset="-122"/>
-                <a:ea typeface="微软雅黑" pitchFamily="34" charset="-122"/>
-              </a:rPr>
-              <a:t>){</a:t>
+              <a:t>x){</a:t>
             </a:r>
             <a:endParaRPr lang="zh-CN" altLang="zh-CN" sz="1800" dirty="0">
               <a:solidFill>
@@ -6335,7 +6378,7 @@
         </p:nvSpPr>
         <p:spPr>
           <a:xfrm>
-            <a:off x="1063428" y="4853765"/>
+            <a:off x="2587429" y="4853765"/>
             <a:ext cx="6048375" cy="1754326"/>
           </a:xfrm>
           <a:prstGeom prst="rect">
@@ -6975,6 +7018,11 @@
           <a:bodyPr/>
           <a:lstStyle/>
           <a:p>
+            <a:pPr>
+              <a:lnSpc>
+                <a:spcPct val="150000"/>
+              </a:lnSpc>
+            </a:pPr>
             <a:r>
               <a:rPr lang="zh-CN" altLang="en-US" dirty="0" smtClean="0"/>
               <a:t>选择重载时匹配哪个方法时遵循以下原则：</a:t>
@@ -6982,7 +7030,11 @@
             <a:endParaRPr lang="en-US" altLang="zh-CN" dirty="0" smtClean="0"/>
           </a:p>
           <a:p>
-            <a:pPr lvl="1"/>
+            <a:pPr lvl="1">
+              <a:lnSpc>
+                <a:spcPct val="150000"/>
+              </a:lnSpc>
+            </a:pPr>
             <a:r>
               <a:rPr lang="zh-CN" altLang="en-US" dirty="0" smtClean="0"/>
               <a:t>是否有直接匹配的</a:t>
@@ -6990,7 +7042,11 @@
             <a:endParaRPr lang="en-US" altLang="zh-CN" dirty="0" smtClean="0"/>
           </a:p>
           <a:p>
-            <a:pPr lvl="1"/>
+            <a:pPr lvl="1">
+              <a:lnSpc>
+                <a:spcPct val="150000"/>
+              </a:lnSpc>
+            </a:pPr>
             <a:r>
               <a:rPr lang="zh-CN" altLang="en-US" dirty="0" smtClean="0"/>
               <a:t>是否加宽后直接能够匹配的</a:t>
@@ -6998,19 +7054,23 @@
             <a:endParaRPr lang="en-US" altLang="zh-CN" dirty="0" smtClean="0"/>
           </a:p>
           <a:p>
-            <a:pPr lvl="1"/>
+            <a:pPr lvl="1">
+              <a:lnSpc>
+                <a:spcPct val="150000"/>
+              </a:lnSpc>
+            </a:pPr>
             <a:r>
               <a:rPr lang="zh-CN" altLang="en-US" dirty="0" smtClean="0"/>
-              <a:t>是否装箱后能够匹配</a:t>
-            </a:r>
-            <a:r>
-              <a:rPr lang="zh-CN" altLang="en-US" dirty="0" smtClean="0"/>
-              <a:t>的</a:t>
+              <a:t>是否装箱后能够匹配的</a:t>
             </a:r>
             <a:endParaRPr lang="en-US" altLang="zh-CN" dirty="0"/>
           </a:p>
           <a:p>
-            <a:pPr lvl="1"/>
+            <a:pPr lvl="1">
+              <a:lnSpc>
+                <a:spcPct val="150000"/>
+              </a:lnSpc>
+            </a:pPr>
             <a:r>
               <a:rPr lang="zh-CN" altLang="en-US" dirty="0"/>
               <a:t>先装箱后加宽后能否匹配</a:t>
@@ -7018,7 +7078,11 @@
             <a:endParaRPr lang="en-US" altLang="zh-CN" dirty="0"/>
           </a:p>
           <a:p>
-            <a:pPr lvl="2"/>
+            <a:pPr lvl="2">
+              <a:lnSpc>
+                <a:spcPct val="150000"/>
+              </a:lnSpc>
+            </a:pPr>
             <a:r>
               <a:rPr lang="zh-CN" altLang="zh-CN" dirty="0"/>
               <a:t>可以先装箱，后加宽（</a:t>
@@ -7050,14 +7114,14 @@
             <a:endParaRPr lang="en-US" altLang="zh-CN" dirty="0" smtClean="0"/>
           </a:p>
           <a:p>
-            <a:pPr lvl="1"/>
+            <a:pPr lvl="1">
+              <a:lnSpc>
+                <a:spcPct val="150000"/>
+              </a:lnSpc>
+            </a:pPr>
             <a:r>
               <a:rPr lang="zh-CN" altLang="en-US" dirty="0" smtClean="0"/>
-              <a:t>是否有不定长参数能够匹配</a:t>
-            </a:r>
-            <a:r>
-              <a:rPr lang="zh-CN" altLang="en-US" dirty="0" smtClean="0"/>
-              <a:t>的</a:t>
+              <a:t>是否有不定长参数能够匹配的</a:t>
             </a:r>
             <a:endParaRPr lang="zh-CN" altLang="en-US" dirty="0"/>
           </a:p>
@@ -9202,29 +9266,49 @@
           <a:bodyPr/>
           <a:lstStyle/>
           <a:p>
-            <a:r>
-              <a:rPr lang="zh-CN" altLang="en-US" smtClean="0"/>
+            <a:pPr>
+              <a:lnSpc>
+                <a:spcPct val="150000"/>
+              </a:lnSpc>
+            </a:pPr>
+            <a:r>
+              <a:rPr lang="zh-CN" altLang="en-US" dirty="0" smtClean="0"/>
               <a:t>包装器类的概念</a:t>
             </a:r>
-            <a:endParaRPr lang="en-US" altLang="zh-CN" smtClean="0"/>
-          </a:p>
-          <a:p>
-            <a:r>
-              <a:rPr lang="zh-CN" altLang="en-US" smtClean="0"/>
+            <a:endParaRPr lang="en-US" altLang="zh-CN" dirty="0" smtClean="0"/>
+          </a:p>
+          <a:p>
+            <a:pPr>
+              <a:lnSpc>
+                <a:spcPct val="150000"/>
+              </a:lnSpc>
+            </a:pPr>
+            <a:r>
+              <a:rPr lang="zh-CN" altLang="en-US" dirty="0" smtClean="0"/>
               <a:t>包装器类型与基本数据类型的转换</a:t>
             </a:r>
-            <a:endParaRPr lang="en-US" altLang="zh-CN" smtClean="0"/>
-          </a:p>
-          <a:p>
-            <a:r>
-              <a:rPr lang="zh-CN" altLang="en-US" smtClean="0"/>
+            <a:endParaRPr lang="en-US" altLang="zh-CN" dirty="0" smtClean="0"/>
+          </a:p>
+          <a:p>
+            <a:pPr>
+              <a:lnSpc>
+                <a:spcPct val="150000"/>
+              </a:lnSpc>
+            </a:pPr>
+            <a:r>
+              <a:rPr lang="zh-CN" altLang="en-US" dirty="0" smtClean="0"/>
               <a:t>自动装箱的概念</a:t>
             </a:r>
-            <a:endParaRPr lang="en-US" altLang="zh-CN" smtClean="0"/>
-          </a:p>
-          <a:p>
-            <a:r>
-              <a:rPr lang="zh-CN" altLang="en-US" smtClean="0"/>
+            <a:endParaRPr lang="en-US" altLang="zh-CN" dirty="0" smtClean="0"/>
+          </a:p>
+          <a:p>
+            <a:pPr>
+              <a:lnSpc>
+                <a:spcPct val="150000"/>
+              </a:lnSpc>
+            </a:pPr>
+            <a:r>
+              <a:rPr lang="zh-CN" altLang="en-US" dirty="0" smtClean="0"/>
               <a:t>自动装箱引发的一系列问题</a:t>
             </a:r>
             <a:endParaRPr lang="en-US" altLang="zh-CN" dirty="0" smtClean="0"/>
@@ -9280,7 +9364,7 @@
         </p:nvSpPr>
         <p:spPr bwMode="auto">
           <a:xfrm>
-            <a:off x="899592" y="3068960"/>
+            <a:off x="2423593" y="3068960"/>
             <a:ext cx="7362825" cy="582612"/>
           </a:xfrm>
           <a:prstGeom prst="rect">
@@ -9510,11 +9594,11 @@
           <a:bodyPr/>
           <a:lstStyle/>
           <a:p>
-            <a:r>
-              <a:rPr lang="zh-CN" altLang="en-US" smtClean="0"/>
+            <a:pPr algn="ctr"/>
+            <a:r>
+              <a:rPr lang="zh-CN" altLang="en-US" dirty="0" smtClean="0"/>
               <a:t>讲授思路　　　　　　　　　</a:t>
             </a:r>
-            <a:endParaRPr lang="zh-CN" altLang="en-US" dirty="0" smtClean="0"/>
           </a:p>
         </p:txBody>
       </p:sp>
@@ -9528,34 +9612,59 @@
             <p:ph idx="1"/>
           </p:nvPr>
         </p:nvSpPr>
-        <p:spPr/>
+        <p:spPr>
+          <a:xfrm>
+            <a:off x="3935760" y="1160749"/>
+            <a:ext cx="5544616" cy="4965415"/>
+          </a:xfrm>
+        </p:spPr>
         <p:txBody>
           <a:bodyPr/>
           <a:lstStyle/>
           <a:p>
-            <a:r>
-              <a:rPr lang="zh-CN" altLang="en-US" smtClean="0"/>
+            <a:pPr>
+              <a:lnSpc>
+                <a:spcPct val="150000"/>
+              </a:lnSpc>
+            </a:pPr>
+            <a:r>
+              <a:rPr lang="zh-CN" altLang="en-US" dirty="0" smtClean="0"/>
               <a:t>包装器类的概念</a:t>
             </a:r>
-            <a:endParaRPr lang="en-US" altLang="zh-CN" smtClean="0"/>
-          </a:p>
-          <a:p>
-            <a:r>
-              <a:rPr lang="zh-CN" altLang="en-US" smtClean="0"/>
+            <a:endParaRPr lang="en-US" altLang="zh-CN" dirty="0" smtClean="0"/>
+          </a:p>
+          <a:p>
+            <a:pPr>
+              <a:lnSpc>
+                <a:spcPct val="150000"/>
+              </a:lnSpc>
+            </a:pPr>
+            <a:r>
+              <a:rPr lang="zh-CN" altLang="en-US" dirty="0" smtClean="0"/>
               <a:t>包装器类型与基本数据类型的转换</a:t>
             </a:r>
-            <a:endParaRPr lang="en-US" altLang="zh-CN" smtClean="0"/>
-          </a:p>
-          <a:p>
-            <a:r>
-              <a:rPr lang="zh-CN" altLang="en-US" smtClean="0"/>
+            <a:endParaRPr lang="en-US" altLang="zh-CN" dirty="0" smtClean="0"/>
+          </a:p>
+          <a:p>
+            <a:pPr>
+              <a:lnSpc>
+                <a:spcPct val="150000"/>
+              </a:lnSpc>
+            </a:pPr>
+            <a:r>
+              <a:rPr lang="zh-CN" altLang="en-US" dirty="0" smtClean="0"/>
               <a:t>自动装箱的概念</a:t>
             </a:r>
-            <a:endParaRPr lang="en-US" altLang="zh-CN" smtClean="0"/>
-          </a:p>
-          <a:p>
-            <a:r>
-              <a:rPr lang="zh-CN" altLang="en-US" smtClean="0"/>
+            <a:endParaRPr lang="en-US" altLang="zh-CN" dirty="0" smtClean="0"/>
+          </a:p>
+          <a:p>
+            <a:pPr>
+              <a:lnSpc>
+                <a:spcPct val="150000"/>
+              </a:lnSpc>
+            </a:pPr>
+            <a:r>
+              <a:rPr lang="zh-CN" altLang="en-US" dirty="0" smtClean="0"/>
               <a:t>自动装箱引发的一系列问题</a:t>
             </a:r>
             <a:endParaRPr lang="en-US" altLang="zh-CN" dirty="0" smtClean="0"/>
@@ -9631,6 +9740,11 @@
           <a:bodyPr/>
           <a:lstStyle/>
           <a:p>
+            <a:pPr>
+              <a:lnSpc>
+                <a:spcPct val="150000"/>
+              </a:lnSpc>
+            </a:pPr>
             <a:r>
               <a:rPr lang="en-US" altLang="zh-CN" dirty="0" smtClean="0"/>
               <a:t>Java</a:t>
@@ -9658,6 +9772,11 @@
             <a:endParaRPr lang="en-US" altLang="zh-CN" dirty="0" smtClean="0"/>
           </a:p>
           <a:p>
+            <a:pPr>
+              <a:lnSpc>
+                <a:spcPct val="150000"/>
+              </a:lnSpc>
+            </a:pPr>
             <a:r>
               <a:rPr lang="en-US" altLang="zh-CN" dirty="0" smtClean="0"/>
               <a:t>Java</a:t>
@@ -9881,107 +10000,168 @@
             <p:ph idx="1"/>
           </p:nvPr>
         </p:nvSpPr>
-        <p:spPr/>
+        <p:spPr>
+          <a:xfrm>
+            <a:off x="609600" y="1160749"/>
+            <a:ext cx="10972800" cy="5436603"/>
+          </a:xfrm>
+        </p:spPr>
         <p:txBody>
           <a:bodyPr/>
           <a:lstStyle/>
           <a:p>
-            <a:r>
-              <a:rPr lang="en-US" altLang="zh-CN" smtClean="0"/>
+            <a:pPr>
+              <a:lnSpc>
+                <a:spcPct val="150000"/>
+              </a:lnSpc>
+            </a:pPr>
+            <a:r>
+              <a:rPr lang="en-US" altLang="zh-CN" dirty="0" smtClean="0"/>
               <a:t>Java</a:t>
             </a:r>
             <a:r>
-              <a:rPr lang="zh-CN" altLang="en-US" smtClean="0"/>
+              <a:rPr lang="zh-CN" altLang="en-US" dirty="0" smtClean="0"/>
               <a:t>可以直接处理基本数据类型，但在有些情况下需要将其作为对象来处理</a:t>
             </a:r>
             <a:r>
-              <a:rPr lang="en-US" altLang="zh-CN" smtClean="0"/>
+              <a:rPr lang="en-US" altLang="zh-CN" dirty="0" smtClean="0"/>
               <a:t>,</a:t>
             </a:r>
             <a:r>
-              <a:rPr lang="zh-CN" altLang="en-US" smtClean="0"/>
+              <a:rPr lang="zh-CN" altLang="en-US" dirty="0" smtClean="0"/>
               <a:t>这时就需要将其转化为包装器类型，在一定的场合，运用</a:t>
             </a:r>
             <a:r>
-              <a:rPr lang="en-US" altLang="zh-CN" smtClean="0"/>
+              <a:rPr lang="en-US" altLang="zh-CN" dirty="0" smtClean="0"/>
               <a:t>Java</a:t>
             </a:r>
             <a:r>
-              <a:rPr lang="zh-CN" altLang="en-US" smtClean="0"/>
+              <a:rPr lang="zh-CN" altLang="en-US" dirty="0" smtClean="0"/>
               <a:t>包装器类来解决问题，能大大提高编程效率。</a:t>
             </a:r>
-            <a:endParaRPr lang="en-US" altLang="zh-CN" smtClean="0"/>
-          </a:p>
-          <a:p>
-            <a:r>
-              <a:rPr lang="zh-CN" altLang="en-US" smtClean="0"/>
+            <a:endParaRPr lang="en-US" altLang="zh-CN" dirty="0" smtClean="0"/>
+          </a:p>
+          <a:p>
+            <a:pPr>
+              <a:lnSpc>
+                <a:spcPct val="150000"/>
+              </a:lnSpc>
+            </a:pPr>
+            <a:r>
+              <a:rPr lang="zh-CN" altLang="en-US" dirty="0" smtClean="0"/>
               <a:t>创建包装器类型对象的两种方式</a:t>
             </a:r>
             <a:r>
-              <a:rPr lang="en-US" altLang="zh-CN" smtClean="0"/>
+              <a:rPr lang="en-US" altLang="zh-CN" dirty="0" smtClean="0"/>
               <a:t>:</a:t>
             </a:r>
           </a:p>
           <a:p>
-            <a:pPr lvl="1"/>
-            <a:r>
-              <a:rPr lang="zh-CN" altLang="en-US" smtClean="0"/>
+            <a:pPr lvl="1">
+              <a:lnSpc>
+                <a:spcPct val="150000"/>
+              </a:lnSpc>
+            </a:pPr>
+            <a:r>
+              <a:rPr lang="zh-CN" altLang="en-US" dirty="0" smtClean="0"/>
               <a:t>构造方法：</a:t>
             </a:r>
             <a:r>
-              <a:rPr lang="en-US" altLang="zh-CN" smtClean="0"/>
+              <a:rPr lang="en-US" altLang="zh-CN" dirty="0" smtClean="0"/>
               <a:t>new;</a:t>
             </a:r>
           </a:p>
           <a:p>
-            <a:pPr lvl="2"/>
-            <a:r>
-              <a:rPr lang="en-US" altLang="zh-CN" smtClean="0"/>
-              <a:t>Integer i = new Integer(1);</a:t>
-            </a:r>
-          </a:p>
-          <a:p>
-            <a:pPr lvl="1"/>
-            <a:r>
-              <a:rPr lang="zh-CN" altLang="en-US" smtClean="0"/>
+            <a:pPr lvl="2">
+              <a:lnSpc>
+                <a:spcPct val="150000"/>
+              </a:lnSpc>
+            </a:pPr>
+            <a:r>
+              <a:rPr lang="en-US" altLang="zh-CN" dirty="0" smtClean="0"/>
+              <a:t>Integer </a:t>
+            </a:r>
+            <a:r>
+              <a:rPr lang="en-US" altLang="zh-CN" dirty="0" err="1" smtClean="0"/>
+              <a:t>i</a:t>
+            </a:r>
+            <a:r>
+              <a:rPr lang="en-US" altLang="zh-CN" dirty="0" smtClean="0"/>
+              <a:t> = new Integer(1);</a:t>
+            </a:r>
+          </a:p>
+          <a:p>
+            <a:pPr lvl="1">
+              <a:lnSpc>
+                <a:spcPct val="150000"/>
+              </a:lnSpc>
+            </a:pPr>
+            <a:r>
+              <a:rPr lang="zh-CN" altLang="en-US" dirty="0" smtClean="0"/>
               <a:t>调用包装器类型的</a:t>
             </a:r>
             <a:r>
-              <a:rPr lang="en-US" altLang="zh-CN" smtClean="0"/>
+              <a:rPr lang="en-US" altLang="zh-CN" dirty="0" err="1" smtClean="0"/>
               <a:t>valueOf</a:t>
             </a:r>
             <a:r>
-              <a:rPr lang="zh-CN" altLang="en-US" smtClean="0"/>
+              <a:rPr lang="zh-CN" altLang="en-US" dirty="0" smtClean="0"/>
               <a:t>方法。</a:t>
             </a:r>
-            <a:endParaRPr lang="en-US" altLang="zh-CN" smtClean="0"/>
-          </a:p>
-          <a:p>
-            <a:pPr lvl="2"/>
-            <a:r>
-              <a:rPr lang="en-US" altLang="zh-CN" smtClean="0"/>
-              <a:t>Double d = Double.valueOf(3.14);</a:t>
-            </a:r>
-          </a:p>
-          <a:p>
-            <a:r>
-              <a:rPr lang="zh-CN" altLang="en-US" smtClean="0"/>
+            <a:endParaRPr lang="en-US" altLang="zh-CN" dirty="0" smtClean="0"/>
+          </a:p>
+          <a:p>
+            <a:pPr lvl="2">
+              <a:lnSpc>
+                <a:spcPct val="150000"/>
+              </a:lnSpc>
+            </a:pPr>
+            <a:r>
+              <a:rPr lang="en-US" altLang="zh-CN" dirty="0" smtClean="0"/>
+              <a:t>Double d = </a:t>
+            </a:r>
+            <a:r>
+              <a:rPr lang="en-US" altLang="zh-CN" dirty="0" err="1" smtClean="0"/>
+              <a:t>Double.valueOf</a:t>
+            </a:r>
+            <a:r>
+              <a:rPr lang="en-US" altLang="zh-CN" dirty="0" smtClean="0"/>
+              <a:t>(3.14);</a:t>
+            </a:r>
+          </a:p>
+          <a:p>
+            <a:pPr>
+              <a:lnSpc>
+                <a:spcPct val="150000"/>
+              </a:lnSpc>
+            </a:pPr>
+            <a:r>
+              <a:rPr lang="zh-CN" altLang="en-US" dirty="0" smtClean="0"/>
               <a:t>包装器类型对象共同的特点</a:t>
             </a:r>
             <a:r>
-              <a:rPr lang="en-US" altLang="zh-CN" smtClean="0"/>
+              <a:rPr lang="en-US" altLang="zh-CN" dirty="0" smtClean="0"/>
               <a:t>:</a:t>
             </a:r>
           </a:p>
           <a:p>
-            <a:pPr lvl="1"/>
-            <a:r>
-              <a:rPr lang="zh-CN" altLang="en-US" smtClean="0"/>
+            <a:pPr lvl="1">
+              <a:lnSpc>
+                <a:spcPct val="150000"/>
+              </a:lnSpc>
+            </a:pPr>
+            <a:r>
+              <a:rPr lang="zh-CN" altLang="en-US" dirty="0" smtClean="0"/>
               <a:t>对象一旦赋值，其值不能再改变。</a:t>
             </a:r>
-            <a:endParaRPr lang="en-US" altLang="zh-CN" smtClean="0"/>
-          </a:p>
-          <a:p>
+            <a:endParaRPr lang="en-US" altLang="zh-CN" dirty="0" smtClean="0"/>
+          </a:p>
+          <a:p>
+            <a:pPr>
+              <a:lnSpc>
+                <a:spcPct val="150000"/>
+              </a:lnSpc>
+            </a:pPr>
             <a:endParaRPr lang="zh-CN" altLang="en-US" dirty="0" smtClean="0"/>
           </a:p>
         </p:txBody>
@@ -10480,13 +10660,23 @@
           <a:bodyPr/>
           <a:lstStyle/>
           <a:p>
-            <a:r>
-              <a:rPr lang="zh-CN" altLang="en-US" smtClean="0"/>
+            <a:pPr>
+              <a:lnSpc>
+                <a:spcPct val="150000"/>
+              </a:lnSpc>
+            </a:pPr>
+            <a:r>
+              <a:rPr lang="zh-CN" altLang="en-US" dirty="0" smtClean="0"/>
               <a:t>有时也需要将包装器类型对象转换为基本数据类型</a:t>
             </a:r>
           </a:p>
           <a:p>
-            <a:endParaRPr lang="zh-CN" altLang="en-US" smtClean="0"/>
+            <a:pPr>
+              <a:lnSpc>
+                <a:spcPct val="150000"/>
+              </a:lnSpc>
+            </a:pPr>
+            <a:endParaRPr lang="zh-CN" altLang="en-US" dirty="0" smtClean="0"/>
           </a:p>
         </p:txBody>
       </p:sp>
@@ -10499,13 +10689,13 @@
           <p:nvPr>
             <p:extLst>
               <p:ext uri="{D42A27DB-BD31-4B8C-83A1-F6EECF244321}">
-                <p14:modId xmlns:p14="http://schemas.microsoft.com/office/powerpoint/2010/main" val="3404948052"/>
+                <p14:modId xmlns:p14="http://schemas.microsoft.com/office/powerpoint/2010/main" val="3146648386"/>
               </p:ext>
             </p:extLst>
           </p:nvPr>
         </p:nvGraphicFramePr>
         <p:xfrm>
-          <a:off x="971600" y="1844824"/>
+          <a:off x="2495601" y="2282155"/>
           <a:ext cx="7343775" cy="3667125"/>
         </p:xfrm>
         <a:graphic>
@@ -10513,8 +10703,20 @@
             <a:tbl>
               <a:tblPr/>
               <a:tblGrid>
-                <a:gridCol w="3671887"/>
-                <a:gridCol w="3671888"/>
+                <a:gridCol w="3671887">
+                  <a:extLst>
+                    <a:ext uri="{9D8B030D-6E8A-4147-A177-3AD203B41FA5}">
+                      <a16:colId xmlns:a16="http://schemas.microsoft.com/office/drawing/2014/main" val="20000"/>
+                    </a:ext>
+                  </a:extLst>
+                </a:gridCol>
+                <a:gridCol w="3671888">
+                  <a:extLst>
+                    <a:ext uri="{9D8B030D-6E8A-4147-A177-3AD203B41FA5}">
+                      <a16:colId xmlns:a16="http://schemas.microsoft.com/office/drawing/2014/main" val="20001"/>
+                    </a:ext>
+                  </a:extLst>
+                </a:gridCol>
               </a:tblGrid>
               <a:tr h="523875">
                 <a:tc>
@@ -10711,6 +10913,11 @@
                     </a:solidFill>
                   </a:tcPr>
                 </a:tc>
+                <a:extLst>
+                  <a:ext uri="{0D108BD9-81ED-4DB2-BD59-A6C34878D82A}">
+                    <a16:rowId xmlns:a16="http://schemas.microsoft.com/office/drawing/2014/main" val="10000"/>
+                  </a:ext>
+                </a:extLst>
               </a:tr>
               <a:tr h="523875">
                 <a:tc>
@@ -10735,7 +10942,7 @@
                         <a:tabLst/>
                       </a:pPr>
                       <a:r>
-                        <a:rPr kumimoji="0" lang="en-US" altLang="zh-CN" sz="2400" b="0" i="0" u="none" strike="noStrike" cap="none" normalizeH="0" baseline="0" smtClean="0">
+                        <a:rPr kumimoji="0" lang="en-US" altLang="zh-CN" sz="2400" b="0" i="0" u="none" strike="noStrike" cap="none" normalizeH="0" baseline="0" dirty="0" err="1" smtClean="0">
                           <a:ln>
                             <a:noFill/>
                           </a:ln>
@@ -10746,9 +10953,23 @@
                           <a:latin typeface="Arial" pitchFamily="34" charset="0"/>
                           <a:ea typeface="宋体" pitchFamily="2" charset="-122"/>
                         </a:rPr>
-                        <a:t>byteValue()</a:t>
+                        <a:t>byteValue</a:t>
                       </a:r>
-                      <a:endParaRPr kumimoji="0" lang="zh-CN" altLang="zh-CN" sz="2400" b="1" i="0" u="none" strike="noStrike" cap="none" normalizeH="0" baseline="0" smtClean="0">
+                      <a:r>
+                        <a:rPr kumimoji="0" lang="en-US" altLang="zh-CN" sz="2400" b="0" i="0" u="none" strike="noStrike" cap="none" normalizeH="0" baseline="0" dirty="0" smtClean="0">
+                          <a:ln>
+                            <a:noFill/>
+                          </a:ln>
+                          <a:solidFill>
+                            <a:srgbClr val="000000"/>
+                          </a:solidFill>
+                          <a:effectLst/>
+                          <a:latin typeface="Arial" pitchFamily="34" charset="0"/>
+                          <a:ea typeface="宋体" pitchFamily="2" charset="-122"/>
+                        </a:rPr>
+                        <a:t>()</a:t>
+                      </a:r>
+                      <a:endParaRPr kumimoji="0" lang="zh-CN" altLang="zh-CN" sz="2400" b="1" i="0" u="none" strike="noStrike" cap="none" normalizeH="0" baseline="0" dirty="0" smtClean="0">
                         <a:ln>
                           <a:noFill/>
                         </a:ln>
@@ -10907,6 +11128,11 @@
                     </a:solidFill>
                   </a:tcPr>
                 </a:tc>
+                <a:extLst>
+                  <a:ext uri="{0D108BD9-81ED-4DB2-BD59-A6C34878D82A}">
+                    <a16:rowId xmlns:a16="http://schemas.microsoft.com/office/drawing/2014/main" val="10001"/>
+                  </a:ext>
+                </a:extLst>
               </a:tr>
               <a:tr h="523875">
                 <a:tc>
@@ -11103,6 +11329,11 @@
                     </a:solidFill>
                   </a:tcPr>
                 </a:tc>
+                <a:extLst>
+                  <a:ext uri="{0D108BD9-81ED-4DB2-BD59-A6C34878D82A}">
+                    <a16:rowId xmlns:a16="http://schemas.microsoft.com/office/drawing/2014/main" val="10002"/>
+                  </a:ext>
+                </a:extLst>
               </a:tr>
               <a:tr h="523875">
                 <a:tc>
@@ -11299,6 +11530,11 @@
                     </a:solidFill>
                   </a:tcPr>
                 </a:tc>
+                <a:extLst>
+                  <a:ext uri="{0D108BD9-81ED-4DB2-BD59-A6C34878D82A}">
+                    <a16:rowId xmlns:a16="http://schemas.microsoft.com/office/drawing/2014/main" val="10003"/>
+                  </a:ext>
+                </a:extLst>
               </a:tr>
               <a:tr h="523875">
                 <a:tc>
@@ -11495,6 +11731,11 @@
                     </a:solidFill>
                   </a:tcPr>
                 </a:tc>
+                <a:extLst>
+                  <a:ext uri="{0D108BD9-81ED-4DB2-BD59-A6C34878D82A}">
+                    <a16:rowId xmlns:a16="http://schemas.microsoft.com/office/drawing/2014/main" val="10004"/>
+                  </a:ext>
+                </a:extLst>
               </a:tr>
               <a:tr h="523875">
                 <a:tc>
@@ -11691,6 +11932,11 @@
                     </a:solidFill>
                   </a:tcPr>
                 </a:tc>
+                <a:extLst>
+                  <a:ext uri="{0D108BD9-81ED-4DB2-BD59-A6C34878D82A}">
+                    <a16:rowId xmlns:a16="http://schemas.microsoft.com/office/drawing/2014/main" val="10005"/>
+                  </a:ext>
+                </a:extLst>
               </a:tr>
               <a:tr h="523875">
                 <a:tc>
@@ -11812,7 +12058,7 @@
                         <a:tabLst/>
                       </a:pPr>
                       <a:r>
-                        <a:rPr kumimoji="0" lang="en-US" altLang="zh-CN" sz="2400" b="0" i="0" u="none" strike="noStrike" cap="none" normalizeH="0" baseline="0" smtClean="0">
+                        <a:rPr kumimoji="0" lang="en-US" altLang="zh-CN" sz="2400" b="0" i="0" u="none" strike="noStrike" cap="none" normalizeH="0" baseline="0" dirty="0" smtClean="0">
                           <a:ln>
                             <a:noFill/>
                           </a:ln>
@@ -11825,7 +12071,7 @@
                         </a:rPr>
                         <a:t>double</a:t>
                       </a:r>
-                      <a:endParaRPr kumimoji="0" lang="zh-CN" altLang="zh-CN" sz="2400" b="0" i="0" u="none" strike="noStrike" cap="none" normalizeH="0" baseline="0" smtClean="0">
+                      <a:endParaRPr kumimoji="0" lang="zh-CN" altLang="zh-CN" sz="2400" b="0" i="0" u="none" strike="noStrike" cap="none" normalizeH="0" baseline="0" dirty="0" smtClean="0">
                         <a:ln>
                           <a:noFill/>
                         </a:ln>
@@ -11887,6 +12133,11 @@
                     </a:solidFill>
                   </a:tcPr>
                 </a:tc>
+                <a:extLst>
+                  <a:ext uri="{0D108BD9-81ED-4DB2-BD59-A6C34878D82A}">
+                    <a16:rowId xmlns:a16="http://schemas.microsoft.com/office/drawing/2014/main" val="10006"/>
+                  </a:ext>
+                </a:extLst>
               </a:tr>
             </a:tbl>
           </a:graphicData>
@@ -11961,6 +12212,11 @@
           <a:bodyPr/>
           <a:lstStyle/>
           <a:p>
+            <a:pPr>
+              <a:lnSpc>
+                <a:spcPct val="150000"/>
+              </a:lnSpc>
+            </a:pPr>
             <a:r>
               <a:rPr lang="zh-CN" altLang="zh-CN" dirty="0" smtClean="0"/>
               <a:t>在</a:t>
@@ -11988,6 +12244,11 @@
             <a:endParaRPr lang="en-US" altLang="zh-CN" dirty="0" smtClean="0"/>
           </a:p>
           <a:p>
+            <a:pPr>
+              <a:lnSpc>
+                <a:spcPct val="150000"/>
+              </a:lnSpc>
+            </a:pPr>
             <a:r>
               <a:rPr lang="zh-CN" altLang="en-US" dirty="0" smtClean="0"/>
               <a:t>思考：如何对</a:t>
@@ -12022,7 +12283,7 @@
         </p:nvSpPr>
         <p:spPr bwMode="auto">
           <a:xfrm>
-            <a:off x="971600" y="3356992"/>
+            <a:off x="2495601" y="3356993"/>
             <a:ext cx="6837511" cy="1732185"/>
           </a:xfrm>
           <a:prstGeom prst="rect">
@@ -12032,9 +12293,7 @@
             <a:srgbClr val="FFCC99"/>
           </a:solidFill>
           <a:ln w="9525">
-            <a:solidFill>
-              <a:schemeClr val="tx1"/>
-            </a:solidFill>
+            <a:noFill/>
             <a:miter lim="800000"/>
             <a:headEnd/>
             <a:tailEnd/>
@@ -12050,24 +12309,14 @@
               </a:lnSpc>
             </a:pPr>
             <a:r>
-              <a:rPr lang="en-US" altLang="zh-CN" dirty="0" smtClean="0">
+              <a:rPr lang="en-US" altLang="zh-CN" dirty="0">
                 <a:solidFill>
                   <a:schemeClr val="tx1"/>
                 </a:solidFill>
                 <a:latin typeface="微软雅黑" pitchFamily="34" charset="-122"/>
                 <a:ea typeface="微软雅黑" pitchFamily="34" charset="-122"/>
               </a:rPr>
-              <a:t>Integer </a:t>
-            </a:r>
-            <a:r>
-              <a:rPr lang="en-US" altLang="zh-CN" dirty="0">
-                <a:solidFill>
-                  <a:schemeClr val="tx1"/>
-                </a:solidFill>
-                <a:latin typeface="微软雅黑" pitchFamily="34" charset="-122"/>
-                <a:ea typeface="微软雅黑" pitchFamily="34" charset="-122"/>
-              </a:rPr>
-              <a:t>y = new Integer (567);</a:t>
+              <a:t>Integer y = new Integer (567);</a:t>
             </a:r>
           </a:p>
           <a:p>
@@ -12354,60 +12603,70 @@
           <a:bodyPr/>
           <a:lstStyle/>
           <a:p>
-            <a:r>
-              <a:rPr lang="zh-CN" altLang="en-US" smtClean="0"/>
+            <a:pPr>
+              <a:lnSpc>
+                <a:spcPct val="150000"/>
+              </a:lnSpc>
+            </a:pPr>
+            <a:r>
+              <a:rPr lang="zh-CN" altLang="en-US" dirty="0" smtClean="0"/>
               <a:t>手动装箱和拆箱</a:t>
             </a:r>
             <a:r>
-              <a:rPr lang="zh-CN" altLang="zh-CN" smtClean="0"/>
+              <a:rPr lang="zh-CN" altLang="zh-CN" dirty="0" smtClean="0"/>
               <a:t>的操作是很繁琐的</a:t>
             </a:r>
             <a:r>
-              <a:rPr lang="zh-CN" altLang="en-US" smtClean="0"/>
+              <a:rPr lang="zh-CN" altLang="en-US" dirty="0" smtClean="0"/>
               <a:t>，</a:t>
             </a:r>
             <a:r>
-              <a:rPr lang="en-US" altLang="zh-CN" smtClean="0"/>
+              <a:rPr lang="en-US" altLang="zh-CN" dirty="0" smtClean="0"/>
               <a:t>JDK1.5</a:t>
             </a:r>
             <a:r>
-              <a:rPr lang="zh-CN" altLang="zh-CN" smtClean="0"/>
+              <a:rPr lang="zh-CN" altLang="zh-CN" dirty="0" smtClean="0"/>
               <a:t>版本之后</a:t>
             </a:r>
             <a:r>
-              <a:rPr lang="zh-CN" altLang="en-US" smtClean="0"/>
+              <a:rPr lang="zh-CN" altLang="en-US" dirty="0" smtClean="0"/>
               <a:t>为了方便程序员的开发，</a:t>
             </a:r>
             <a:r>
-              <a:rPr lang="en-US" altLang="zh-CN" smtClean="0"/>
+              <a:rPr lang="en-US" altLang="zh-CN" dirty="0" smtClean="0"/>
               <a:t>Java</a:t>
             </a:r>
             <a:r>
-              <a:rPr lang="zh-CN" altLang="en-US" smtClean="0"/>
+              <a:rPr lang="zh-CN" altLang="en-US" dirty="0" smtClean="0"/>
               <a:t>提供了自动装箱机制来解决类似的麻烦。</a:t>
             </a:r>
-            <a:endParaRPr lang="en-US" altLang="zh-CN" smtClean="0"/>
-          </a:p>
-          <a:p>
-            <a:r>
-              <a:rPr lang="zh-CN" altLang="en-US" smtClean="0"/>
+            <a:endParaRPr lang="en-US" altLang="zh-CN" dirty="0" smtClean="0"/>
+          </a:p>
+          <a:p>
+            <a:pPr>
+              <a:lnSpc>
+                <a:spcPct val="150000"/>
+              </a:lnSpc>
+            </a:pPr>
+            <a:r>
+              <a:rPr lang="zh-CN" altLang="en-US" dirty="0" smtClean="0"/>
               <a:t>实现</a:t>
             </a:r>
             <a:r>
-              <a:rPr lang="en-US" altLang="zh-CN" smtClean="0"/>
+              <a:rPr lang="en-US" altLang="zh-CN" dirty="0" smtClean="0"/>
               <a:t>Integer</a:t>
             </a:r>
             <a:r>
-              <a:rPr lang="zh-CN" altLang="en-US" smtClean="0"/>
+              <a:rPr lang="zh-CN" altLang="en-US" dirty="0" smtClean="0"/>
               <a:t>类型数据</a:t>
             </a:r>
             <a:r>
-              <a:rPr lang="en-US" altLang="zh-CN" smtClean="0"/>
+              <a:rPr lang="en-US" altLang="zh-CN" dirty="0" smtClean="0"/>
               <a:t>++/--</a:t>
             </a:r>
             <a:r>
-              <a:rPr lang="zh-CN" altLang="en-US" smtClean="0"/>
-              <a:t>操作</a:t>
+              <a:rPr lang="zh-CN" altLang="en-US" dirty="0" smtClean="0"/>
+              <a:t>操作。</a:t>
             </a:r>
             <a:endParaRPr lang="en-US" altLang="zh-CN" dirty="0" smtClean="0"/>
           </a:p>
@@ -12423,7 +12682,7 @@
         </p:nvSpPr>
         <p:spPr bwMode="auto">
           <a:xfrm>
-            <a:off x="4738688" y="3846513"/>
+            <a:off x="6262688" y="3846513"/>
             <a:ext cx="3960812" cy="400110"/>
           </a:xfrm>
           <a:prstGeom prst="rect">
@@ -12574,7 +12833,7 @@
         </p:nvSpPr>
         <p:spPr bwMode="auto">
           <a:xfrm rot="5400000">
-            <a:off x="3460151" y="4378757"/>
+            <a:off x="4984151" y="4378757"/>
             <a:ext cx="849312" cy="850900"/>
           </a:xfrm>
           <a:prstGeom prst="leftUpArrow">
@@ -12619,7 +12878,7 @@
         </p:nvSpPr>
         <p:spPr bwMode="auto">
           <a:xfrm>
-            <a:off x="318514" y="5861254"/>
+            <a:off x="1842515" y="5861254"/>
             <a:ext cx="5229225" cy="400050"/>
           </a:xfrm>
           <a:prstGeom prst="rect">
@@ -12754,22 +13013,13 @@
           <a:p>
             <a:pPr eaLnBrk="1" hangingPunct="1"/>
             <a:r>
-              <a:rPr lang="zh-CN" altLang="en-US" dirty="0" smtClean="0">
+              <a:rPr lang="zh-CN" altLang="en-US" dirty="0">
                 <a:solidFill>
                   <a:srgbClr val="FF0000"/>
                 </a:solidFill>
                 <a:ea typeface="宋体" pitchFamily="2" charset="-122"/>
               </a:rPr>
-              <a:t>注意</a:t>
-            </a:r>
-            <a:r>
-              <a:rPr lang="zh-CN" altLang="en-US" dirty="0">
-                <a:solidFill>
-                  <a:srgbClr val="FF0000"/>
-                </a:solidFill>
-                <a:ea typeface="宋体" pitchFamily="2" charset="-122"/>
-              </a:rPr>
-              <a:t>：</a:t>
+              <a:t>注意：</a:t>
             </a:r>
             <a:r>
               <a:rPr lang="en-US" altLang="zh-CN" dirty="0">
@@ -12802,7 +13052,7 @@
         </p:nvSpPr>
         <p:spPr bwMode="auto">
           <a:xfrm>
-            <a:off x="773008" y="3253562"/>
+            <a:off x="2297009" y="3253562"/>
             <a:ext cx="4320239" cy="905600"/>
           </a:xfrm>
           <a:prstGeom prst="rect">
@@ -12830,24 +13080,14 @@
               </a:lnSpc>
             </a:pPr>
             <a:r>
-              <a:rPr lang="en-US" altLang="zh-CN" dirty="0" smtClean="0">
+              <a:rPr lang="en-US" altLang="zh-CN" dirty="0">
                 <a:solidFill>
                   <a:schemeClr val="tx1"/>
                 </a:solidFill>
                 <a:latin typeface="微软雅黑" pitchFamily="34" charset="-122"/>
                 <a:ea typeface="微软雅黑" pitchFamily="34" charset="-122"/>
               </a:rPr>
-              <a:t>Integer </a:t>
-            </a:r>
-            <a:r>
-              <a:rPr lang="en-US" altLang="zh-CN" dirty="0">
-                <a:solidFill>
-                  <a:schemeClr val="tx1"/>
-                </a:solidFill>
-                <a:latin typeface="微软雅黑" pitchFamily="34" charset="-122"/>
-                <a:ea typeface="微软雅黑" pitchFamily="34" charset="-122"/>
-              </a:rPr>
-              <a:t>y = new Integer (567);</a:t>
+              <a:t>Integer y = new Integer (567);</a:t>
             </a:r>
           </a:p>
           <a:p>
@@ -12886,7 +13126,7 @@
         </p:nvSpPr>
         <p:spPr bwMode="auto">
           <a:xfrm>
-            <a:off x="4738688" y="4379551"/>
+            <a:off x="6262688" y="4379552"/>
             <a:ext cx="4140526" cy="1324051"/>
           </a:xfrm>
           <a:prstGeom prst="rect">
@@ -12910,7 +13150,7 @@
           <a:p>
             <a:pPr lvl="1" eaLnBrk="1" hangingPunct="1"/>
             <a:r>
-              <a:rPr lang="en-US" altLang="zh-CN" dirty="0" smtClean="0">
+              <a:rPr lang="en-US" altLang="zh-CN" dirty="0">
                 <a:solidFill>
                   <a:schemeClr val="tx1"/>
                 </a:solidFill>
@@ -12918,7 +13158,7 @@
               </a:rPr>
               <a:t>Integer y = new Integer (567);</a:t>
             </a:r>
-            <a:endParaRPr lang="zh-CN" altLang="zh-CN" dirty="0" smtClean="0">
+            <a:endParaRPr lang="zh-CN" altLang="zh-CN" dirty="0">
               <a:solidFill>
                 <a:schemeClr val="tx1"/>
               </a:solidFill>
@@ -12928,7 +13168,7 @@
           <a:p>
             <a:pPr lvl="1" eaLnBrk="1" hangingPunct="1"/>
             <a:r>
-              <a:rPr lang="en-US" altLang="zh-CN" dirty="0" err="1" smtClean="0">
+              <a:rPr lang="en-US" altLang="zh-CN" dirty="0" err="1">
                 <a:solidFill>
                   <a:schemeClr val="tx1"/>
                 </a:solidFill>
@@ -12937,7 +13177,7 @@
               <a:t>int</a:t>
             </a:r>
             <a:r>
-              <a:rPr lang="en-US" altLang="zh-CN" dirty="0" smtClean="0">
+              <a:rPr lang="en-US" altLang="zh-CN" dirty="0">
                 <a:solidFill>
                   <a:schemeClr val="tx1"/>
                 </a:solidFill>
@@ -12946,7 +13186,7 @@
               <a:t> x = </a:t>
             </a:r>
             <a:r>
-              <a:rPr lang="en-US" altLang="zh-CN" dirty="0" err="1" smtClean="0">
+              <a:rPr lang="en-US" altLang="zh-CN" dirty="0" err="1">
                 <a:solidFill>
                   <a:schemeClr val="tx1"/>
                 </a:solidFill>
@@ -12955,7 +13195,7 @@
               <a:t>y.intValue</a:t>
             </a:r>
             <a:r>
-              <a:rPr lang="en-US" altLang="zh-CN" dirty="0" smtClean="0">
+              <a:rPr lang="en-US" altLang="zh-CN" dirty="0">
                 <a:solidFill>
                   <a:schemeClr val="tx1"/>
                 </a:solidFill>
@@ -12963,7 +13203,7 @@
               </a:rPr>
               <a:t>();</a:t>
             </a:r>
-            <a:endParaRPr lang="zh-CN" altLang="zh-CN" dirty="0" smtClean="0">
+            <a:endParaRPr lang="zh-CN" altLang="zh-CN" dirty="0">
               <a:solidFill>
                 <a:schemeClr val="tx1"/>
               </a:solidFill>
@@ -12973,7 +13213,7 @@
           <a:p>
             <a:pPr lvl="1" eaLnBrk="1" hangingPunct="1"/>
             <a:r>
-              <a:rPr lang="en-US" altLang="zh-CN" dirty="0" smtClean="0">
+              <a:rPr lang="en-US" altLang="zh-CN" dirty="0">
                 <a:solidFill>
                   <a:schemeClr val="tx1"/>
                 </a:solidFill>
@@ -12981,7 +13221,7 @@
               </a:rPr>
               <a:t>x++;</a:t>
             </a:r>
-            <a:endParaRPr lang="zh-CN" altLang="zh-CN" dirty="0" smtClean="0">
+            <a:endParaRPr lang="zh-CN" altLang="zh-CN" dirty="0">
               <a:solidFill>
                 <a:schemeClr val="tx1"/>
               </a:solidFill>
@@ -12991,7 +13231,7 @@
           <a:p>
             <a:pPr lvl="1" eaLnBrk="1" hangingPunct="1"/>
             <a:r>
-              <a:rPr lang="en-US" altLang="zh-CN" dirty="0" smtClean="0">
+              <a:rPr lang="en-US" altLang="zh-CN" dirty="0">
                 <a:solidFill>
                   <a:schemeClr val="tx1"/>
                 </a:solidFill>
@@ -13550,8 +13790,8 @@
         </p:nvSpPr>
         <p:spPr>
           <a:xfrm>
-            <a:off x="457200" y="274638"/>
-            <a:ext cx="8507288" cy="742094"/>
+            <a:off x="767408" y="274638"/>
+            <a:ext cx="9721080" cy="742094"/>
           </a:xfrm>
         </p:spPr>
         <p:txBody>
@@ -13581,6 +13821,11 @@
           <a:bodyPr/>
           <a:lstStyle/>
           <a:p>
+            <a:pPr>
+              <a:lnSpc>
+                <a:spcPct val="150000"/>
+              </a:lnSpc>
+            </a:pPr>
             <a:r>
               <a:rPr lang="zh-CN" altLang="en-US" dirty="0" smtClean="0"/>
               <a:t>基本数据类型会被加宽到更宽泛的基本数据类型</a:t>
@@ -13588,7 +13833,11 @@
             <a:endParaRPr lang="en-US" altLang="zh-CN" dirty="0" smtClean="0"/>
           </a:p>
           <a:p>
-            <a:pPr lvl="1"/>
+            <a:pPr lvl="1">
+              <a:lnSpc>
+                <a:spcPct val="150000"/>
+              </a:lnSpc>
+            </a:pPr>
             <a:r>
               <a:rPr lang="zh-CN" altLang="en-US" dirty="0" smtClean="0"/>
               <a:t>基本数据类型和对应的包装器类型是不同的数据类型</a:t>
@@ -13596,6 +13845,11 @@
             <a:endParaRPr lang="en-US" altLang="zh-CN" dirty="0" smtClean="0"/>
           </a:p>
           <a:p>
+            <a:pPr>
+              <a:lnSpc>
+                <a:spcPct val="150000"/>
+              </a:lnSpc>
+            </a:pPr>
             <a:endParaRPr lang="en-US" altLang="zh-CN" dirty="0" smtClean="0"/>
           </a:p>
         </p:txBody>
@@ -13608,7 +13862,7 @@
         </p:nvSpPr>
         <p:spPr>
           <a:xfrm>
-            <a:off x="901093" y="4955225"/>
+            <a:off x="2425093" y="4955225"/>
             <a:ext cx="5764502" cy="1631950"/>
           </a:xfrm>
           <a:prstGeom prst="rect">
@@ -13730,7 +13984,7 @@
               <a:defRPr/>
             </a:pPr>
             <a:r>
-              <a:rPr lang="en-US" altLang="zh-CN" dirty="0" smtClean="0">
+              <a:rPr lang="en-US" altLang="zh-CN" dirty="0">
                 <a:solidFill>
                   <a:schemeClr val="tx1"/>
                 </a:solidFill>
@@ -13739,7 +13993,7 @@
               <a:t>public static void main(String[] </a:t>
             </a:r>
             <a:r>
-              <a:rPr lang="en-US" altLang="zh-CN" dirty="0" err="1" smtClean="0">
+              <a:rPr lang="en-US" altLang="zh-CN" dirty="0" err="1">
                 <a:solidFill>
                   <a:schemeClr val="tx1"/>
                 </a:solidFill>
@@ -13748,7 +14002,7 @@
               <a:t>args</a:t>
             </a:r>
             <a:r>
-              <a:rPr lang="en-US" altLang="zh-CN" dirty="0" smtClean="0">
+              <a:rPr lang="en-US" altLang="zh-CN" dirty="0">
                 <a:solidFill>
                   <a:schemeClr val="tx1"/>
                 </a:solidFill>
@@ -13762,7 +14016,7 @@
               <a:defRPr/>
             </a:pPr>
             <a:r>
-              <a:rPr lang="en-US" altLang="zh-CN" dirty="0" smtClean="0">
+              <a:rPr lang="en-US" altLang="zh-CN" dirty="0">
                 <a:solidFill>
                   <a:schemeClr val="tx1"/>
                 </a:solidFill>
@@ -13771,7 +14025,7 @@
               <a:t>	</a:t>
             </a:r>
             <a:r>
-              <a:rPr lang="en-US" altLang="zh-CN" dirty="0" err="1" smtClean="0">
+              <a:rPr lang="en-US" altLang="zh-CN" dirty="0" err="1">
                 <a:solidFill>
                   <a:schemeClr val="tx1"/>
                 </a:solidFill>
@@ -13780,7 +14034,7 @@
               <a:t>TestOverLoad</a:t>
             </a:r>
             <a:r>
-              <a:rPr lang="en-US" altLang="zh-CN" dirty="0" smtClean="0">
+              <a:rPr lang="en-US" altLang="zh-CN" dirty="0">
                 <a:solidFill>
                   <a:schemeClr val="tx1"/>
                 </a:solidFill>
@@ -13789,7 +14043,7 @@
               <a:t> test = new </a:t>
             </a:r>
             <a:r>
-              <a:rPr lang="en-US" altLang="zh-CN" dirty="0" err="1" smtClean="0">
+              <a:rPr lang="en-US" altLang="zh-CN" dirty="0" err="1">
                 <a:solidFill>
                   <a:schemeClr val="tx1"/>
                 </a:solidFill>
@@ -13798,7 +14052,7 @@
               <a:t>TestOverLoad</a:t>
             </a:r>
             <a:r>
-              <a:rPr lang="en-US" altLang="zh-CN" dirty="0" smtClean="0">
+              <a:rPr lang="en-US" altLang="zh-CN" dirty="0">
                 <a:solidFill>
                   <a:schemeClr val="tx1"/>
                 </a:solidFill>
@@ -13806,7 +14060,7 @@
               </a:rPr>
               <a:t>();</a:t>
             </a:r>
-            <a:endParaRPr lang="zh-CN" altLang="zh-CN" dirty="0" smtClean="0">
+            <a:endParaRPr lang="zh-CN" altLang="zh-CN" dirty="0">
               <a:solidFill>
                 <a:schemeClr val="tx1"/>
               </a:solidFill>
@@ -13818,7 +14072,7 @@
               <a:defRPr/>
             </a:pPr>
             <a:r>
-              <a:rPr lang="en-US" altLang="zh-CN" dirty="0" smtClean="0">
+              <a:rPr lang="en-US" altLang="zh-CN" dirty="0">
                 <a:solidFill>
                   <a:schemeClr val="tx1"/>
                 </a:solidFill>
@@ -13832,7 +14086,7 @@
               <a:defRPr/>
             </a:pPr>
             <a:r>
-              <a:rPr lang="en-US" altLang="zh-CN" dirty="0" smtClean="0">
+              <a:rPr lang="en-US" altLang="zh-CN" dirty="0">
                 <a:solidFill>
                   <a:schemeClr val="tx1"/>
                 </a:solidFill>
@@ -13841,7 +14095,7 @@
               <a:t>	</a:t>
             </a:r>
             <a:r>
-              <a:rPr lang="en-US" altLang="zh-CN" dirty="0" err="1" smtClean="0">
+              <a:rPr lang="en-US" altLang="zh-CN" dirty="0" err="1">
                 <a:solidFill>
                   <a:schemeClr val="tx1"/>
                 </a:solidFill>
@@ -13850,7 +14104,7 @@
               <a:t>test.go</a:t>
             </a:r>
             <a:r>
-              <a:rPr lang="en-US" altLang="zh-CN" dirty="0" smtClean="0">
+              <a:rPr lang="en-US" altLang="zh-CN" dirty="0">
                 <a:solidFill>
                   <a:schemeClr val="tx1"/>
                 </a:solidFill>
@@ -13864,7 +14118,7 @@
               <a:defRPr/>
             </a:pPr>
             <a:r>
-              <a:rPr lang="en-US" altLang="zh-CN" dirty="0" smtClean="0">
+              <a:rPr lang="en-US" altLang="zh-CN" dirty="0">
                 <a:solidFill>
                   <a:schemeClr val="tx1"/>
                 </a:solidFill>
@@ -13872,7 +14126,7 @@
               </a:rPr>
               <a:t> }</a:t>
             </a:r>
-            <a:endParaRPr lang="zh-CN" altLang="en-US" dirty="0" smtClean="0">
+            <a:endParaRPr lang="zh-CN" altLang="en-US" dirty="0">
               <a:solidFill>
                 <a:schemeClr val="tx1"/>
               </a:solidFill>
@@ -13889,7 +14143,7 @@
         </p:nvSpPr>
         <p:spPr>
           <a:xfrm>
-            <a:off x="7945438" y="4189413"/>
+            <a:off x="9469438" y="4189413"/>
             <a:ext cx="875034" cy="400110"/>
           </a:xfrm>
           <a:prstGeom prst="rect">
@@ -14039,7 +14293,7 @@
         </p:nvCxnSpPr>
         <p:spPr bwMode="auto">
           <a:xfrm flipV="1">
-            <a:off x="6665595" y="4389468"/>
+            <a:off x="8189596" y="4389468"/>
             <a:ext cx="1279843" cy="1381732"/>
           </a:xfrm>
           <a:prstGeom prst="bentConnector3">
@@ -14077,7 +14331,7 @@
         </p:nvSpPr>
         <p:spPr bwMode="auto">
           <a:xfrm>
-            <a:off x="837896" y="2204866"/>
+            <a:off x="2361897" y="2348880"/>
             <a:ext cx="5827699" cy="2544934"/>
           </a:xfrm>
           <a:prstGeom prst="rect">
@@ -14350,7 +14604,7 @@
               <a:defRPr/>
             </a:pPr>
             <a:r>
-              <a:rPr lang="en-US" altLang="zh-CN" sz="1800" dirty="0" smtClean="0">
+              <a:rPr lang="en-US" altLang="zh-CN" sz="1800" dirty="0">
                 <a:solidFill>
                   <a:schemeClr val="tx1"/>
                 </a:solidFill>
@@ -14797,14 +15051,24 @@
           <a:bodyPr/>
           <a:lstStyle/>
           <a:p>
+            <a:pPr>
+              <a:lnSpc>
+                <a:spcPct val="150000"/>
+              </a:lnSpc>
+            </a:pPr>
             <a:r>
               <a:rPr lang="zh-CN" altLang="en-US" dirty="0" smtClean="0"/>
-              <a:t>自动装箱给方法的重载带来了一定的难题</a:t>
-            </a:r>
-            <a:r>
-              <a:rPr lang="en-US" altLang="zh-CN" dirty="0" smtClean="0"/>
-              <a:t>;</a:t>
-            </a:r>
+              <a:t>自动装箱给方法的重载带来了一定的</a:t>
+            </a:r>
+            <a:r>
+              <a:rPr lang="zh-CN" altLang="en-US" dirty="0" smtClean="0"/>
+              <a:t>难题</a:t>
+            </a:r>
+            <a:r>
+              <a:rPr lang="zh-CN" altLang="en-US" dirty="0"/>
+              <a:t>。</a:t>
+            </a:r>
+            <a:endParaRPr lang="en-US" altLang="zh-CN" dirty="0" smtClean="0"/>
           </a:p>
         </p:txBody>
       </p:sp>
@@ -14816,7 +15080,7 @@
         </p:nvSpPr>
         <p:spPr>
           <a:xfrm>
-            <a:off x="7885113" y="4261158"/>
+            <a:off x="9409114" y="4261158"/>
             <a:ext cx="1154483" cy="400110"/>
           </a:xfrm>
           <a:prstGeom prst="rect">
@@ -14965,7 +15229,7 @@
         </p:nvCxnSpPr>
         <p:spPr bwMode="auto">
           <a:xfrm flipV="1">
-            <a:off x="6908396" y="4553665"/>
+            <a:off x="8432397" y="4553665"/>
             <a:ext cx="976717" cy="747544"/>
           </a:xfrm>
           <a:prstGeom prst="bentConnector3">
@@ -15003,7 +15267,7 @@
         </p:nvSpPr>
         <p:spPr bwMode="auto">
           <a:xfrm>
-            <a:off x="1329560" y="1912779"/>
+            <a:off x="2853560" y="1912780"/>
             <a:ext cx="5539568" cy="2376263"/>
           </a:xfrm>
           <a:prstGeom prst="rect">
@@ -15027,24 +15291,14 @@
           <a:p>
             <a:pPr lvl="1"/>
             <a:r>
-              <a:rPr lang="en-US" altLang="zh-CN" sz="1800" dirty="0" smtClean="0">
+              <a:rPr lang="en-US" altLang="zh-CN" sz="1800" dirty="0">
                 <a:solidFill>
                   <a:schemeClr val="tx1"/>
                 </a:solidFill>
                 <a:latin typeface="微软雅黑" pitchFamily="34" charset="-122"/>
                 <a:ea typeface="微软雅黑" pitchFamily="34" charset="-122"/>
               </a:rPr>
-              <a:t>public </a:t>
-            </a:r>
-            <a:r>
-              <a:rPr lang="en-US" altLang="zh-CN" sz="1800" dirty="0">
-                <a:solidFill>
-                  <a:schemeClr val="tx1"/>
-                </a:solidFill>
-                <a:latin typeface="微软雅黑" pitchFamily="34" charset="-122"/>
-                <a:ea typeface="微软雅黑" pitchFamily="34" charset="-122"/>
-              </a:rPr>
-              <a:t>class </a:t>
+              <a:t>public class </a:t>
             </a:r>
             <a:r>
               <a:rPr lang="en-US" altLang="zh-CN" sz="1800" dirty="0" err="1">
@@ -15259,7 +15513,7 @@
         </p:nvSpPr>
         <p:spPr bwMode="auto">
           <a:xfrm>
-            <a:off x="1336689" y="4553665"/>
+            <a:off x="2860689" y="4553666"/>
             <a:ext cx="5571708" cy="1791815"/>
           </a:xfrm>
           <a:prstGeom prst="rect">

--- a/ch08/第8章 包装器类.pptx
+++ b/ch08/第8章 包装器类.pptx
@@ -1356,12 +1356,7 @@
             <p:ph type="sldImg"/>
           </p:nvPr>
         </p:nvSpPr>
-        <p:spPr>
-          <a:xfrm>
-            <a:off x="92075" y="744538"/>
-            <a:ext cx="6610350" cy="3719512"/>
-          </a:xfrm>
-        </p:spPr>
+        <p:spPr/>
       </p:sp>
       <p:sp>
         <p:nvSpPr>
@@ -1379,1737 +1374,25 @@
           <a:lstStyle/>
           <a:p>
             <a:r>
-              <a:rPr lang="en-US" altLang="zh-CN" sz="1200" b="0" i="0" kern="1200" dirty="0" smtClean="0">
-                <a:solidFill>
-                  <a:schemeClr val="tx1"/>
-                </a:solidFill>
-                <a:effectLst/>
-                <a:latin typeface="Arial" charset="0"/>
-                <a:ea typeface="+mn-ea"/>
-                <a:cs typeface="+mn-cs"/>
-              </a:rPr>
-              <a:t>Integer </a:t>
-            </a:r>
-            <a:r>
-              <a:rPr lang="en-US" altLang="zh-CN" sz="1200" b="0" i="0" kern="1200" dirty="0" err="1" smtClean="0">
-                <a:solidFill>
-                  <a:schemeClr val="tx1"/>
-                </a:solidFill>
-                <a:effectLst/>
-                <a:latin typeface="Arial" charset="0"/>
-                <a:ea typeface="+mn-ea"/>
-                <a:cs typeface="+mn-cs"/>
-              </a:rPr>
-              <a:t>i</a:t>
-            </a:r>
-            <a:r>
-              <a:rPr lang="en-US" altLang="zh-CN" sz="1200" b="0" i="0" kern="1200" dirty="0" smtClean="0">
-                <a:solidFill>
-                  <a:schemeClr val="tx1"/>
-                </a:solidFill>
-                <a:effectLst/>
-                <a:latin typeface="Arial" charset="0"/>
-                <a:ea typeface="+mn-ea"/>
-                <a:cs typeface="+mn-cs"/>
-              </a:rPr>
-              <a:t> =3;  //JDK1.5</a:t>
-            </a:r>
-            <a:r>
-              <a:rPr lang="zh-CN" altLang="en-US" sz="1200" b="0" i="0" kern="1200" dirty="0" smtClean="0">
-                <a:solidFill>
-                  <a:schemeClr val="tx1"/>
-                </a:solidFill>
-                <a:effectLst/>
-                <a:latin typeface="Arial" charset="0"/>
-                <a:ea typeface="+mn-ea"/>
-                <a:cs typeface="+mn-cs"/>
-              </a:rPr>
-              <a:t>之后允许   </a:t>
-            </a:r>
-            <a:endParaRPr lang="en-US" altLang="zh-CN" sz="1200" b="0" i="0" kern="1200" dirty="0" smtClean="0">
-              <a:solidFill>
-                <a:schemeClr val="tx1"/>
-              </a:solidFill>
-              <a:effectLst/>
-              <a:latin typeface="Arial" charset="0"/>
-              <a:ea typeface="+mn-ea"/>
-              <a:cs typeface="+mn-cs"/>
-            </a:endParaRPr>
-          </a:p>
-          <a:p>
-            <a:r>
-              <a:rPr lang="zh-CN" altLang="en-US" sz="1200" b="0" i="0" kern="1200" dirty="0" smtClean="0">
-                <a:solidFill>
-                  <a:schemeClr val="tx1"/>
-                </a:solidFill>
-                <a:effectLst/>
-                <a:latin typeface="Arial" charset="0"/>
-                <a:ea typeface="+mn-ea"/>
-                <a:cs typeface="+mn-cs"/>
-              </a:rPr>
-              <a:t>因为编译器在后台进行</a:t>
-            </a:r>
-            <a:r>
-              <a:rPr lang="en-US" altLang="zh-CN" sz="1200" b="0" i="0" kern="1200" dirty="0" smtClean="0">
-                <a:solidFill>
-                  <a:schemeClr val="tx1"/>
-                </a:solidFill>
-                <a:effectLst/>
-                <a:latin typeface="Arial" charset="0"/>
-                <a:ea typeface="+mn-ea"/>
-                <a:cs typeface="+mn-cs"/>
-              </a:rPr>
-              <a:t>Integer </a:t>
-            </a:r>
-            <a:r>
-              <a:rPr lang="en-US" altLang="zh-CN" sz="1200" b="0" i="0" kern="1200" dirty="0" err="1" smtClean="0">
-                <a:solidFill>
-                  <a:schemeClr val="tx1"/>
-                </a:solidFill>
-                <a:effectLst/>
-                <a:latin typeface="Arial" charset="0"/>
-                <a:ea typeface="+mn-ea"/>
-                <a:cs typeface="+mn-cs"/>
-              </a:rPr>
-              <a:t>i</a:t>
-            </a:r>
-            <a:r>
-              <a:rPr lang="en-US" altLang="zh-CN" sz="1200" b="0" i="0" kern="1200" dirty="0" smtClean="0">
-                <a:solidFill>
-                  <a:schemeClr val="tx1"/>
-                </a:solidFill>
-                <a:effectLst/>
-                <a:latin typeface="Arial" charset="0"/>
-                <a:ea typeface="+mn-ea"/>
-                <a:cs typeface="+mn-cs"/>
-              </a:rPr>
-              <a:t>= </a:t>
-            </a:r>
-            <a:r>
-              <a:rPr lang="en-US" altLang="zh-CN" sz="1200" b="0" i="0" kern="1200" dirty="0" err="1" smtClean="0">
-                <a:solidFill>
-                  <a:schemeClr val="tx1"/>
-                </a:solidFill>
-                <a:effectLst/>
-                <a:latin typeface="Arial" charset="0"/>
-                <a:ea typeface="+mn-ea"/>
-                <a:cs typeface="+mn-cs"/>
-              </a:rPr>
-              <a:t>newInteger</a:t>
-            </a:r>
-            <a:r>
-              <a:rPr lang="en-US" altLang="zh-CN" sz="1200" b="0" i="0" kern="1200" dirty="0" smtClean="0">
-                <a:solidFill>
-                  <a:schemeClr val="tx1"/>
-                </a:solidFill>
-                <a:effectLst/>
-                <a:latin typeface="Arial" charset="0"/>
-                <a:ea typeface="+mn-ea"/>
-                <a:cs typeface="+mn-cs"/>
-              </a:rPr>
-              <a:t>(3)</a:t>
-            </a:r>
-            <a:r>
-              <a:rPr lang="zh-CN" altLang="en-US" sz="1200" b="0" i="0" kern="1200" dirty="0" smtClean="0">
-                <a:solidFill>
-                  <a:schemeClr val="tx1"/>
-                </a:solidFill>
-                <a:effectLst/>
-                <a:latin typeface="Arial" charset="0"/>
-                <a:ea typeface="+mn-ea"/>
-                <a:cs typeface="+mn-cs"/>
-              </a:rPr>
-              <a:t>的转换</a:t>
-            </a:r>
-            <a:endParaRPr lang="en-US" altLang="zh-CN" sz="1200" b="0" i="0" kern="1200" dirty="0" smtClean="0">
-              <a:solidFill>
-                <a:schemeClr val="tx1"/>
-              </a:solidFill>
-              <a:effectLst/>
-              <a:latin typeface="Arial" charset="0"/>
-              <a:ea typeface="+mn-ea"/>
-              <a:cs typeface="+mn-cs"/>
-            </a:endParaRPr>
-          </a:p>
-          <a:p>
-            <a:endParaRPr lang="en-US" altLang="zh-CN" sz="1200" b="0" i="0" kern="1200" dirty="0" smtClean="0">
-              <a:solidFill>
-                <a:schemeClr val="tx1"/>
-              </a:solidFill>
-              <a:effectLst/>
-              <a:latin typeface="Arial" charset="0"/>
-              <a:ea typeface="+mn-ea"/>
-              <a:cs typeface="+mn-cs"/>
-            </a:endParaRPr>
-          </a:p>
-          <a:p>
-            <a:r>
-              <a:rPr lang="en-US" altLang="zh-CN" sz="1200" b="0" i="0" kern="1200" dirty="0" smtClean="0">
-                <a:solidFill>
-                  <a:schemeClr val="tx1"/>
-                </a:solidFill>
-                <a:effectLst/>
-                <a:latin typeface="Arial" charset="0"/>
-                <a:ea typeface="+mn-ea"/>
-                <a:cs typeface="+mn-cs"/>
-              </a:rPr>
-              <a:t>String</a:t>
-            </a:r>
-            <a:r>
-              <a:rPr lang="zh-CN" altLang="en-US" sz="1200" b="0" i="0" kern="1200" dirty="0" smtClean="0">
-                <a:solidFill>
-                  <a:schemeClr val="tx1"/>
-                </a:solidFill>
-                <a:effectLst/>
-                <a:latin typeface="Arial" charset="0"/>
-                <a:ea typeface="+mn-ea"/>
-                <a:cs typeface="+mn-cs"/>
-              </a:rPr>
-              <a:t>特殊：</a:t>
-            </a:r>
-            <a:endParaRPr lang="en-US" altLang="zh-CN" sz="1200" b="0" i="0" kern="1200" dirty="0" smtClean="0">
-              <a:solidFill>
-                <a:schemeClr val="tx1"/>
-              </a:solidFill>
-              <a:effectLst/>
-              <a:latin typeface="Arial" charset="0"/>
-              <a:ea typeface="+mn-ea"/>
-              <a:cs typeface="+mn-cs"/>
-            </a:endParaRPr>
-          </a:p>
-          <a:p>
-            <a:r>
-              <a:rPr lang="en-US" altLang="zh-CN" sz="1200" b="0" i="0" kern="1200" dirty="0" smtClean="0">
-                <a:solidFill>
-                  <a:schemeClr val="tx1"/>
-                </a:solidFill>
-                <a:effectLst/>
-                <a:latin typeface="Arial" charset="0"/>
-                <a:ea typeface="+mn-ea"/>
-                <a:cs typeface="+mn-cs"/>
-              </a:rPr>
-              <a:t>String </a:t>
-            </a:r>
-            <a:r>
-              <a:rPr lang="en-US" altLang="zh-CN" sz="1200" b="0" i="0" kern="1200" dirty="0" err="1" smtClean="0">
-                <a:solidFill>
-                  <a:schemeClr val="tx1"/>
-                </a:solidFill>
-                <a:effectLst/>
-                <a:latin typeface="Arial" charset="0"/>
-                <a:ea typeface="+mn-ea"/>
-                <a:cs typeface="+mn-cs"/>
-              </a:rPr>
-              <a:t>str</a:t>
-            </a:r>
-            <a:r>
-              <a:rPr lang="en-US" altLang="zh-CN" sz="1200" b="0" i="0" kern="1200" dirty="0" smtClean="0">
-                <a:solidFill>
-                  <a:schemeClr val="tx1"/>
-                </a:solidFill>
-                <a:effectLst/>
-                <a:latin typeface="Arial" charset="0"/>
-                <a:ea typeface="+mn-ea"/>
-                <a:cs typeface="+mn-cs"/>
-              </a:rPr>
-              <a:t> = </a:t>
-            </a:r>
-            <a:r>
-              <a:rPr lang="zh-CN" altLang="en-US" sz="1200" b="0" i="0" kern="1200" dirty="0" smtClean="0">
-                <a:solidFill>
-                  <a:schemeClr val="tx1"/>
-                </a:solidFill>
-                <a:effectLst/>
-                <a:latin typeface="Arial" charset="0"/>
-                <a:ea typeface="+mn-ea"/>
-                <a:cs typeface="+mn-cs"/>
-              </a:rPr>
-              <a:t>“</a:t>
-            </a:r>
-            <a:r>
-              <a:rPr lang="en-US" altLang="zh-CN" sz="1200" b="0" i="0" kern="1200" dirty="0" err="1" smtClean="0">
-                <a:solidFill>
-                  <a:schemeClr val="tx1"/>
-                </a:solidFill>
-                <a:effectLst/>
-                <a:latin typeface="Arial" charset="0"/>
-                <a:ea typeface="+mn-ea"/>
-                <a:cs typeface="+mn-cs"/>
-              </a:rPr>
-              <a:t>abc</a:t>
-            </a:r>
-            <a:r>
-              <a:rPr lang="zh-CN" altLang="en-US" sz="1200" b="0" i="0" kern="1200" dirty="0" smtClean="0">
-                <a:solidFill>
-                  <a:schemeClr val="tx1"/>
-                </a:solidFill>
-                <a:effectLst/>
-                <a:latin typeface="Arial" charset="0"/>
-                <a:ea typeface="+mn-ea"/>
-                <a:cs typeface="+mn-cs"/>
-              </a:rPr>
-              <a:t>”   可以用</a:t>
-            </a:r>
-            <a:r>
-              <a:rPr lang="en-US" altLang="zh-CN" sz="1200" b="0" i="0" kern="1200" dirty="0" smtClean="0">
-                <a:solidFill>
-                  <a:schemeClr val="tx1"/>
-                </a:solidFill>
-                <a:effectLst/>
-                <a:latin typeface="Arial" charset="0"/>
-                <a:ea typeface="+mn-ea"/>
-                <a:cs typeface="+mn-cs"/>
-              </a:rPr>
-              <a:t>String </a:t>
-            </a:r>
-            <a:r>
-              <a:rPr lang="en-US" altLang="zh-CN" sz="1200" b="0" i="0" kern="1200" dirty="0" err="1" smtClean="0">
-                <a:solidFill>
-                  <a:schemeClr val="tx1"/>
-                </a:solidFill>
-                <a:effectLst/>
-                <a:latin typeface="Arial" charset="0"/>
-                <a:ea typeface="+mn-ea"/>
-                <a:cs typeface="+mn-cs"/>
-              </a:rPr>
-              <a:t>str</a:t>
-            </a:r>
-            <a:r>
-              <a:rPr lang="en-US" altLang="zh-CN" sz="1200" b="0" i="0" kern="1200" dirty="0" smtClean="0">
-                <a:solidFill>
-                  <a:schemeClr val="tx1"/>
-                </a:solidFill>
-                <a:effectLst/>
-                <a:latin typeface="Arial" charset="0"/>
-                <a:ea typeface="+mn-ea"/>
-                <a:cs typeface="+mn-cs"/>
-              </a:rPr>
-              <a:t> = new String("</a:t>
-            </a:r>
-            <a:r>
-              <a:rPr lang="en-US" altLang="zh-CN" sz="1200" b="0" i="0" kern="1200" dirty="0" err="1" smtClean="0">
-                <a:solidFill>
-                  <a:schemeClr val="tx1"/>
-                </a:solidFill>
-                <a:effectLst/>
-                <a:latin typeface="Arial" charset="0"/>
-                <a:ea typeface="+mn-ea"/>
-                <a:cs typeface="+mn-cs"/>
-              </a:rPr>
-              <a:t>abc</a:t>
-            </a:r>
-            <a:r>
-              <a:rPr lang="en-US" altLang="zh-CN" sz="1200" b="0" i="0" kern="1200" dirty="0" smtClean="0">
-                <a:solidFill>
-                  <a:schemeClr val="tx1"/>
-                </a:solidFill>
-                <a:effectLst/>
-                <a:latin typeface="Arial" charset="0"/>
-                <a:ea typeface="+mn-ea"/>
-                <a:cs typeface="+mn-cs"/>
-              </a:rPr>
-              <a:t>");</a:t>
-            </a:r>
-            <a:r>
-              <a:rPr lang="zh-CN" altLang="en-US" sz="1200" b="0" i="0" kern="1200" dirty="0" smtClean="0">
-                <a:solidFill>
-                  <a:schemeClr val="tx1"/>
-                </a:solidFill>
-                <a:effectLst/>
-                <a:latin typeface="Arial" charset="0"/>
-                <a:ea typeface="+mn-ea"/>
-                <a:cs typeface="+mn-cs"/>
-              </a:rPr>
-              <a:t>的形式来创建，也可以用</a:t>
-            </a:r>
-            <a:r>
-              <a:rPr lang="en-US" altLang="zh-CN" sz="1200" b="0" i="0" kern="1200" dirty="0" err="1" smtClean="0">
-                <a:solidFill>
-                  <a:schemeClr val="tx1"/>
-                </a:solidFill>
-                <a:effectLst/>
-                <a:latin typeface="Arial" charset="0"/>
-                <a:ea typeface="+mn-ea"/>
-                <a:cs typeface="+mn-cs"/>
-              </a:rPr>
-              <a:t>Stringstr</a:t>
-            </a:r>
-            <a:r>
-              <a:rPr lang="en-US" altLang="zh-CN" sz="1200" b="0" i="0" kern="1200" dirty="0" smtClean="0">
-                <a:solidFill>
-                  <a:schemeClr val="tx1"/>
-                </a:solidFill>
-                <a:effectLst/>
-                <a:latin typeface="Arial" charset="0"/>
-                <a:ea typeface="+mn-ea"/>
-                <a:cs typeface="+mn-cs"/>
-              </a:rPr>
-              <a:t> = "</a:t>
-            </a:r>
-            <a:r>
-              <a:rPr lang="en-US" altLang="zh-CN" sz="1200" b="0" i="0" kern="1200" dirty="0" err="1" smtClean="0">
-                <a:solidFill>
-                  <a:schemeClr val="tx1"/>
-                </a:solidFill>
-                <a:effectLst/>
-                <a:latin typeface="Arial" charset="0"/>
-                <a:ea typeface="+mn-ea"/>
-                <a:cs typeface="+mn-cs"/>
-              </a:rPr>
-              <a:t>abc</a:t>
-            </a:r>
-            <a:r>
-              <a:rPr lang="en-US" altLang="zh-CN" sz="1200" b="0" i="0" kern="1200" dirty="0" smtClean="0">
-                <a:solidFill>
-                  <a:schemeClr val="tx1"/>
-                </a:solidFill>
-                <a:effectLst/>
-                <a:latin typeface="Arial" charset="0"/>
-                <a:ea typeface="+mn-ea"/>
-                <a:cs typeface="+mn-cs"/>
-              </a:rPr>
-              <a:t>“</a:t>
-            </a:r>
-          </a:p>
-          <a:p>
-            <a:r>
-              <a:rPr lang="zh-CN" altLang="en-US" sz="1200" b="0" i="0" kern="1200" dirty="0" smtClean="0">
-                <a:solidFill>
-                  <a:schemeClr val="tx1"/>
-                </a:solidFill>
-                <a:effectLst/>
-                <a:latin typeface="Arial" charset="0"/>
-                <a:ea typeface="+mn-ea"/>
-                <a:cs typeface="+mn-cs"/>
-              </a:rPr>
-              <a:t>在 </a:t>
-            </a:r>
-            <a:r>
-              <a:rPr lang="en-US" altLang="zh-CN" sz="1200" b="0" i="0" kern="1200" dirty="0" err="1" smtClean="0">
-                <a:solidFill>
-                  <a:schemeClr val="tx1"/>
-                </a:solidFill>
-                <a:effectLst/>
-                <a:latin typeface="Arial" charset="0"/>
-                <a:ea typeface="+mn-ea"/>
-                <a:cs typeface="+mn-cs"/>
-              </a:rPr>
-              <a:t>Stringstr</a:t>
-            </a:r>
-            <a:r>
-              <a:rPr lang="en-US" altLang="zh-CN" sz="1200" b="0" i="0" kern="1200" dirty="0" smtClean="0">
-                <a:solidFill>
-                  <a:schemeClr val="tx1"/>
-                </a:solidFill>
-                <a:effectLst/>
-                <a:latin typeface="Arial" charset="0"/>
-                <a:ea typeface="+mn-ea"/>
-                <a:cs typeface="+mn-cs"/>
-              </a:rPr>
-              <a:t> = "</a:t>
-            </a:r>
-            <a:r>
-              <a:rPr lang="en-US" altLang="zh-CN" sz="1200" b="0" i="0" kern="1200" dirty="0" err="1" smtClean="0">
-                <a:solidFill>
-                  <a:schemeClr val="tx1"/>
-                </a:solidFill>
-                <a:effectLst/>
-                <a:latin typeface="Arial" charset="0"/>
-                <a:ea typeface="+mn-ea"/>
-                <a:cs typeface="+mn-cs"/>
-              </a:rPr>
-              <a:t>abc</a:t>
-            </a:r>
-            <a:r>
-              <a:rPr lang="en-US" altLang="zh-CN" sz="1200" b="0" i="0" kern="1200" dirty="0" smtClean="0">
-                <a:solidFill>
-                  <a:schemeClr val="tx1"/>
-                </a:solidFill>
-                <a:effectLst/>
-                <a:latin typeface="Arial" charset="0"/>
-                <a:ea typeface="+mn-ea"/>
-                <a:cs typeface="+mn-cs"/>
-              </a:rPr>
-              <a:t>"</a:t>
-            </a:r>
-            <a:r>
-              <a:rPr lang="zh-CN" altLang="en-US" sz="1200" b="0" i="0" kern="1200" dirty="0" smtClean="0">
-                <a:solidFill>
-                  <a:schemeClr val="tx1"/>
-                </a:solidFill>
-                <a:effectLst/>
-                <a:latin typeface="Arial" charset="0"/>
-                <a:ea typeface="+mn-ea"/>
-                <a:cs typeface="+mn-cs"/>
-              </a:rPr>
-              <a:t>；中，并没有通过</a:t>
-            </a:r>
-            <a:r>
-              <a:rPr lang="en-US" altLang="zh-CN" sz="1200" b="0" i="0" kern="1200" dirty="0" smtClean="0">
-                <a:solidFill>
-                  <a:schemeClr val="tx1"/>
-                </a:solidFill>
-                <a:effectLst/>
-                <a:latin typeface="Arial" charset="0"/>
-                <a:ea typeface="+mn-ea"/>
-                <a:cs typeface="+mn-cs"/>
-              </a:rPr>
-              <a:t>new()</a:t>
-            </a:r>
-            <a:r>
-              <a:rPr lang="zh-CN" altLang="en-US" sz="1200" b="0" i="0" kern="1200" dirty="0" smtClean="0">
-                <a:solidFill>
-                  <a:schemeClr val="tx1"/>
-                </a:solidFill>
-                <a:effectLst/>
-                <a:latin typeface="Arial" charset="0"/>
-                <a:ea typeface="+mn-ea"/>
-                <a:cs typeface="+mn-cs"/>
-              </a:rPr>
-              <a:t>来创建实例</a:t>
-            </a:r>
-            <a:endParaRPr lang="en-US" altLang="zh-CN" sz="1200" b="0" i="0" kern="1200" dirty="0" smtClean="0">
-              <a:solidFill>
-                <a:schemeClr val="tx1"/>
-              </a:solidFill>
-              <a:effectLst/>
-              <a:latin typeface="Arial" charset="0"/>
-              <a:ea typeface="+mn-ea"/>
-              <a:cs typeface="+mn-cs"/>
-            </a:endParaRPr>
-          </a:p>
-          <a:p>
-            <a:endParaRPr lang="en-US" altLang="zh-CN" sz="1200" b="0" i="0" kern="1200" dirty="0" smtClean="0">
-              <a:solidFill>
-                <a:schemeClr val="tx1"/>
-              </a:solidFill>
-              <a:effectLst/>
-              <a:latin typeface="Arial" charset="0"/>
-              <a:ea typeface="+mn-ea"/>
-              <a:cs typeface="+mn-cs"/>
-            </a:endParaRPr>
-          </a:p>
-          <a:p>
-            <a:r>
-              <a:rPr lang="zh-CN" altLang="en-US" sz="1200" b="0" i="0" kern="1200" dirty="0" smtClean="0">
-                <a:solidFill>
-                  <a:schemeClr val="tx1"/>
-                </a:solidFill>
-                <a:effectLst/>
-                <a:latin typeface="Arial" charset="0"/>
-                <a:ea typeface="+mn-ea"/>
-                <a:cs typeface="+mn-cs"/>
-              </a:rPr>
-              <a:t>关于</a:t>
-            </a:r>
-            <a:r>
-              <a:rPr lang="en-US" altLang="zh-CN" sz="1200" b="0" i="0" kern="1200" dirty="0" smtClean="0">
-                <a:solidFill>
-                  <a:schemeClr val="tx1"/>
-                </a:solidFill>
-                <a:effectLst/>
-                <a:latin typeface="Arial" charset="0"/>
-                <a:ea typeface="+mn-ea"/>
-                <a:cs typeface="+mn-cs"/>
-              </a:rPr>
-              <a:t>String </a:t>
-            </a:r>
-            <a:r>
-              <a:rPr lang="en-US" altLang="zh-CN" sz="1200" b="0" i="0" kern="1200" dirty="0" err="1" smtClean="0">
-                <a:solidFill>
-                  <a:schemeClr val="tx1"/>
-                </a:solidFill>
-                <a:effectLst/>
-                <a:latin typeface="Arial" charset="0"/>
-                <a:ea typeface="+mn-ea"/>
-                <a:cs typeface="+mn-cs"/>
-              </a:rPr>
-              <a:t>str</a:t>
-            </a:r>
-            <a:r>
-              <a:rPr lang="en-US" altLang="zh-CN" sz="1200" b="0" i="0" kern="1200" dirty="0" smtClean="0">
-                <a:solidFill>
-                  <a:schemeClr val="tx1"/>
-                </a:solidFill>
-                <a:effectLst/>
-                <a:latin typeface="Arial" charset="0"/>
-                <a:ea typeface="+mn-ea"/>
-                <a:cs typeface="+mn-cs"/>
-              </a:rPr>
-              <a:t> = "</a:t>
-            </a:r>
-            <a:r>
-              <a:rPr lang="en-US" altLang="zh-CN" sz="1200" b="0" i="0" kern="1200" dirty="0" err="1" smtClean="0">
-                <a:solidFill>
-                  <a:schemeClr val="tx1"/>
-                </a:solidFill>
-                <a:effectLst/>
-                <a:latin typeface="Arial" charset="0"/>
-                <a:ea typeface="+mn-ea"/>
-                <a:cs typeface="+mn-cs"/>
-              </a:rPr>
-              <a:t>abc</a:t>
-            </a:r>
-            <a:r>
-              <a:rPr lang="en-US" altLang="zh-CN" sz="1200" b="0" i="0" kern="1200" dirty="0" smtClean="0">
-                <a:solidFill>
-                  <a:schemeClr val="tx1"/>
-                </a:solidFill>
-                <a:effectLst/>
-                <a:latin typeface="Arial" charset="0"/>
-                <a:ea typeface="+mn-ea"/>
-                <a:cs typeface="+mn-cs"/>
-              </a:rPr>
-              <a:t>"</a:t>
-            </a:r>
-            <a:r>
-              <a:rPr lang="zh-CN" altLang="en-US" sz="1200" b="0" i="0" kern="1200" dirty="0" smtClean="0">
-                <a:solidFill>
-                  <a:schemeClr val="tx1"/>
-                </a:solidFill>
-                <a:effectLst/>
-                <a:latin typeface="Arial" charset="0"/>
-                <a:ea typeface="+mn-ea"/>
-                <a:cs typeface="+mn-cs"/>
-              </a:rPr>
-              <a:t>的内部工作。</a:t>
-            </a:r>
-            <a:r>
-              <a:rPr lang="en-US" altLang="zh-CN" sz="1200" b="0" i="0" kern="1200" dirty="0" smtClean="0">
-                <a:solidFill>
-                  <a:schemeClr val="tx1"/>
-                </a:solidFill>
-                <a:effectLst/>
-                <a:latin typeface="Arial" charset="0"/>
-                <a:ea typeface="+mn-ea"/>
-                <a:cs typeface="+mn-cs"/>
-              </a:rPr>
+              <a:rPr lang="zh-CN" altLang="en-US" dirty="0" smtClean="0"/>
+              <a:t>手动装箱和拆箱的操作是很繁琐的，</a:t>
+            </a:r>
+            <a:r>
+              <a:rPr lang="en-US" altLang="zh-CN" dirty="0" smtClean="0"/>
+              <a:t>JDK1.5</a:t>
+            </a:r>
+            <a:r>
+              <a:rPr lang="zh-CN" altLang="en-US" dirty="0" smtClean="0"/>
+              <a:t>版本之后为了方便程序员的开发，</a:t>
+            </a:r>
+            <a:r>
+              <a:rPr lang="en-US" altLang="zh-CN" dirty="0" smtClean="0"/>
               <a:t>Java</a:t>
             </a:r>
             <a:r>
-              <a:rPr lang="zh-CN" altLang="en-US" sz="1200" b="0" i="0" kern="1200" dirty="0" smtClean="0">
-                <a:solidFill>
-                  <a:schemeClr val="tx1"/>
-                </a:solidFill>
-                <a:effectLst/>
-                <a:latin typeface="Arial" charset="0"/>
-                <a:ea typeface="+mn-ea"/>
-                <a:cs typeface="+mn-cs"/>
-              </a:rPr>
-              <a:t>内部将此语句转化为以下几个步骤：</a:t>
-            </a:r>
-            <a:br>
-              <a:rPr lang="zh-CN" altLang="en-US" sz="1200" b="0" i="0" kern="1200" dirty="0" smtClean="0">
-                <a:solidFill>
-                  <a:schemeClr val="tx1"/>
-                </a:solidFill>
-                <a:effectLst/>
-                <a:latin typeface="Arial" charset="0"/>
-                <a:ea typeface="+mn-ea"/>
-                <a:cs typeface="+mn-cs"/>
-              </a:rPr>
-            </a:br>
-            <a:r>
-              <a:rPr lang="en-US" altLang="zh-CN" sz="1200" b="0" i="0" kern="1200" dirty="0" smtClean="0">
-                <a:solidFill>
-                  <a:schemeClr val="tx1"/>
-                </a:solidFill>
-                <a:effectLst/>
-                <a:latin typeface="Arial" charset="0"/>
-                <a:ea typeface="+mn-ea"/>
-                <a:cs typeface="+mn-cs"/>
-              </a:rPr>
-              <a:t>(1)</a:t>
-            </a:r>
-            <a:r>
-              <a:rPr lang="zh-CN" altLang="en-US" sz="1200" b="0" i="0" kern="1200" dirty="0" smtClean="0">
-                <a:solidFill>
-                  <a:schemeClr val="tx1"/>
-                </a:solidFill>
-                <a:effectLst/>
-                <a:latin typeface="Arial" charset="0"/>
-                <a:ea typeface="+mn-ea"/>
-                <a:cs typeface="+mn-cs"/>
-              </a:rPr>
-              <a:t>先定义一个名为</a:t>
-            </a:r>
-            <a:r>
-              <a:rPr lang="en-US" altLang="zh-CN" sz="1200" b="0" i="0" kern="1200" dirty="0" err="1" smtClean="0">
-                <a:solidFill>
-                  <a:schemeClr val="tx1"/>
-                </a:solidFill>
-                <a:effectLst/>
-                <a:latin typeface="Arial" charset="0"/>
-                <a:ea typeface="+mn-ea"/>
-                <a:cs typeface="+mn-cs"/>
-              </a:rPr>
-              <a:t>str</a:t>
-            </a:r>
-            <a:r>
-              <a:rPr lang="zh-CN" altLang="en-US" sz="1200" b="0" i="0" kern="1200" dirty="0" smtClean="0">
-                <a:solidFill>
-                  <a:schemeClr val="tx1"/>
-                </a:solidFill>
-                <a:effectLst/>
-                <a:latin typeface="Arial" charset="0"/>
-                <a:ea typeface="+mn-ea"/>
-                <a:cs typeface="+mn-cs"/>
-              </a:rPr>
-              <a:t>的对</a:t>
-            </a:r>
-            <a:r>
-              <a:rPr lang="en-US" altLang="zh-CN" sz="1200" b="0" i="0" kern="1200" dirty="0" smtClean="0">
-                <a:solidFill>
-                  <a:schemeClr val="tx1"/>
-                </a:solidFill>
-                <a:effectLst/>
-                <a:latin typeface="Arial" charset="0"/>
-                <a:ea typeface="+mn-ea"/>
-                <a:cs typeface="+mn-cs"/>
-              </a:rPr>
-              <a:t>String</a:t>
-            </a:r>
-            <a:r>
-              <a:rPr lang="zh-CN" altLang="en-US" sz="1200" b="0" i="0" kern="1200" dirty="0" smtClean="0">
-                <a:solidFill>
-                  <a:schemeClr val="tx1"/>
-                </a:solidFill>
-                <a:effectLst/>
-                <a:latin typeface="Arial" charset="0"/>
-                <a:ea typeface="+mn-ea"/>
-                <a:cs typeface="+mn-cs"/>
-              </a:rPr>
-              <a:t>类的对象引用变量：</a:t>
-            </a:r>
-            <a:r>
-              <a:rPr lang="en-US" altLang="zh-CN" sz="1200" b="0" i="0" kern="1200" dirty="0" smtClean="0">
-                <a:solidFill>
-                  <a:schemeClr val="tx1"/>
-                </a:solidFill>
-                <a:effectLst/>
-                <a:latin typeface="Arial" charset="0"/>
-                <a:ea typeface="+mn-ea"/>
-                <a:cs typeface="+mn-cs"/>
-              </a:rPr>
-              <a:t>String </a:t>
-            </a:r>
-            <a:r>
-              <a:rPr lang="en-US" altLang="zh-CN" sz="1200" b="0" i="0" kern="1200" dirty="0" err="1" smtClean="0">
-                <a:solidFill>
-                  <a:schemeClr val="tx1"/>
-                </a:solidFill>
-                <a:effectLst/>
-                <a:latin typeface="Arial" charset="0"/>
-                <a:ea typeface="+mn-ea"/>
-                <a:cs typeface="+mn-cs"/>
-              </a:rPr>
-              <a:t>str</a:t>
-            </a:r>
-            <a:r>
-              <a:rPr lang="zh-CN" altLang="en-US" sz="1200" b="0" i="0" kern="1200" dirty="0" smtClean="0">
-                <a:solidFill>
-                  <a:schemeClr val="tx1"/>
-                </a:solidFill>
-                <a:effectLst/>
-                <a:latin typeface="Arial" charset="0"/>
-                <a:ea typeface="+mn-ea"/>
-                <a:cs typeface="+mn-cs"/>
-              </a:rPr>
-              <a:t>；</a:t>
-            </a:r>
-            <a:br>
-              <a:rPr lang="zh-CN" altLang="en-US" sz="1200" b="0" i="0" kern="1200" dirty="0" smtClean="0">
-                <a:solidFill>
-                  <a:schemeClr val="tx1"/>
-                </a:solidFill>
-                <a:effectLst/>
-                <a:latin typeface="Arial" charset="0"/>
-                <a:ea typeface="+mn-ea"/>
-                <a:cs typeface="+mn-cs"/>
-              </a:rPr>
-            </a:br>
-            <a:r>
-              <a:rPr lang="en-US" altLang="zh-CN" sz="1200" b="0" i="0" kern="1200" dirty="0" smtClean="0">
-                <a:solidFill>
-                  <a:schemeClr val="tx1"/>
-                </a:solidFill>
-                <a:effectLst/>
-                <a:latin typeface="Arial" charset="0"/>
-                <a:ea typeface="+mn-ea"/>
-                <a:cs typeface="+mn-cs"/>
-              </a:rPr>
-              <a:t>(2) </a:t>
-            </a:r>
-            <a:r>
-              <a:rPr lang="zh-CN" altLang="en-US" sz="1200" b="0" i="0" kern="1200" dirty="0" smtClean="0">
-                <a:solidFill>
-                  <a:schemeClr val="tx1"/>
-                </a:solidFill>
-                <a:effectLst/>
-                <a:latin typeface="Arial" charset="0"/>
-                <a:ea typeface="+mn-ea"/>
-                <a:cs typeface="+mn-cs"/>
-              </a:rPr>
-              <a:t>在栈中查找有没有存放值为</a:t>
-            </a:r>
-            <a:r>
-              <a:rPr lang="en-US" altLang="zh-CN" sz="1200" b="0" i="0" kern="1200" dirty="0" smtClean="0">
-                <a:solidFill>
-                  <a:schemeClr val="tx1"/>
-                </a:solidFill>
-                <a:effectLst/>
-                <a:latin typeface="Arial" charset="0"/>
-                <a:ea typeface="+mn-ea"/>
-                <a:cs typeface="+mn-cs"/>
-              </a:rPr>
-              <a:t>"</a:t>
-            </a:r>
-            <a:r>
-              <a:rPr lang="en-US" altLang="zh-CN" sz="1200" b="0" i="0" kern="1200" dirty="0" err="1" smtClean="0">
-                <a:solidFill>
-                  <a:schemeClr val="tx1"/>
-                </a:solidFill>
-                <a:effectLst/>
-                <a:latin typeface="Arial" charset="0"/>
-                <a:ea typeface="+mn-ea"/>
-                <a:cs typeface="+mn-cs"/>
-              </a:rPr>
-              <a:t>abc</a:t>
-            </a:r>
-            <a:r>
-              <a:rPr lang="en-US" altLang="zh-CN" sz="1200" b="0" i="0" kern="1200" dirty="0" smtClean="0">
-                <a:solidFill>
-                  <a:schemeClr val="tx1"/>
-                </a:solidFill>
-                <a:effectLst/>
-                <a:latin typeface="Arial" charset="0"/>
-                <a:ea typeface="+mn-ea"/>
-                <a:cs typeface="+mn-cs"/>
-              </a:rPr>
-              <a:t>"</a:t>
-            </a:r>
-            <a:r>
-              <a:rPr lang="zh-CN" altLang="en-US" sz="1200" b="0" i="0" kern="1200" dirty="0" smtClean="0">
-                <a:solidFill>
-                  <a:schemeClr val="tx1"/>
-                </a:solidFill>
-                <a:effectLst/>
-                <a:latin typeface="Arial" charset="0"/>
-                <a:ea typeface="+mn-ea"/>
-                <a:cs typeface="+mn-cs"/>
-              </a:rPr>
-              <a:t>的地址，如果没有，则开辟一个存放字面值为</a:t>
-            </a:r>
-            <a:r>
-              <a:rPr lang="en-US" altLang="zh-CN" sz="1200" b="0" i="0" kern="1200" dirty="0" smtClean="0">
-                <a:solidFill>
-                  <a:schemeClr val="tx1"/>
-                </a:solidFill>
-                <a:effectLst/>
-                <a:latin typeface="Arial" charset="0"/>
-                <a:ea typeface="+mn-ea"/>
-                <a:cs typeface="+mn-cs"/>
-              </a:rPr>
-              <a:t>"</a:t>
-            </a:r>
-            <a:r>
-              <a:rPr lang="en-US" altLang="zh-CN" sz="1200" b="0" i="0" kern="1200" dirty="0" err="1" smtClean="0">
-                <a:solidFill>
-                  <a:schemeClr val="tx1"/>
-                </a:solidFill>
-                <a:effectLst/>
-                <a:latin typeface="Arial" charset="0"/>
-                <a:ea typeface="+mn-ea"/>
-                <a:cs typeface="+mn-cs"/>
-              </a:rPr>
-              <a:t>abc</a:t>
-            </a:r>
-            <a:r>
-              <a:rPr lang="en-US" altLang="zh-CN" sz="1200" b="0" i="0" kern="1200" dirty="0" smtClean="0">
-                <a:solidFill>
-                  <a:schemeClr val="tx1"/>
-                </a:solidFill>
-                <a:effectLst/>
-                <a:latin typeface="Arial" charset="0"/>
-                <a:ea typeface="+mn-ea"/>
-                <a:cs typeface="+mn-cs"/>
-              </a:rPr>
-              <a:t>"</a:t>
-            </a:r>
-            <a:r>
-              <a:rPr lang="zh-CN" altLang="en-US" sz="1200" b="0" i="0" kern="1200" dirty="0" smtClean="0">
-                <a:solidFill>
-                  <a:schemeClr val="tx1"/>
-                </a:solidFill>
-                <a:effectLst/>
-                <a:latin typeface="Arial" charset="0"/>
-                <a:ea typeface="+mn-ea"/>
-                <a:cs typeface="+mn-cs"/>
-              </a:rPr>
-              <a:t>的地址，接着创建一个新的</a:t>
-            </a:r>
-            <a:r>
-              <a:rPr lang="en-US" altLang="zh-CN" sz="1200" b="0" i="0" kern="1200" dirty="0" smtClean="0">
-                <a:solidFill>
-                  <a:schemeClr val="tx1"/>
-                </a:solidFill>
-                <a:effectLst/>
-                <a:latin typeface="Arial" charset="0"/>
-                <a:ea typeface="+mn-ea"/>
-                <a:cs typeface="+mn-cs"/>
-              </a:rPr>
-              <a:t>String</a:t>
-            </a:r>
-            <a:r>
-              <a:rPr lang="zh-CN" altLang="en-US" sz="1200" b="0" i="0" kern="1200" dirty="0" smtClean="0">
-                <a:solidFill>
-                  <a:schemeClr val="tx1"/>
-                </a:solidFill>
-                <a:effectLst/>
-                <a:latin typeface="Arial" charset="0"/>
-                <a:ea typeface="+mn-ea"/>
-                <a:cs typeface="+mn-cs"/>
-              </a:rPr>
-              <a:t>类的对象</a:t>
-            </a:r>
-            <a:r>
-              <a:rPr lang="en-US" altLang="zh-CN" sz="1200" b="0" i="0" kern="1200" dirty="0" smtClean="0">
-                <a:solidFill>
-                  <a:schemeClr val="tx1"/>
-                </a:solidFill>
-                <a:effectLst/>
-                <a:latin typeface="Arial" charset="0"/>
-                <a:ea typeface="+mn-ea"/>
-                <a:cs typeface="+mn-cs"/>
-              </a:rPr>
-              <a:t>o</a:t>
-            </a:r>
-            <a:r>
-              <a:rPr lang="zh-CN" altLang="en-US" sz="1200" b="0" i="0" kern="1200" dirty="0" smtClean="0">
-                <a:solidFill>
-                  <a:schemeClr val="tx1"/>
-                </a:solidFill>
-                <a:effectLst/>
-                <a:latin typeface="Arial" charset="0"/>
-                <a:ea typeface="+mn-ea"/>
-                <a:cs typeface="+mn-cs"/>
-              </a:rPr>
-              <a:t>，并将</a:t>
-            </a:r>
-            <a:r>
-              <a:rPr lang="en-US" altLang="zh-CN" sz="1200" b="0" i="0" kern="1200" dirty="0" smtClean="0">
-                <a:solidFill>
-                  <a:schemeClr val="tx1"/>
-                </a:solidFill>
-                <a:effectLst/>
-                <a:latin typeface="Arial" charset="0"/>
-                <a:ea typeface="+mn-ea"/>
-                <a:cs typeface="+mn-cs"/>
-              </a:rPr>
-              <a:t>o</a:t>
-            </a:r>
-            <a:r>
-              <a:rPr lang="zh-CN" altLang="en-US" sz="1200" b="0" i="0" kern="1200" dirty="0" smtClean="0">
-                <a:solidFill>
-                  <a:schemeClr val="tx1"/>
-                </a:solidFill>
-                <a:effectLst/>
-                <a:latin typeface="Arial" charset="0"/>
-                <a:ea typeface="+mn-ea"/>
-                <a:cs typeface="+mn-cs"/>
-              </a:rPr>
-              <a:t>的字符 串值指向这个地址，而且在栈中这个地址旁边记下这个引用的对象</a:t>
-            </a:r>
-            <a:r>
-              <a:rPr lang="en-US" altLang="zh-CN" sz="1200" b="0" i="0" kern="1200" dirty="0" smtClean="0">
-                <a:solidFill>
-                  <a:schemeClr val="tx1"/>
-                </a:solidFill>
-                <a:effectLst/>
-                <a:latin typeface="Arial" charset="0"/>
-                <a:ea typeface="+mn-ea"/>
-                <a:cs typeface="+mn-cs"/>
-              </a:rPr>
-              <a:t>o</a:t>
-            </a:r>
-            <a:r>
-              <a:rPr lang="zh-CN" altLang="en-US" sz="1200" b="0" i="0" kern="1200" dirty="0" smtClean="0">
-                <a:solidFill>
-                  <a:schemeClr val="tx1"/>
-                </a:solidFill>
-                <a:effectLst/>
-                <a:latin typeface="Arial" charset="0"/>
-                <a:ea typeface="+mn-ea"/>
-                <a:cs typeface="+mn-cs"/>
-              </a:rPr>
-              <a:t>。如果已经有了值为</a:t>
-            </a:r>
-            <a:r>
-              <a:rPr lang="en-US" altLang="zh-CN" sz="1200" b="0" i="0" kern="1200" dirty="0" smtClean="0">
-                <a:solidFill>
-                  <a:schemeClr val="tx1"/>
-                </a:solidFill>
-                <a:effectLst/>
-                <a:latin typeface="Arial" charset="0"/>
-                <a:ea typeface="+mn-ea"/>
-                <a:cs typeface="+mn-cs"/>
-              </a:rPr>
-              <a:t>"</a:t>
-            </a:r>
-            <a:r>
-              <a:rPr lang="en-US" altLang="zh-CN" sz="1200" b="0" i="0" kern="1200" dirty="0" err="1" smtClean="0">
-                <a:solidFill>
-                  <a:schemeClr val="tx1"/>
-                </a:solidFill>
-                <a:effectLst/>
-                <a:latin typeface="Arial" charset="0"/>
-                <a:ea typeface="+mn-ea"/>
-                <a:cs typeface="+mn-cs"/>
-              </a:rPr>
-              <a:t>abc</a:t>
-            </a:r>
-            <a:r>
-              <a:rPr lang="en-US" altLang="zh-CN" sz="1200" b="0" i="0" kern="1200" dirty="0" smtClean="0">
-                <a:solidFill>
-                  <a:schemeClr val="tx1"/>
-                </a:solidFill>
-                <a:effectLst/>
-                <a:latin typeface="Arial" charset="0"/>
-                <a:ea typeface="+mn-ea"/>
-                <a:cs typeface="+mn-cs"/>
-              </a:rPr>
-              <a:t>"</a:t>
-            </a:r>
-            <a:r>
-              <a:rPr lang="zh-CN" altLang="en-US" sz="1200" b="0" i="0" kern="1200" dirty="0" smtClean="0">
-                <a:solidFill>
-                  <a:schemeClr val="tx1"/>
-                </a:solidFill>
-                <a:effectLst/>
-                <a:latin typeface="Arial" charset="0"/>
-                <a:ea typeface="+mn-ea"/>
-                <a:cs typeface="+mn-cs"/>
-              </a:rPr>
-              <a:t>的地址，则查找对象</a:t>
-            </a:r>
-            <a:r>
-              <a:rPr lang="en-US" altLang="zh-CN" sz="1200" b="0" i="0" kern="1200" dirty="0" smtClean="0">
-                <a:solidFill>
-                  <a:schemeClr val="tx1"/>
-                </a:solidFill>
-                <a:effectLst/>
-                <a:latin typeface="Arial" charset="0"/>
-                <a:ea typeface="+mn-ea"/>
-                <a:cs typeface="+mn-cs"/>
-              </a:rPr>
-              <a:t>o</a:t>
-            </a:r>
-            <a:r>
-              <a:rPr lang="zh-CN" altLang="en-US" sz="1200" b="0" i="0" kern="1200" dirty="0" smtClean="0">
-                <a:solidFill>
-                  <a:schemeClr val="tx1"/>
-                </a:solidFill>
-                <a:effectLst/>
-                <a:latin typeface="Arial" charset="0"/>
-                <a:ea typeface="+mn-ea"/>
-                <a:cs typeface="+mn-cs"/>
-              </a:rPr>
-              <a:t>，并返回</a:t>
-            </a:r>
-            <a:r>
-              <a:rPr lang="en-US" altLang="zh-CN" sz="1200" b="0" i="0" kern="1200" dirty="0" smtClean="0">
-                <a:solidFill>
-                  <a:schemeClr val="tx1"/>
-                </a:solidFill>
-                <a:effectLst/>
-                <a:latin typeface="Arial" charset="0"/>
-                <a:ea typeface="+mn-ea"/>
-                <a:cs typeface="+mn-cs"/>
-              </a:rPr>
-              <a:t>o</a:t>
-            </a:r>
-            <a:r>
-              <a:rPr lang="zh-CN" altLang="en-US" sz="1200" b="0" i="0" kern="1200" dirty="0" smtClean="0">
-                <a:solidFill>
-                  <a:schemeClr val="tx1"/>
-                </a:solidFill>
-                <a:effectLst/>
-                <a:latin typeface="Arial" charset="0"/>
-                <a:ea typeface="+mn-ea"/>
-                <a:cs typeface="+mn-cs"/>
-              </a:rPr>
-              <a:t>的地址。</a:t>
-            </a:r>
-            <a:br>
-              <a:rPr lang="zh-CN" altLang="en-US" sz="1200" b="0" i="0" kern="1200" dirty="0" smtClean="0">
-                <a:solidFill>
-                  <a:schemeClr val="tx1"/>
-                </a:solidFill>
-                <a:effectLst/>
-                <a:latin typeface="Arial" charset="0"/>
-                <a:ea typeface="+mn-ea"/>
-                <a:cs typeface="+mn-cs"/>
-              </a:rPr>
-            </a:br>
-            <a:r>
-              <a:rPr lang="en-US" altLang="zh-CN" sz="1200" b="0" i="0" kern="1200" dirty="0" smtClean="0">
-                <a:solidFill>
-                  <a:schemeClr val="tx1"/>
-                </a:solidFill>
-                <a:effectLst/>
-                <a:latin typeface="Arial" charset="0"/>
-                <a:ea typeface="+mn-ea"/>
-                <a:cs typeface="+mn-cs"/>
-              </a:rPr>
-              <a:t>(3)</a:t>
-            </a:r>
-            <a:r>
-              <a:rPr lang="zh-CN" altLang="en-US" sz="1200" b="0" i="0" kern="1200" dirty="0" smtClean="0">
-                <a:solidFill>
-                  <a:schemeClr val="tx1"/>
-                </a:solidFill>
-                <a:effectLst/>
-                <a:latin typeface="Arial" charset="0"/>
-                <a:ea typeface="+mn-ea"/>
-                <a:cs typeface="+mn-cs"/>
-              </a:rPr>
-              <a:t>将</a:t>
-            </a:r>
-            <a:r>
-              <a:rPr lang="en-US" altLang="zh-CN" sz="1200" b="0" i="0" kern="1200" dirty="0" err="1" smtClean="0">
-                <a:solidFill>
-                  <a:schemeClr val="tx1"/>
-                </a:solidFill>
-                <a:effectLst/>
-                <a:latin typeface="Arial" charset="0"/>
-                <a:ea typeface="+mn-ea"/>
-                <a:cs typeface="+mn-cs"/>
-              </a:rPr>
-              <a:t>str</a:t>
-            </a:r>
-            <a:r>
-              <a:rPr lang="zh-CN" altLang="en-US" sz="1200" b="0" i="0" kern="1200" dirty="0" smtClean="0">
-                <a:solidFill>
-                  <a:schemeClr val="tx1"/>
-                </a:solidFill>
-                <a:effectLst/>
-                <a:latin typeface="Arial" charset="0"/>
-                <a:ea typeface="+mn-ea"/>
-                <a:cs typeface="+mn-cs"/>
-              </a:rPr>
-              <a:t>指向对象</a:t>
-            </a:r>
-            <a:r>
-              <a:rPr lang="en-US" altLang="zh-CN" sz="1200" b="0" i="0" kern="1200" dirty="0" smtClean="0">
-                <a:solidFill>
-                  <a:schemeClr val="tx1"/>
-                </a:solidFill>
-                <a:effectLst/>
-                <a:latin typeface="Arial" charset="0"/>
-                <a:ea typeface="+mn-ea"/>
-                <a:cs typeface="+mn-cs"/>
-              </a:rPr>
-              <a:t>o</a:t>
-            </a:r>
-            <a:r>
-              <a:rPr lang="zh-CN" altLang="en-US" sz="1200" b="0" i="0" kern="1200" dirty="0" smtClean="0">
-                <a:solidFill>
-                  <a:schemeClr val="tx1"/>
-                </a:solidFill>
-                <a:effectLst/>
-                <a:latin typeface="Arial" charset="0"/>
-                <a:ea typeface="+mn-ea"/>
-                <a:cs typeface="+mn-cs"/>
-              </a:rPr>
-              <a:t>的地址。</a:t>
-            </a:r>
-            <a:br>
-              <a:rPr lang="zh-CN" altLang="en-US" sz="1200" b="0" i="0" kern="1200" dirty="0" smtClean="0">
-                <a:solidFill>
-                  <a:schemeClr val="tx1"/>
-                </a:solidFill>
-                <a:effectLst/>
-                <a:latin typeface="Arial" charset="0"/>
-                <a:ea typeface="+mn-ea"/>
-                <a:cs typeface="+mn-cs"/>
-              </a:rPr>
-            </a:br>
-            <a:r>
-              <a:rPr lang="zh-CN" altLang="en-US" sz="1200" b="0" i="0" kern="1200" dirty="0" smtClean="0">
-                <a:solidFill>
-                  <a:schemeClr val="tx1"/>
-                </a:solidFill>
-                <a:effectLst/>
-                <a:latin typeface="Arial" charset="0"/>
-                <a:ea typeface="+mn-ea"/>
-                <a:cs typeface="+mn-cs"/>
-              </a:rPr>
-              <a:t>值得注意的是，一般</a:t>
-            </a:r>
-            <a:r>
-              <a:rPr lang="en-US" altLang="zh-CN" sz="1200" b="0" i="0" kern="1200" dirty="0" smtClean="0">
-                <a:solidFill>
-                  <a:schemeClr val="tx1"/>
-                </a:solidFill>
-                <a:effectLst/>
-                <a:latin typeface="Arial" charset="0"/>
-                <a:ea typeface="+mn-ea"/>
-                <a:cs typeface="+mn-cs"/>
-              </a:rPr>
-              <a:t>String</a:t>
-            </a:r>
-            <a:r>
-              <a:rPr lang="zh-CN" altLang="en-US" sz="1200" b="0" i="0" kern="1200" dirty="0" smtClean="0">
-                <a:solidFill>
-                  <a:schemeClr val="tx1"/>
-                </a:solidFill>
-                <a:effectLst/>
-                <a:latin typeface="Arial" charset="0"/>
-                <a:ea typeface="+mn-ea"/>
-                <a:cs typeface="+mn-cs"/>
-              </a:rPr>
-              <a:t>类中字符串值都是直接存值的。但像</a:t>
-            </a:r>
-            <a:r>
-              <a:rPr lang="en-US" altLang="zh-CN" sz="1200" b="0" i="0" kern="1200" dirty="0" smtClean="0">
-                <a:solidFill>
-                  <a:schemeClr val="tx1"/>
-                </a:solidFill>
-                <a:effectLst/>
-                <a:latin typeface="Arial" charset="0"/>
-                <a:ea typeface="+mn-ea"/>
-                <a:cs typeface="+mn-cs"/>
-              </a:rPr>
-              <a:t>String </a:t>
-            </a:r>
-            <a:r>
-              <a:rPr lang="en-US" altLang="zh-CN" sz="1200" b="0" i="0" kern="1200" dirty="0" err="1" smtClean="0">
-                <a:solidFill>
-                  <a:schemeClr val="tx1"/>
-                </a:solidFill>
-                <a:effectLst/>
-                <a:latin typeface="Arial" charset="0"/>
-                <a:ea typeface="+mn-ea"/>
-                <a:cs typeface="+mn-cs"/>
-              </a:rPr>
-              <a:t>str</a:t>
-            </a:r>
-            <a:r>
-              <a:rPr lang="en-US" altLang="zh-CN" sz="1200" b="0" i="0" kern="1200" dirty="0" smtClean="0">
-                <a:solidFill>
-                  <a:schemeClr val="tx1"/>
-                </a:solidFill>
-                <a:effectLst/>
-                <a:latin typeface="Arial" charset="0"/>
-                <a:ea typeface="+mn-ea"/>
-                <a:cs typeface="+mn-cs"/>
-              </a:rPr>
-              <a:t> = "</a:t>
-            </a:r>
-            <a:r>
-              <a:rPr lang="en-US" altLang="zh-CN" sz="1200" b="0" i="0" kern="1200" dirty="0" err="1" smtClean="0">
-                <a:solidFill>
-                  <a:schemeClr val="tx1"/>
-                </a:solidFill>
-                <a:effectLst/>
-                <a:latin typeface="Arial" charset="0"/>
-                <a:ea typeface="+mn-ea"/>
-                <a:cs typeface="+mn-cs"/>
-              </a:rPr>
-              <a:t>abc</a:t>
-            </a:r>
-            <a:r>
-              <a:rPr lang="en-US" altLang="zh-CN" sz="1200" b="0" i="0" kern="1200" dirty="0" smtClean="0">
-                <a:solidFill>
-                  <a:schemeClr val="tx1"/>
-                </a:solidFill>
-                <a:effectLst/>
-                <a:latin typeface="Arial" charset="0"/>
-                <a:ea typeface="+mn-ea"/>
-                <a:cs typeface="+mn-cs"/>
-              </a:rPr>
-              <a:t>"</a:t>
-            </a:r>
-            <a:r>
-              <a:rPr lang="zh-CN" altLang="en-US" sz="1200" b="0" i="0" kern="1200" dirty="0" smtClean="0">
-                <a:solidFill>
-                  <a:schemeClr val="tx1"/>
-                </a:solidFill>
-                <a:effectLst/>
-                <a:latin typeface="Arial" charset="0"/>
-                <a:ea typeface="+mn-ea"/>
-                <a:cs typeface="+mn-cs"/>
-              </a:rPr>
-              <a:t>；这种场合下，其字符串值却是保存了一个指向存在栈中数据的引用！</a:t>
-            </a:r>
-            <a:endParaRPr lang="en-US" altLang="zh-CN" sz="1200" b="0" i="0" kern="1200" dirty="0" smtClean="0">
-              <a:solidFill>
-                <a:schemeClr val="tx1"/>
-              </a:solidFill>
-              <a:effectLst/>
-              <a:latin typeface="Arial" charset="0"/>
-              <a:ea typeface="+mn-ea"/>
-              <a:cs typeface="+mn-cs"/>
-            </a:endParaRPr>
-          </a:p>
-          <a:p>
-            <a:endParaRPr lang="en-US" altLang="zh-CN" sz="1200" b="0" i="0" kern="1200" dirty="0" smtClean="0">
-              <a:solidFill>
-                <a:schemeClr val="tx1"/>
-              </a:solidFill>
-              <a:effectLst/>
-              <a:latin typeface="Arial" charset="0"/>
-              <a:ea typeface="+mn-ea"/>
-              <a:cs typeface="+mn-cs"/>
-            </a:endParaRPr>
-          </a:p>
-          <a:p>
-            <a:r>
-              <a:rPr lang="zh-CN" altLang="en-US" sz="1200" b="0" i="0" kern="1200" dirty="0" smtClean="0">
-                <a:solidFill>
-                  <a:schemeClr val="tx1"/>
-                </a:solidFill>
-                <a:effectLst/>
-                <a:latin typeface="Arial" charset="0"/>
-                <a:ea typeface="+mn-ea"/>
-                <a:cs typeface="+mn-cs"/>
-              </a:rPr>
-              <a:t>当比较包装类里面的数值是否相等时，用</a:t>
-            </a:r>
-            <a:r>
-              <a:rPr lang="en-US" altLang="zh-CN" sz="1200" b="0" i="0" kern="1200" dirty="0" smtClean="0">
-                <a:solidFill>
-                  <a:schemeClr val="tx1"/>
-                </a:solidFill>
-                <a:effectLst/>
-                <a:latin typeface="Arial" charset="0"/>
-                <a:ea typeface="+mn-ea"/>
-                <a:cs typeface="+mn-cs"/>
-              </a:rPr>
-              <a:t>equals()</a:t>
-            </a:r>
-            <a:r>
-              <a:rPr lang="zh-CN" altLang="en-US" sz="1200" b="0" i="0" kern="1200" dirty="0" smtClean="0">
-                <a:solidFill>
-                  <a:schemeClr val="tx1"/>
-                </a:solidFill>
-                <a:effectLst/>
-                <a:latin typeface="Arial" charset="0"/>
-                <a:ea typeface="+mn-ea"/>
-                <a:cs typeface="+mn-cs"/>
-              </a:rPr>
-              <a:t>方法；当测试两个包装类的引用是否指向同一个对象时，用</a:t>
-            </a:r>
-            <a:r>
-              <a:rPr lang="en-US" altLang="zh-CN" sz="1200" b="0" i="0" kern="1200" dirty="0" smtClean="0">
-                <a:solidFill>
-                  <a:schemeClr val="tx1"/>
-                </a:solidFill>
-                <a:effectLst/>
-                <a:latin typeface="Arial" charset="0"/>
-                <a:ea typeface="+mn-ea"/>
-                <a:cs typeface="+mn-cs"/>
-              </a:rPr>
-              <a:t>==</a:t>
-            </a:r>
-          </a:p>
-          <a:p>
-            <a:endParaRPr lang="en-US" altLang="zh-CN" sz="1200" b="0" i="0" kern="1200" dirty="0" smtClean="0">
-              <a:solidFill>
-                <a:schemeClr val="tx1"/>
-              </a:solidFill>
-              <a:effectLst/>
-              <a:latin typeface="Arial" charset="0"/>
-              <a:ea typeface="+mn-ea"/>
-              <a:cs typeface="+mn-cs"/>
-            </a:endParaRPr>
-          </a:p>
-          <a:p>
-            <a:r>
-              <a:rPr lang="zh-CN" altLang="en-US" sz="1200" b="0" i="0" kern="1200" dirty="0" smtClean="0">
-                <a:solidFill>
-                  <a:schemeClr val="tx1"/>
-                </a:solidFill>
-                <a:effectLst/>
-                <a:latin typeface="Arial" charset="0"/>
-                <a:ea typeface="+mn-ea"/>
-                <a:cs typeface="+mn-cs"/>
-              </a:rPr>
-              <a:t>基本数据类型，存储在栈中，“</a:t>
-            </a:r>
-            <a:r>
-              <a:rPr lang="en-US" altLang="zh-CN" sz="1200" b="0" i="0" kern="1200" dirty="0" err="1" smtClean="0">
-                <a:solidFill>
-                  <a:schemeClr val="tx1"/>
-                </a:solidFill>
-                <a:effectLst/>
-                <a:latin typeface="Arial" charset="0"/>
-                <a:ea typeface="+mn-ea"/>
-                <a:cs typeface="+mn-cs"/>
-              </a:rPr>
-              <a:t>abc</a:t>
-            </a:r>
-            <a:r>
-              <a:rPr lang="en-US" altLang="zh-CN" sz="1200" b="0" i="0" kern="1200" dirty="0" smtClean="0">
-                <a:solidFill>
-                  <a:schemeClr val="tx1"/>
-                </a:solidFill>
-                <a:effectLst/>
-                <a:latin typeface="Arial" charset="0"/>
-                <a:ea typeface="+mn-ea"/>
-                <a:cs typeface="+mn-cs"/>
-              </a:rPr>
-              <a:t>”</a:t>
-            </a:r>
-            <a:r>
-              <a:rPr lang="zh-CN" altLang="en-US" sz="1200" b="0" i="0" kern="1200" dirty="0" smtClean="0">
-                <a:solidFill>
-                  <a:schemeClr val="tx1"/>
-                </a:solidFill>
-                <a:effectLst/>
-                <a:latin typeface="Arial" charset="0"/>
-                <a:ea typeface="+mn-ea"/>
-                <a:cs typeface="+mn-cs"/>
-              </a:rPr>
-              <a:t>存储在栈中，只要是使用</a:t>
-            </a:r>
-            <a:r>
-              <a:rPr lang="en-US" altLang="zh-CN" sz="1200" b="0" i="0" kern="1200" dirty="0" smtClean="0">
-                <a:solidFill>
-                  <a:schemeClr val="tx1"/>
-                </a:solidFill>
-                <a:effectLst/>
-                <a:latin typeface="Arial" charset="0"/>
-                <a:ea typeface="+mn-ea"/>
-                <a:cs typeface="+mn-cs"/>
-              </a:rPr>
-              <a:t>new</a:t>
-            </a:r>
-            <a:r>
-              <a:rPr lang="zh-CN" altLang="en-US" sz="1200" b="0" i="0" kern="1200" dirty="0" smtClean="0">
-                <a:solidFill>
-                  <a:schemeClr val="tx1"/>
-                </a:solidFill>
-                <a:effectLst/>
-                <a:latin typeface="Arial" charset="0"/>
-                <a:ea typeface="+mn-ea"/>
-                <a:cs typeface="+mn-cs"/>
-              </a:rPr>
-              <a:t>一个对象，则存储在堆中，而且在栈中，在新建一个新的变量或对象时，会首 先看一下是否已经存在，存在则不创建新的。那在栈中的数据是否不涉及垃圾回收呢。那这部分内容，如何处理呢，还有就是，对象的作用域，程序存储在哪儿呢？对于栈中的数据来说，当超过变量的作用域的时候，会消失。</a:t>
-            </a:r>
-            <a:endParaRPr lang="en-US" altLang="zh-CN" sz="1200" b="0" i="0" kern="1200" dirty="0" smtClean="0">
-              <a:solidFill>
-                <a:schemeClr val="tx1"/>
-              </a:solidFill>
-              <a:effectLst/>
-              <a:latin typeface="Arial" charset="0"/>
-              <a:ea typeface="+mn-ea"/>
-              <a:cs typeface="+mn-cs"/>
-            </a:endParaRPr>
-          </a:p>
-          <a:p>
-            <a:endParaRPr lang="en-US" altLang="zh-CN" sz="1200" b="0" i="0" kern="1200" dirty="0" smtClean="0">
-              <a:solidFill>
-                <a:schemeClr val="tx1"/>
-              </a:solidFill>
-              <a:effectLst/>
-              <a:latin typeface="Arial" charset="0"/>
-              <a:ea typeface="+mn-ea"/>
-              <a:cs typeface="+mn-cs"/>
-            </a:endParaRPr>
-          </a:p>
-          <a:p>
-            <a:r>
-              <a:rPr lang="zh-CN" altLang="en-US" sz="1200" b="0" i="0" kern="1200" dirty="0" smtClean="0">
-                <a:solidFill>
-                  <a:schemeClr val="tx1"/>
-                </a:solidFill>
-                <a:effectLst/>
-                <a:latin typeface="Arial" charset="0"/>
-                <a:ea typeface="+mn-ea"/>
-                <a:cs typeface="+mn-cs"/>
-              </a:rPr>
-              <a:t>只要是用</a:t>
-            </a:r>
-            <a:r>
-              <a:rPr lang="en-US" altLang="zh-CN" sz="1200" b="0" i="0" kern="1200" dirty="0" smtClean="0">
-                <a:solidFill>
-                  <a:schemeClr val="tx1"/>
-                </a:solidFill>
-                <a:effectLst/>
-                <a:latin typeface="Arial" charset="0"/>
-                <a:ea typeface="+mn-ea"/>
-                <a:cs typeface="+mn-cs"/>
-              </a:rPr>
-              <a:t>new()</a:t>
-            </a:r>
-            <a:r>
-              <a:rPr lang="zh-CN" altLang="en-US" sz="1200" b="0" i="0" kern="1200" dirty="0" smtClean="0">
-                <a:solidFill>
-                  <a:schemeClr val="tx1"/>
-                </a:solidFill>
-                <a:effectLst/>
-                <a:latin typeface="Arial" charset="0"/>
-                <a:ea typeface="+mn-ea"/>
-                <a:cs typeface="+mn-cs"/>
-              </a:rPr>
-              <a:t>来新建对象的，都会在堆中创建</a:t>
-            </a:r>
-            <a:endParaRPr lang="en-US" altLang="zh-CN" sz="1200" b="0" i="0" kern="1200" dirty="0" smtClean="0">
-              <a:solidFill>
-                <a:schemeClr val="tx1"/>
-              </a:solidFill>
-              <a:effectLst/>
-              <a:latin typeface="Arial" charset="0"/>
-              <a:ea typeface="+mn-ea"/>
-              <a:cs typeface="+mn-cs"/>
-            </a:endParaRPr>
-          </a:p>
-          <a:p>
-            <a:endParaRPr lang="en-US" altLang="zh-CN" sz="1200" b="0" i="0" kern="1200" dirty="0" smtClean="0">
-              <a:solidFill>
-                <a:schemeClr val="tx1"/>
-              </a:solidFill>
-              <a:effectLst/>
-              <a:latin typeface="Arial" charset="0"/>
-              <a:ea typeface="+mn-ea"/>
-              <a:cs typeface="+mn-cs"/>
-            </a:endParaRPr>
-          </a:p>
-          <a:p>
-            <a:r>
-              <a:rPr lang="en-US" altLang="zh-CN" sz="1200" b="0" i="0" kern="1200" dirty="0" smtClean="0">
-                <a:solidFill>
-                  <a:schemeClr val="tx1"/>
-                </a:solidFill>
-                <a:effectLst/>
-                <a:latin typeface="Arial" charset="0"/>
-                <a:ea typeface="+mn-ea"/>
-                <a:cs typeface="+mn-cs"/>
-              </a:rPr>
-              <a:t>static</a:t>
-            </a:r>
-            <a:r>
-              <a:rPr lang="zh-CN" altLang="en-US" sz="1200" b="0" i="0" kern="1200" dirty="0" smtClean="0">
-                <a:solidFill>
-                  <a:schemeClr val="tx1"/>
-                </a:solidFill>
-                <a:effectLst/>
-                <a:latin typeface="Arial" charset="0"/>
-                <a:ea typeface="+mn-ea"/>
-                <a:cs typeface="+mn-cs"/>
-              </a:rPr>
-              <a:t>声明的代码，存储在</a:t>
-            </a:r>
-            <a:r>
-              <a:rPr lang="en-US" altLang="zh-CN" sz="1200" b="0" i="0" kern="1200" dirty="0" smtClean="0">
-                <a:solidFill>
-                  <a:schemeClr val="tx1"/>
-                </a:solidFill>
-                <a:effectLst/>
-                <a:latin typeface="Arial" charset="0"/>
-                <a:ea typeface="+mn-ea"/>
-                <a:cs typeface="+mn-cs"/>
-              </a:rPr>
-              <a:t>heap</a:t>
-            </a:r>
-            <a:r>
-              <a:rPr lang="zh-CN" altLang="en-US" sz="1200" b="0" i="0" kern="1200" dirty="0" smtClean="0">
-                <a:solidFill>
-                  <a:schemeClr val="tx1"/>
-                </a:solidFill>
-                <a:effectLst/>
-                <a:latin typeface="Arial" charset="0"/>
-                <a:ea typeface="+mn-ea"/>
-                <a:cs typeface="+mn-cs"/>
-              </a:rPr>
-              <a:t>中，常量以外的类（静态）变量存储在方法区。</a:t>
-            </a:r>
-            <a:r>
-              <a:rPr lang="en-US" altLang="zh-CN" sz="1200" b="0" i="0" kern="1200" dirty="0" smtClean="0">
-                <a:solidFill>
-                  <a:schemeClr val="tx1"/>
-                </a:solidFill>
-                <a:effectLst/>
-                <a:latin typeface="Arial" charset="0"/>
-                <a:ea typeface="+mn-ea"/>
-                <a:cs typeface="+mn-cs"/>
-              </a:rPr>
-              <a:t>instance</a:t>
-            </a:r>
-            <a:r>
-              <a:rPr lang="zh-CN" altLang="en-US" sz="1200" b="0" i="0" kern="1200" dirty="0" smtClean="0">
-                <a:solidFill>
-                  <a:schemeClr val="tx1"/>
-                </a:solidFill>
-                <a:effectLst/>
-                <a:latin typeface="Arial" charset="0"/>
-                <a:ea typeface="+mn-ea"/>
-                <a:cs typeface="+mn-cs"/>
-              </a:rPr>
-              <a:t>属性在创建实例的时候初始化，</a:t>
-            </a:r>
-            <a:r>
-              <a:rPr lang="en-US" altLang="zh-CN" sz="1200" b="0" i="0" kern="1200" dirty="0" smtClean="0">
-                <a:solidFill>
-                  <a:schemeClr val="tx1"/>
-                </a:solidFill>
-                <a:effectLst/>
-                <a:latin typeface="Arial" charset="0"/>
-                <a:ea typeface="+mn-ea"/>
-                <a:cs typeface="+mn-cs"/>
-              </a:rPr>
-              <a:t>static</a:t>
-            </a:r>
-            <a:r>
-              <a:rPr lang="zh-CN" altLang="en-US" sz="1200" b="0" i="0" kern="1200" dirty="0" smtClean="0">
-                <a:solidFill>
-                  <a:schemeClr val="tx1"/>
-                </a:solidFill>
-                <a:effectLst/>
-                <a:latin typeface="Arial" charset="0"/>
-                <a:ea typeface="+mn-ea"/>
-                <a:cs typeface="+mn-cs"/>
-              </a:rPr>
-              <a:t>属性在类加载，也就是第一次用到这个类的时候初始化</a:t>
-            </a:r>
-          </a:p>
-          <a:p>
-            <a:r>
-              <a:rPr lang="zh-CN" altLang="en-US" sz="1200" b="0" i="0" kern="1200" dirty="0" smtClean="0">
-                <a:solidFill>
-                  <a:schemeClr val="tx1"/>
-                </a:solidFill>
-                <a:effectLst/>
-                <a:latin typeface="Arial" charset="0"/>
-                <a:ea typeface="+mn-ea"/>
-                <a:cs typeface="+mn-cs"/>
-              </a:rPr>
-              <a:t> </a:t>
-            </a:r>
-          </a:p>
-          <a:p>
-            <a:r>
-              <a:rPr lang="zh-CN" altLang="en-US" sz="1200" b="0" i="0" kern="1200" dirty="0" smtClean="0">
-                <a:solidFill>
-                  <a:schemeClr val="tx1"/>
-                </a:solidFill>
-                <a:effectLst/>
-                <a:latin typeface="Arial" charset="0"/>
-                <a:ea typeface="+mn-ea"/>
-                <a:cs typeface="+mn-cs"/>
-              </a:rPr>
-              <a:t>用 </a:t>
-            </a:r>
-            <a:r>
-              <a:rPr lang="en-US" altLang="zh-CN" sz="1200" b="0" i="0" kern="1200" dirty="0" smtClean="0">
-                <a:solidFill>
-                  <a:schemeClr val="tx1"/>
-                </a:solidFill>
-                <a:effectLst/>
-                <a:latin typeface="Arial" charset="0"/>
-                <a:ea typeface="+mn-ea"/>
-                <a:cs typeface="+mn-cs"/>
-              </a:rPr>
-              <a:t>new </a:t>
-            </a:r>
-            <a:r>
-              <a:rPr lang="zh-CN" altLang="en-US" sz="1200" b="0" i="0" kern="1200" dirty="0" smtClean="0">
-                <a:solidFill>
-                  <a:schemeClr val="tx1"/>
-                </a:solidFill>
-                <a:effectLst/>
-                <a:latin typeface="Arial" charset="0"/>
-                <a:ea typeface="+mn-ea"/>
-                <a:cs typeface="+mn-cs"/>
-              </a:rPr>
-              <a:t>创建 了，对象在堆中创建了，</a:t>
-            </a:r>
-            <a:r>
-              <a:rPr lang="en-US" altLang="zh-CN" sz="1200" b="0" i="0" kern="1200" dirty="0" smtClean="0">
-                <a:solidFill>
-                  <a:schemeClr val="tx1"/>
-                </a:solidFill>
-                <a:effectLst/>
-                <a:latin typeface="Arial" charset="0"/>
-                <a:ea typeface="+mn-ea"/>
-                <a:cs typeface="+mn-cs"/>
-              </a:rPr>
-              <a:t>str2  </a:t>
-            </a:r>
-            <a:r>
-              <a:rPr lang="zh-CN" altLang="en-US" sz="1200" b="0" i="0" kern="1200" dirty="0" smtClean="0">
-                <a:solidFill>
-                  <a:schemeClr val="tx1"/>
-                </a:solidFill>
-                <a:effectLst/>
-                <a:latin typeface="Arial" charset="0"/>
-                <a:ea typeface="+mn-ea"/>
-                <a:cs typeface="+mn-cs"/>
-              </a:rPr>
-              <a:t>还在 堆栈中 呢，所以是两个不同的地址</a:t>
-            </a:r>
-          </a:p>
-          <a:p>
-            <a:r>
-              <a:rPr lang="zh-CN" altLang="en-US" sz="1200" b="0" i="0" kern="1200" dirty="0" smtClean="0">
-                <a:solidFill>
-                  <a:schemeClr val="tx1"/>
-                </a:solidFill>
-                <a:effectLst/>
-                <a:latin typeface="Arial" charset="0"/>
-                <a:ea typeface="+mn-ea"/>
-                <a:cs typeface="+mn-cs"/>
-              </a:rPr>
-              <a:t>不会考虑之前是否有  </a:t>
-            </a:r>
-            <a:r>
-              <a:rPr lang="en-US" altLang="zh-CN" sz="1200" b="0" i="0" kern="1200" dirty="0" err="1" smtClean="0">
-                <a:solidFill>
-                  <a:schemeClr val="tx1"/>
-                </a:solidFill>
-                <a:effectLst/>
-                <a:latin typeface="Arial" charset="0"/>
-                <a:ea typeface="+mn-ea"/>
-                <a:cs typeface="+mn-cs"/>
-              </a:rPr>
-              <a:t>abc</a:t>
-            </a:r>
-            <a:r>
-              <a:rPr lang="en-US" altLang="zh-CN" sz="1200" b="0" i="0" kern="1200" dirty="0" smtClean="0">
-                <a:solidFill>
-                  <a:schemeClr val="tx1"/>
-                </a:solidFill>
-                <a:effectLst/>
-                <a:latin typeface="Arial" charset="0"/>
-                <a:ea typeface="+mn-ea"/>
-                <a:cs typeface="+mn-cs"/>
-              </a:rPr>
-              <a:t> </a:t>
-            </a:r>
-            <a:r>
-              <a:rPr lang="zh-CN" altLang="en-US" sz="1200" b="0" i="0" kern="1200" smtClean="0">
-                <a:solidFill>
-                  <a:schemeClr val="tx1"/>
-                </a:solidFill>
-                <a:effectLst/>
-                <a:latin typeface="Arial" charset="0"/>
-                <a:ea typeface="+mn-ea"/>
-                <a:cs typeface="+mn-cs"/>
-              </a:rPr>
-              <a:t>这个字面值，一概全部 创建</a:t>
-            </a:r>
-            <a:endParaRPr lang="zh-CN" altLang="en-US" sz="1200" b="0" i="0" kern="1200" dirty="0" smtClean="0">
-              <a:solidFill>
-                <a:schemeClr val="tx1"/>
-              </a:solidFill>
-              <a:effectLst/>
-              <a:latin typeface="Arial" charset="0"/>
-              <a:ea typeface="+mn-ea"/>
-              <a:cs typeface="+mn-cs"/>
-            </a:endParaRPr>
-          </a:p>
-          <a:p>
+              <a:rPr lang="zh-CN" altLang="en-US" dirty="0" smtClean="0"/>
+              <a:t>提供了自动拆装箱机制来解决类似的麻烦</a:t>
+            </a:r>
             <a:endParaRPr lang="zh-CN" altLang="en-US" dirty="0"/>
           </a:p>
         </p:txBody>
@@ -3137,7 +1420,7 @@
               <a:pPr>
                 <a:defRPr/>
               </a:pPr>
-              <a:t>7</a:t>
+              <a:t>5</a:t>
             </a:fld>
             <a:endParaRPr lang="pt-PT" altLang="zh-CN"/>
           </a:p>
@@ -3146,7 +1429,7 @@
     </p:spTree>
     <p:extLst>
       <p:ext uri="{BB962C8B-B14F-4D97-AF65-F5344CB8AC3E}">
-        <p14:creationId xmlns:p14="http://schemas.microsoft.com/office/powerpoint/2010/main" val="369670542"/>
+        <p14:creationId xmlns:p14="http://schemas.microsoft.com/office/powerpoint/2010/main" val="3639825038"/>
       </p:ext>
     </p:extLst>
   </p:cSld>
@@ -3205,31 +1488,1736 @@
           <a:bodyPr/>
           <a:lstStyle/>
           <a:p>
-            <a:pPr marL="0" marR="0" indent="0" algn="l" defTabSz="914400" rtl="0" eaLnBrk="0" fontAlgn="base" latinLnBrk="0" hangingPunct="0">
-              <a:lnSpc>
-                <a:spcPct val="100000"/>
-              </a:lnSpc>
-              <a:spcBef>
-                <a:spcPct val="30000"/>
-              </a:spcBef>
-              <a:spcAft>
-                <a:spcPct val="0"/>
-              </a:spcAft>
-              <a:buClrTx/>
-              <a:buSzTx/>
-              <a:buFontTx/>
-              <a:buNone/>
-              <a:tabLst/>
-              <a:defRPr/>
-            </a:pPr>
-            <a:r>
-              <a:rPr lang="zh-CN" altLang="en-US" dirty="0" smtClean="0"/>
-              <a:t>基本数据类型的加宽与自动装箱给方法的重载带来了一定的难题</a:t>
-            </a:r>
-            <a:r>
-              <a:rPr lang="en-US" altLang="zh-CN" dirty="0" smtClean="0"/>
-              <a:t>;</a:t>
-            </a:r>
+            <a:r>
+              <a:rPr lang="en-US" altLang="zh-CN" sz="1200" b="0" i="0" kern="1200" dirty="0" smtClean="0">
+                <a:solidFill>
+                  <a:schemeClr val="tx1"/>
+                </a:solidFill>
+                <a:effectLst/>
+                <a:latin typeface="Arial" charset="0"/>
+                <a:ea typeface="+mn-ea"/>
+                <a:cs typeface="+mn-cs"/>
+              </a:rPr>
+              <a:t>Integer </a:t>
+            </a:r>
+            <a:r>
+              <a:rPr lang="en-US" altLang="zh-CN" sz="1200" b="0" i="0" kern="1200" dirty="0" err="1" smtClean="0">
+                <a:solidFill>
+                  <a:schemeClr val="tx1"/>
+                </a:solidFill>
+                <a:effectLst/>
+                <a:latin typeface="Arial" charset="0"/>
+                <a:ea typeface="+mn-ea"/>
+                <a:cs typeface="+mn-cs"/>
+              </a:rPr>
+              <a:t>i</a:t>
+            </a:r>
+            <a:r>
+              <a:rPr lang="en-US" altLang="zh-CN" sz="1200" b="0" i="0" kern="1200" dirty="0" smtClean="0">
+                <a:solidFill>
+                  <a:schemeClr val="tx1"/>
+                </a:solidFill>
+                <a:effectLst/>
+                <a:latin typeface="Arial" charset="0"/>
+                <a:ea typeface="+mn-ea"/>
+                <a:cs typeface="+mn-cs"/>
+              </a:rPr>
+              <a:t> =3;  //JDK1.5</a:t>
+            </a:r>
+            <a:r>
+              <a:rPr lang="zh-CN" altLang="en-US" sz="1200" b="0" i="0" kern="1200" dirty="0" smtClean="0">
+                <a:solidFill>
+                  <a:schemeClr val="tx1"/>
+                </a:solidFill>
+                <a:effectLst/>
+                <a:latin typeface="Arial" charset="0"/>
+                <a:ea typeface="+mn-ea"/>
+                <a:cs typeface="+mn-cs"/>
+              </a:rPr>
+              <a:t>之后允许   </a:t>
+            </a:r>
+            <a:endParaRPr lang="en-US" altLang="zh-CN" sz="1200" b="0" i="0" kern="1200" dirty="0" smtClean="0">
+              <a:solidFill>
+                <a:schemeClr val="tx1"/>
+              </a:solidFill>
+              <a:effectLst/>
+              <a:latin typeface="Arial" charset="0"/>
+              <a:ea typeface="+mn-ea"/>
+              <a:cs typeface="+mn-cs"/>
+            </a:endParaRPr>
+          </a:p>
+          <a:p>
+            <a:r>
+              <a:rPr lang="zh-CN" altLang="en-US" sz="1200" b="0" i="0" kern="1200" dirty="0" smtClean="0">
+                <a:solidFill>
+                  <a:schemeClr val="tx1"/>
+                </a:solidFill>
+                <a:effectLst/>
+                <a:latin typeface="Arial" charset="0"/>
+                <a:ea typeface="+mn-ea"/>
+                <a:cs typeface="+mn-cs"/>
+              </a:rPr>
+              <a:t>因为编译器在后台进行</a:t>
+            </a:r>
+            <a:r>
+              <a:rPr lang="en-US" altLang="zh-CN" sz="1200" b="0" i="0" kern="1200" dirty="0" smtClean="0">
+                <a:solidFill>
+                  <a:schemeClr val="tx1"/>
+                </a:solidFill>
+                <a:effectLst/>
+                <a:latin typeface="Arial" charset="0"/>
+                <a:ea typeface="+mn-ea"/>
+                <a:cs typeface="+mn-cs"/>
+              </a:rPr>
+              <a:t>Integer </a:t>
+            </a:r>
+            <a:r>
+              <a:rPr lang="en-US" altLang="zh-CN" sz="1200" b="0" i="0" kern="1200" dirty="0" err="1" smtClean="0">
+                <a:solidFill>
+                  <a:schemeClr val="tx1"/>
+                </a:solidFill>
+                <a:effectLst/>
+                <a:latin typeface="Arial" charset="0"/>
+                <a:ea typeface="+mn-ea"/>
+                <a:cs typeface="+mn-cs"/>
+              </a:rPr>
+              <a:t>i</a:t>
+            </a:r>
+            <a:r>
+              <a:rPr lang="en-US" altLang="zh-CN" sz="1200" b="0" i="0" kern="1200" dirty="0" smtClean="0">
+                <a:solidFill>
+                  <a:schemeClr val="tx1"/>
+                </a:solidFill>
+                <a:effectLst/>
+                <a:latin typeface="Arial" charset="0"/>
+                <a:ea typeface="+mn-ea"/>
+                <a:cs typeface="+mn-cs"/>
+              </a:rPr>
+              <a:t>= </a:t>
+            </a:r>
+            <a:r>
+              <a:rPr lang="en-US" altLang="zh-CN" sz="1200" b="0" i="0" kern="1200" dirty="0" err="1" smtClean="0">
+                <a:solidFill>
+                  <a:schemeClr val="tx1"/>
+                </a:solidFill>
+                <a:effectLst/>
+                <a:latin typeface="Arial" charset="0"/>
+                <a:ea typeface="+mn-ea"/>
+                <a:cs typeface="+mn-cs"/>
+              </a:rPr>
+              <a:t>newInteger</a:t>
+            </a:r>
+            <a:r>
+              <a:rPr lang="en-US" altLang="zh-CN" sz="1200" b="0" i="0" kern="1200" dirty="0" smtClean="0">
+                <a:solidFill>
+                  <a:schemeClr val="tx1"/>
+                </a:solidFill>
+                <a:effectLst/>
+                <a:latin typeface="Arial" charset="0"/>
+                <a:ea typeface="+mn-ea"/>
+                <a:cs typeface="+mn-cs"/>
+              </a:rPr>
+              <a:t>(3)</a:t>
+            </a:r>
+            <a:r>
+              <a:rPr lang="zh-CN" altLang="en-US" sz="1200" b="0" i="0" kern="1200" dirty="0" smtClean="0">
+                <a:solidFill>
+                  <a:schemeClr val="tx1"/>
+                </a:solidFill>
+                <a:effectLst/>
+                <a:latin typeface="Arial" charset="0"/>
+                <a:ea typeface="+mn-ea"/>
+                <a:cs typeface="+mn-cs"/>
+              </a:rPr>
+              <a:t>的转换</a:t>
+            </a:r>
+            <a:endParaRPr lang="en-US" altLang="zh-CN" sz="1200" b="0" i="0" kern="1200" dirty="0" smtClean="0">
+              <a:solidFill>
+                <a:schemeClr val="tx1"/>
+              </a:solidFill>
+              <a:effectLst/>
+              <a:latin typeface="Arial" charset="0"/>
+              <a:ea typeface="+mn-ea"/>
+              <a:cs typeface="+mn-cs"/>
+            </a:endParaRPr>
+          </a:p>
+          <a:p>
+            <a:endParaRPr lang="en-US" altLang="zh-CN" sz="1200" b="0" i="0" kern="1200" dirty="0" smtClean="0">
+              <a:solidFill>
+                <a:schemeClr val="tx1"/>
+              </a:solidFill>
+              <a:effectLst/>
+              <a:latin typeface="Arial" charset="0"/>
+              <a:ea typeface="+mn-ea"/>
+              <a:cs typeface="+mn-cs"/>
+            </a:endParaRPr>
+          </a:p>
+          <a:p>
+            <a:r>
+              <a:rPr lang="en-US" altLang="zh-CN" sz="1200" b="0" i="0" kern="1200" dirty="0" smtClean="0">
+                <a:solidFill>
+                  <a:schemeClr val="tx1"/>
+                </a:solidFill>
+                <a:effectLst/>
+                <a:latin typeface="Arial" charset="0"/>
+                <a:ea typeface="+mn-ea"/>
+                <a:cs typeface="+mn-cs"/>
+              </a:rPr>
+              <a:t>String</a:t>
+            </a:r>
+            <a:r>
+              <a:rPr lang="zh-CN" altLang="en-US" sz="1200" b="0" i="0" kern="1200" dirty="0" smtClean="0">
+                <a:solidFill>
+                  <a:schemeClr val="tx1"/>
+                </a:solidFill>
+                <a:effectLst/>
+                <a:latin typeface="Arial" charset="0"/>
+                <a:ea typeface="+mn-ea"/>
+                <a:cs typeface="+mn-cs"/>
+              </a:rPr>
+              <a:t>特殊：</a:t>
+            </a:r>
+            <a:endParaRPr lang="en-US" altLang="zh-CN" sz="1200" b="0" i="0" kern="1200" dirty="0" smtClean="0">
+              <a:solidFill>
+                <a:schemeClr val="tx1"/>
+              </a:solidFill>
+              <a:effectLst/>
+              <a:latin typeface="Arial" charset="0"/>
+              <a:ea typeface="+mn-ea"/>
+              <a:cs typeface="+mn-cs"/>
+            </a:endParaRPr>
+          </a:p>
+          <a:p>
+            <a:r>
+              <a:rPr lang="en-US" altLang="zh-CN" sz="1200" b="0" i="0" kern="1200" dirty="0" smtClean="0">
+                <a:solidFill>
+                  <a:schemeClr val="tx1"/>
+                </a:solidFill>
+                <a:effectLst/>
+                <a:latin typeface="Arial" charset="0"/>
+                <a:ea typeface="+mn-ea"/>
+                <a:cs typeface="+mn-cs"/>
+              </a:rPr>
+              <a:t>String </a:t>
+            </a:r>
+            <a:r>
+              <a:rPr lang="en-US" altLang="zh-CN" sz="1200" b="0" i="0" kern="1200" dirty="0" err="1" smtClean="0">
+                <a:solidFill>
+                  <a:schemeClr val="tx1"/>
+                </a:solidFill>
+                <a:effectLst/>
+                <a:latin typeface="Arial" charset="0"/>
+                <a:ea typeface="+mn-ea"/>
+                <a:cs typeface="+mn-cs"/>
+              </a:rPr>
+              <a:t>str</a:t>
+            </a:r>
+            <a:r>
+              <a:rPr lang="en-US" altLang="zh-CN" sz="1200" b="0" i="0" kern="1200" dirty="0" smtClean="0">
+                <a:solidFill>
+                  <a:schemeClr val="tx1"/>
+                </a:solidFill>
+                <a:effectLst/>
+                <a:latin typeface="Arial" charset="0"/>
+                <a:ea typeface="+mn-ea"/>
+                <a:cs typeface="+mn-cs"/>
+              </a:rPr>
+              <a:t> = </a:t>
+            </a:r>
+            <a:r>
+              <a:rPr lang="zh-CN" altLang="en-US" sz="1200" b="0" i="0" kern="1200" dirty="0" smtClean="0">
+                <a:solidFill>
+                  <a:schemeClr val="tx1"/>
+                </a:solidFill>
+                <a:effectLst/>
+                <a:latin typeface="Arial" charset="0"/>
+                <a:ea typeface="+mn-ea"/>
+                <a:cs typeface="+mn-cs"/>
+              </a:rPr>
+              <a:t>“</a:t>
+            </a:r>
+            <a:r>
+              <a:rPr lang="en-US" altLang="zh-CN" sz="1200" b="0" i="0" kern="1200" dirty="0" err="1" smtClean="0">
+                <a:solidFill>
+                  <a:schemeClr val="tx1"/>
+                </a:solidFill>
+                <a:effectLst/>
+                <a:latin typeface="Arial" charset="0"/>
+                <a:ea typeface="+mn-ea"/>
+                <a:cs typeface="+mn-cs"/>
+              </a:rPr>
+              <a:t>abc</a:t>
+            </a:r>
+            <a:r>
+              <a:rPr lang="zh-CN" altLang="en-US" sz="1200" b="0" i="0" kern="1200" dirty="0" smtClean="0">
+                <a:solidFill>
+                  <a:schemeClr val="tx1"/>
+                </a:solidFill>
+                <a:effectLst/>
+                <a:latin typeface="Arial" charset="0"/>
+                <a:ea typeface="+mn-ea"/>
+                <a:cs typeface="+mn-cs"/>
+              </a:rPr>
+              <a:t>”   可以用</a:t>
+            </a:r>
+            <a:r>
+              <a:rPr lang="en-US" altLang="zh-CN" sz="1200" b="0" i="0" kern="1200" dirty="0" smtClean="0">
+                <a:solidFill>
+                  <a:schemeClr val="tx1"/>
+                </a:solidFill>
+                <a:effectLst/>
+                <a:latin typeface="Arial" charset="0"/>
+                <a:ea typeface="+mn-ea"/>
+                <a:cs typeface="+mn-cs"/>
+              </a:rPr>
+              <a:t>String </a:t>
+            </a:r>
+            <a:r>
+              <a:rPr lang="en-US" altLang="zh-CN" sz="1200" b="0" i="0" kern="1200" dirty="0" err="1" smtClean="0">
+                <a:solidFill>
+                  <a:schemeClr val="tx1"/>
+                </a:solidFill>
+                <a:effectLst/>
+                <a:latin typeface="Arial" charset="0"/>
+                <a:ea typeface="+mn-ea"/>
+                <a:cs typeface="+mn-cs"/>
+              </a:rPr>
+              <a:t>str</a:t>
+            </a:r>
+            <a:r>
+              <a:rPr lang="en-US" altLang="zh-CN" sz="1200" b="0" i="0" kern="1200" dirty="0" smtClean="0">
+                <a:solidFill>
+                  <a:schemeClr val="tx1"/>
+                </a:solidFill>
+                <a:effectLst/>
+                <a:latin typeface="Arial" charset="0"/>
+                <a:ea typeface="+mn-ea"/>
+                <a:cs typeface="+mn-cs"/>
+              </a:rPr>
+              <a:t> = new String("</a:t>
+            </a:r>
+            <a:r>
+              <a:rPr lang="en-US" altLang="zh-CN" sz="1200" b="0" i="0" kern="1200" dirty="0" err="1" smtClean="0">
+                <a:solidFill>
+                  <a:schemeClr val="tx1"/>
+                </a:solidFill>
+                <a:effectLst/>
+                <a:latin typeface="Arial" charset="0"/>
+                <a:ea typeface="+mn-ea"/>
+                <a:cs typeface="+mn-cs"/>
+              </a:rPr>
+              <a:t>abc</a:t>
+            </a:r>
+            <a:r>
+              <a:rPr lang="en-US" altLang="zh-CN" sz="1200" b="0" i="0" kern="1200" dirty="0" smtClean="0">
+                <a:solidFill>
+                  <a:schemeClr val="tx1"/>
+                </a:solidFill>
+                <a:effectLst/>
+                <a:latin typeface="Arial" charset="0"/>
+                <a:ea typeface="+mn-ea"/>
+                <a:cs typeface="+mn-cs"/>
+              </a:rPr>
+              <a:t>");</a:t>
+            </a:r>
+            <a:r>
+              <a:rPr lang="zh-CN" altLang="en-US" sz="1200" b="0" i="0" kern="1200" dirty="0" smtClean="0">
+                <a:solidFill>
+                  <a:schemeClr val="tx1"/>
+                </a:solidFill>
+                <a:effectLst/>
+                <a:latin typeface="Arial" charset="0"/>
+                <a:ea typeface="+mn-ea"/>
+                <a:cs typeface="+mn-cs"/>
+              </a:rPr>
+              <a:t>的形式来创建，也可以用</a:t>
+            </a:r>
+            <a:r>
+              <a:rPr lang="en-US" altLang="zh-CN" sz="1200" b="0" i="0" kern="1200" dirty="0" err="1" smtClean="0">
+                <a:solidFill>
+                  <a:schemeClr val="tx1"/>
+                </a:solidFill>
+                <a:effectLst/>
+                <a:latin typeface="Arial" charset="0"/>
+                <a:ea typeface="+mn-ea"/>
+                <a:cs typeface="+mn-cs"/>
+              </a:rPr>
+              <a:t>Stringstr</a:t>
+            </a:r>
+            <a:r>
+              <a:rPr lang="en-US" altLang="zh-CN" sz="1200" b="0" i="0" kern="1200" dirty="0" smtClean="0">
+                <a:solidFill>
+                  <a:schemeClr val="tx1"/>
+                </a:solidFill>
+                <a:effectLst/>
+                <a:latin typeface="Arial" charset="0"/>
+                <a:ea typeface="+mn-ea"/>
+                <a:cs typeface="+mn-cs"/>
+              </a:rPr>
+              <a:t> = "</a:t>
+            </a:r>
+            <a:r>
+              <a:rPr lang="en-US" altLang="zh-CN" sz="1200" b="0" i="0" kern="1200" dirty="0" err="1" smtClean="0">
+                <a:solidFill>
+                  <a:schemeClr val="tx1"/>
+                </a:solidFill>
+                <a:effectLst/>
+                <a:latin typeface="Arial" charset="0"/>
+                <a:ea typeface="+mn-ea"/>
+                <a:cs typeface="+mn-cs"/>
+              </a:rPr>
+              <a:t>abc</a:t>
+            </a:r>
+            <a:r>
+              <a:rPr lang="en-US" altLang="zh-CN" sz="1200" b="0" i="0" kern="1200" dirty="0" smtClean="0">
+                <a:solidFill>
+                  <a:schemeClr val="tx1"/>
+                </a:solidFill>
+                <a:effectLst/>
+                <a:latin typeface="Arial" charset="0"/>
+                <a:ea typeface="+mn-ea"/>
+                <a:cs typeface="+mn-cs"/>
+              </a:rPr>
+              <a:t>“</a:t>
+            </a:r>
+          </a:p>
+          <a:p>
+            <a:r>
+              <a:rPr lang="zh-CN" altLang="en-US" sz="1200" b="0" i="0" kern="1200" dirty="0" smtClean="0">
+                <a:solidFill>
+                  <a:schemeClr val="tx1"/>
+                </a:solidFill>
+                <a:effectLst/>
+                <a:latin typeface="Arial" charset="0"/>
+                <a:ea typeface="+mn-ea"/>
+                <a:cs typeface="+mn-cs"/>
+              </a:rPr>
+              <a:t>在 </a:t>
+            </a:r>
+            <a:r>
+              <a:rPr lang="en-US" altLang="zh-CN" sz="1200" b="0" i="0" kern="1200" dirty="0" err="1" smtClean="0">
+                <a:solidFill>
+                  <a:schemeClr val="tx1"/>
+                </a:solidFill>
+                <a:effectLst/>
+                <a:latin typeface="Arial" charset="0"/>
+                <a:ea typeface="+mn-ea"/>
+                <a:cs typeface="+mn-cs"/>
+              </a:rPr>
+              <a:t>Stringstr</a:t>
+            </a:r>
+            <a:r>
+              <a:rPr lang="en-US" altLang="zh-CN" sz="1200" b="0" i="0" kern="1200" dirty="0" smtClean="0">
+                <a:solidFill>
+                  <a:schemeClr val="tx1"/>
+                </a:solidFill>
+                <a:effectLst/>
+                <a:latin typeface="Arial" charset="0"/>
+                <a:ea typeface="+mn-ea"/>
+                <a:cs typeface="+mn-cs"/>
+              </a:rPr>
+              <a:t> = "</a:t>
+            </a:r>
+            <a:r>
+              <a:rPr lang="en-US" altLang="zh-CN" sz="1200" b="0" i="0" kern="1200" dirty="0" err="1" smtClean="0">
+                <a:solidFill>
+                  <a:schemeClr val="tx1"/>
+                </a:solidFill>
+                <a:effectLst/>
+                <a:latin typeface="Arial" charset="0"/>
+                <a:ea typeface="+mn-ea"/>
+                <a:cs typeface="+mn-cs"/>
+              </a:rPr>
+              <a:t>abc</a:t>
+            </a:r>
+            <a:r>
+              <a:rPr lang="en-US" altLang="zh-CN" sz="1200" b="0" i="0" kern="1200" dirty="0" smtClean="0">
+                <a:solidFill>
+                  <a:schemeClr val="tx1"/>
+                </a:solidFill>
+                <a:effectLst/>
+                <a:latin typeface="Arial" charset="0"/>
+                <a:ea typeface="+mn-ea"/>
+                <a:cs typeface="+mn-cs"/>
+              </a:rPr>
+              <a:t>"</a:t>
+            </a:r>
+            <a:r>
+              <a:rPr lang="zh-CN" altLang="en-US" sz="1200" b="0" i="0" kern="1200" dirty="0" smtClean="0">
+                <a:solidFill>
+                  <a:schemeClr val="tx1"/>
+                </a:solidFill>
+                <a:effectLst/>
+                <a:latin typeface="Arial" charset="0"/>
+                <a:ea typeface="+mn-ea"/>
+                <a:cs typeface="+mn-cs"/>
+              </a:rPr>
+              <a:t>；中，并没有通过</a:t>
+            </a:r>
+            <a:r>
+              <a:rPr lang="en-US" altLang="zh-CN" sz="1200" b="0" i="0" kern="1200" dirty="0" smtClean="0">
+                <a:solidFill>
+                  <a:schemeClr val="tx1"/>
+                </a:solidFill>
+                <a:effectLst/>
+                <a:latin typeface="Arial" charset="0"/>
+                <a:ea typeface="+mn-ea"/>
+                <a:cs typeface="+mn-cs"/>
+              </a:rPr>
+              <a:t>new()</a:t>
+            </a:r>
+            <a:r>
+              <a:rPr lang="zh-CN" altLang="en-US" sz="1200" b="0" i="0" kern="1200" dirty="0" smtClean="0">
+                <a:solidFill>
+                  <a:schemeClr val="tx1"/>
+                </a:solidFill>
+                <a:effectLst/>
+                <a:latin typeface="Arial" charset="0"/>
+                <a:ea typeface="+mn-ea"/>
+                <a:cs typeface="+mn-cs"/>
+              </a:rPr>
+              <a:t>来创建实例</a:t>
+            </a:r>
+            <a:endParaRPr lang="en-US" altLang="zh-CN" sz="1200" b="0" i="0" kern="1200" dirty="0" smtClean="0">
+              <a:solidFill>
+                <a:schemeClr val="tx1"/>
+              </a:solidFill>
+              <a:effectLst/>
+              <a:latin typeface="Arial" charset="0"/>
+              <a:ea typeface="+mn-ea"/>
+              <a:cs typeface="+mn-cs"/>
+            </a:endParaRPr>
+          </a:p>
+          <a:p>
+            <a:endParaRPr lang="en-US" altLang="zh-CN" sz="1200" b="0" i="0" kern="1200" dirty="0" smtClean="0">
+              <a:solidFill>
+                <a:schemeClr val="tx1"/>
+              </a:solidFill>
+              <a:effectLst/>
+              <a:latin typeface="Arial" charset="0"/>
+              <a:ea typeface="+mn-ea"/>
+              <a:cs typeface="+mn-cs"/>
+            </a:endParaRPr>
+          </a:p>
+          <a:p>
+            <a:r>
+              <a:rPr lang="zh-CN" altLang="en-US" sz="1200" b="0" i="0" kern="1200" dirty="0" smtClean="0">
+                <a:solidFill>
+                  <a:schemeClr val="tx1"/>
+                </a:solidFill>
+                <a:effectLst/>
+                <a:latin typeface="Arial" charset="0"/>
+                <a:ea typeface="+mn-ea"/>
+                <a:cs typeface="+mn-cs"/>
+              </a:rPr>
+              <a:t>关于</a:t>
+            </a:r>
+            <a:r>
+              <a:rPr lang="en-US" altLang="zh-CN" sz="1200" b="0" i="0" kern="1200" dirty="0" smtClean="0">
+                <a:solidFill>
+                  <a:schemeClr val="tx1"/>
+                </a:solidFill>
+                <a:effectLst/>
+                <a:latin typeface="Arial" charset="0"/>
+                <a:ea typeface="+mn-ea"/>
+                <a:cs typeface="+mn-cs"/>
+              </a:rPr>
+              <a:t>String </a:t>
+            </a:r>
+            <a:r>
+              <a:rPr lang="en-US" altLang="zh-CN" sz="1200" b="0" i="0" kern="1200" dirty="0" err="1" smtClean="0">
+                <a:solidFill>
+                  <a:schemeClr val="tx1"/>
+                </a:solidFill>
+                <a:effectLst/>
+                <a:latin typeface="Arial" charset="0"/>
+                <a:ea typeface="+mn-ea"/>
+                <a:cs typeface="+mn-cs"/>
+              </a:rPr>
+              <a:t>str</a:t>
+            </a:r>
+            <a:r>
+              <a:rPr lang="en-US" altLang="zh-CN" sz="1200" b="0" i="0" kern="1200" dirty="0" smtClean="0">
+                <a:solidFill>
+                  <a:schemeClr val="tx1"/>
+                </a:solidFill>
+                <a:effectLst/>
+                <a:latin typeface="Arial" charset="0"/>
+                <a:ea typeface="+mn-ea"/>
+                <a:cs typeface="+mn-cs"/>
+              </a:rPr>
+              <a:t> = "</a:t>
+            </a:r>
+            <a:r>
+              <a:rPr lang="en-US" altLang="zh-CN" sz="1200" b="0" i="0" kern="1200" dirty="0" err="1" smtClean="0">
+                <a:solidFill>
+                  <a:schemeClr val="tx1"/>
+                </a:solidFill>
+                <a:effectLst/>
+                <a:latin typeface="Arial" charset="0"/>
+                <a:ea typeface="+mn-ea"/>
+                <a:cs typeface="+mn-cs"/>
+              </a:rPr>
+              <a:t>abc</a:t>
+            </a:r>
+            <a:r>
+              <a:rPr lang="en-US" altLang="zh-CN" sz="1200" b="0" i="0" kern="1200" dirty="0" smtClean="0">
+                <a:solidFill>
+                  <a:schemeClr val="tx1"/>
+                </a:solidFill>
+                <a:effectLst/>
+                <a:latin typeface="Arial" charset="0"/>
+                <a:ea typeface="+mn-ea"/>
+                <a:cs typeface="+mn-cs"/>
+              </a:rPr>
+              <a:t>"</a:t>
+            </a:r>
+            <a:r>
+              <a:rPr lang="zh-CN" altLang="en-US" sz="1200" b="0" i="0" kern="1200" dirty="0" smtClean="0">
+                <a:solidFill>
+                  <a:schemeClr val="tx1"/>
+                </a:solidFill>
+                <a:effectLst/>
+                <a:latin typeface="Arial" charset="0"/>
+                <a:ea typeface="+mn-ea"/>
+                <a:cs typeface="+mn-cs"/>
+              </a:rPr>
+              <a:t>的内部工作。</a:t>
+            </a:r>
+            <a:r>
+              <a:rPr lang="en-US" altLang="zh-CN" sz="1200" b="0" i="0" kern="1200" dirty="0" smtClean="0">
+                <a:solidFill>
+                  <a:schemeClr val="tx1"/>
+                </a:solidFill>
+                <a:effectLst/>
+                <a:latin typeface="Arial" charset="0"/>
+                <a:ea typeface="+mn-ea"/>
+                <a:cs typeface="+mn-cs"/>
+              </a:rPr>
+              <a:t>Java</a:t>
+            </a:r>
+            <a:r>
+              <a:rPr lang="zh-CN" altLang="en-US" sz="1200" b="0" i="0" kern="1200" dirty="0" smtClean="0">
+                <a:solidFill>
+                  <a:schemeClr val="tx1"/>
+                </a:solidFill>
+                <a:effectLst/>
+                <a:latin typeface="Arial" charset="0"/>
+                <a:ea typeface="+mn-ea"/>
+                <a:cs typeface="+mn-cs"/>
+              </a:rPr>
+              <a:t>内部将此语句转化为以下几个步骤：</a:t>
+            </a:r>
+            <a:br>
+              <a:rPr lang="zh-CN" altLang="en-US" sz="1200" b="0" i="0" kern="1200" dirty="0" smtClean="0">
+                <a:solidFill>
+                  <a:schemeClr val="tx1"/>
+                </a:solidFill>
+                <a:effectLst/>
+                <a:latin typeface="Arial" charset="0"/>
+                <a:ea typeface="+mn-ea"/>
+                <a:cs typeface="+mn-cs"/>
+              </a:rPr>
+            </a:br>
+            <a:r>
+              <a:rPr lang="en-US" altLang="zh-CN" sz="1200" b="0" i="0" kern="1200" dirty="0" smtClean="0">
+                <a:solidFill>
+                  <a:schemeClr val="tx1"/>
+                </a:solidFill>
+                <a:effectLst/>
+                <a:latin typeface="Arial" charset="0"/>
+                <a:ea typeface="+mn-ea"/>
+                <a:cs typeface="+mn-cs"/>
+              </a:rPr>
+              <a:t>(1)</a:t>
+            </a:r>
+            <a:r>
+              <a:rPr lang="zh-CN" altLang="en-US" sz="1200" b="0" i="0" kern="1200" dirty="0" smtClean="0">
+                <a:solidFill>
+                  <a:schemeClr val="tx1"/>
+                </a:solidFill>
+                <a:effectLst/>
+                <a:latin typeface="Arial" charset="0"/>
+                <a:ea typeface="+mn-ea"/>
+                <a:cs typeface="+mn-cs"/>
+              </a:rPr>
+              <a:t>先定义一个名为</a:t>
+            </a:r>
+            <a:r>
+              <a:rPr lang="en-US" altLang="zh-CN" sz="1200" b="0" i="0" kern="1200" dirty="0" err="1" smtClean="0">
+                <a:solidFill>
+                  <a:schemeClr val="tx1"/>
+                </a:solidFill>
+                <a:effectLst/>
+                <a:latin typeface="Arial" charset="0"/>
+                <a:ea typeface="+mn-ea"/>
+                <a:cs typeface="+mn-cs"/>
+              </a:rPr>
+              <a:t>str</a:t>
+            </a:r>
+            <a:r>
+              <a:rPr lang="zh-CN" altLang="en-US" sz="1200" b="0" i="0" kern="1200" dirty="0" smtClean="0">
+                <a:solidFill>
+                  <a:schemeClr val="tx1"/>
+                </a:solidFill>
+                <a:effectLst/>
+                <a:latin typeface="Arial" charset="0"/>
+                <a:ea typeface="+mn-ea"/>
+                <a:cs typeface="+mn-cs"/>
+              </a:rPr>
+              <a:t>的对</a:t>
+            </a:r>
+            <a:r>
+              <a:rPr lang="en-US" altLang="zh-CN" sz="1200" b="0" i="0" kern="1200" dirty="0" smtClean="0">
+                <a:solidFill>
+                  <a:schemeClr val="tx1"/>
+                </a:solidFill>
+                <a:effectLst/>
+                <a:latin typeface="Arial" charset="0"/>
+                <a:ea typeface="+mn-ea"/>
+                <a:cs typeface="+mn-cs"/>
+              </a:rPr>
+              <a:t>String</a:t>
+            </a:r>
+            <a:r>
+              <a:rPr lang="zh-CN" altLang="en-US" sz="1200" b="0" i="0" kern="1200" dirty="0" smtClean="0">
+                <a:solidFill>
+                  <a:schemeClr val="tx1"/>
+                </a:solidFill>
+                <a:effectLst/>
+                <a:latin typeface="Arial" charset="0"/>
+                <a:ea typeface="+mn-ea"/>
+                <a:cs typeface="+mn-cs"/>
+              </a:rPr>
+              <a:t>类的对象引用变量：</a:t>
+            </a:r>
+            <a:r>
+              <a:rPr lang="en-US" altLang="zh-CN" sz="1200" b="0" i="0" kern="1200" dirty="0" smtClean="0">
+                <a:solidFill>
+                  <a:schemeClr val="tx1"/>
+                </a:solidFill>
+                <a:effectLst/>
+                <a:latin typeface="Arial" charset="0"/>
+                <a:ea typeface="+mn-ea"/>
+                <a:cs typeface="+mn-cs"/>
+              </a:rPr>
+              <a:t>String </a:t>
+            </a:r>
+            <a:r>
+              <a:rPr lang="en-US" altLang="zh-CN" sz="1200" b="0" i="0" kern="1200" dirty="0" err="1" smtClean="0">
+                <a:solidFill>
+                  <a:schemeClr val="tx1"/>
+                </a:solidFill>
+                <a:effectLst/>
+                <a:latin typeface="Arial" charset="0"/>
+                <a:ea typeface="+mn-ea"/>
+                <a:cs typeface="+mn-cs"/>
+              </a:rPr>
+              <a:t>str</a:t>
+            </a:r>
+            <a:r>
+              <a:rPr lang="zh-CN" altLang="en-US" sz="1200" b="0" i="0" kern="1200" dirty="0" smtClean="0">
+                <a:solidFill>
+                  <a:schemeClr val="tx1"/>
+                </a:solidFill>
+                <a:effectLst/>
+                <a:latin typeface="Arial" charset="0"/>
+                <a:ea typeface="+mn-ea"/>
+                <a:cs typeface="+mn-cs"/>
+              </a:rPr>
+              <a:t>；</a:t>
+            </a:r>
+            <a:br>
+              <a:rPr lang="zh-CN" altLang="en-US" sz="1200" b="0" i="0" kern="1200" dirty="0" smtClean="0">
+                <a:solidFill>
+                  <a:schemeClr val="tx1"/>
+                </a:solidFill>
+                <a:effectLst/>
+                <a:latin typeface="Arial" charset="0"/>
+                <a:ea typeface="+mn-ea"/>
+                <a:cs typeface="+mn-cs"/>
+              </a:rPr>
+            </a:br>
+            <a:r>
+              <a:rPr lang="en-US" altLang="zh-CN" sz="1200" b="0" i="0" kern="1200" dirty="0" smtClean="0">
+                <a:solidFill>
+                  <a:schemeClr val="tx1"/>
+                </a:solidFill>
+                <a:effectLst/>
+                <a:latin typeface="Arial" charset="0"/>
+                <a:ea typeface="+mn-ea"/>
+                <a:cs typeface="+mn-cs"/>
+              </a:rPr>
+              <a:t>(2) </a:t>
+            </a:r>
+            <a:r>
+              <a:rPr lang="zh-CN" altLang="en-US" sz="1200" b="0" i="0" kern="1200" dirty="0" smtClean="0">
+                <a:solidFill>
+                  <a:schemeClr val="tx1"/>
+                </a:solidFill>
+                <a:effectLst/>
+                <a:latin typeface="Arial" charset="0"/>
+                <a:ea typeface="+mn-ea"/>
+                <a:cs typeface="+mn-cs"/>
+              </a:rPr>
+              <a:t>在栈中查找有没有存放值为</a:t>
+            </a:r>
+            <a:r>
+              <a:rPr lang="en-US" altLang="zh-CN" sz="1200" b="0" i="0" kern="1200" dirty="0" smtClean="0">
+                <a:solidFill>
+                  <a:schemeClr val="tx1"/>
+                </a:solidFill>
+                <a:effectLst/>
+                <a:latin typeface="Arial" charset="0"/>
+                <a:ea typeface="+mn-ea"/>
+                <a:cs typeface="+mn-cs"/>
+              </a:rPr>
+              <a:t>"</a:t>
+            </a:r>
+            <a:r>
+              <a:rPr lang="en-US" altLang="zh-CN" sz="1200" b="0" i="0" kern="1200" dirty="0" err="1" smtClean="0">
+                <a:solidFill>
+                  <a:schemeClr val="tx1"/>
+                </a:solidFill>
+                <a:effectLst/>
+                <a:latin typeface="Arial" charset="0"/>
+                <a:ea typeface="+mn-ea"/>
+                <a:cs typeface="+mn-cs"/>
+              </a:rPr>
+              <a:t>abc</a:t>
+            </a:r>
+            <a:r>
+              <a:rPr lang="en-US" altLang="zh-CN" sz="1200" b="0" i="0" kern="1200" dirty="0" smtClean="0">
+                <a:solidFill>
+                  <a:schemeClr val="tx1"/>
+                </a:solidFill>
+                <a:effectLst/>
+                <a:latin typeface="Arial" charset="0"/>
+                <a:ea typeface="+mn-ea"/>
+                <a:cs typeface="+mn-cs"/>
+              </a:rPr>
+              <a:t>"</a:t>
+            </a:r>
+            <a:r>
+              <a:rPr lang="zh-CN" altLang="en-US" sz="1200" b="0" i="0" kern="1200" dirty="0" smtClean="0">
+                <a:solidFill>
+                  <a:schemeClr val="tx1"/>
+                </a:solidFill>
+                <a:effectLst/>
+                <a:latin typeface="Arial" charset="0"/>
+                <a:ea typeface="+mn-ea"/>
+                <a:cs typeface="+mn-cs"/>
+              </a:rPr>
+              <a:t>的地址，如果没有，则开辟一个存放字面值为</a:t>
+            </a:r>
+            <a:r>
+              <a:rPr lang="en-US" altLang="zh-CN" sz="1200" b="0" i="0" kern="1200" dirty="0" smtClean="0">
+                <a:solidFill>
+                  <a:schemeClr val="tx1"/>
+                </a:solidFill>
+                <a:effectLst/>
+                <a:latin typeface="Arial" charset="0"/>
+                <a:ea typeface="+mn-ea"/>
+                <a:cs typeface="+mn-cs"/>
+              </a:rPr>
+              <a:t>"</a:t>
+            </a:r>
+            <a:r>
+              <a:rPr lang="en-US" altLang="zh-CN" sz="1200" b="0" i="0" kern="1200" dirty="0" err="1" smtClean="0">
+                <a:solidFill>
+                  <a:schemeClr val="tx1"/>
+                </a:solidFill>
+                <a:effectLst/>
+                <a:latin typeface="Arial" charset="0"/>
+                <a:ea typeface="+mn-ea"/>
+                <a:cs typeface="+mn-cs"/>
+              </a:rPr>
+              <a:t>abc</a:t>
+            </a:r>
+            <a:r>
+              <a:rPr lang="en-US" altLang="zh-CN" sz="1200" b="0" i="0" kern="1200" dirty="0" smtClean="0">
+                <a:solidFill>
+                  <a:schemeClr val="tx1"/>
+                </a:solidFill>
+                <a:effectLst/>
+                <a:latin typeface="Arial" charset="0"/>
+                <a:ea typeface="+mn-ea"/>
+                <a:cs typeface="+mn-cs"/>
+              </a:rPr>
+              <a:t>"</a:t>
+            </a:r>
+            <a:r>
+              <a:rPr lang="zh-CN" altLang="en-US" sz="1200" b="0" i="0" kern="1200" dirty="0" smtClean="0">
+                <a:solidFill>
+                  <a:schemeClr val="tx1"/>
+                </a:solidFill>
+                <a:effectLst/>
+                <a:latin typeface="Arial" charset="0"/>
+                <a:ea typeface="+mn-ea"/>
+                <a:cs typeface="+mn-cs"/>
+              </a:rPr>
+              <a:t>的地址，接着创建一个新的</a:t>
+            </a:r>
+            <a:r>
+              <a:rPr lang="en-US" altLang="zh-CN" sz="1200" b="0" i="0" kern="1200" dirty="0" smtClean="0">
+                <a:solidFill>
+                  <a:schemeClr val="tx1"/>
+                </a:solidFill>
+                <a:effectLst/>
+                <a:latin typeface="Arial" charset="0"/>
+                <a:ea typeface="+mn-ea"/>
+                <a:cs typeface="+mn-cs"/>
+              </a:rPr>
+              <a:t>String</a:t>
+            </a:r>
+            <a:r>
+              <a:rPr lang="zh-CN" altLang="en-US" sz="1200" b="0" i="0" kern="1200" dirty="0" smtClean="0">
+                <a:solidFill>
+                  <a:schemeClr val="tx1"/>
+                </a:solidFill>
+                <a:effectLst/>
+                <a:latin typeface="Arial" charset="0"/>
+                <a:ea typeface="+mn-ea"/>
+                <a:cs typeface="+mn-cs"/>
+              </a:rPr>
+              <a:t>类的对象</a:t>
+            </a:r>
+            <a:r>
+              <a:rPr lang="en-US" altLang="zh-CN" sz="1200" b="0" i="0" kern="1200" dirty="0" smtClean="0">
+                <a:solidFill>
+                  <a:schemeClr val="tx1"/>
+                </a:solidFill>
+                <a:effectLst/>
+                <a:latin typeface="Arial" charset="0"/>
+                <a:ea typeface="+mn-ea"/>
+                <a:cs typeface="+mn-cs"/>
+              </a:rPr>
+              <a:t>o</a:t>
+            </a:r>
+            <a:r>
+              <a:rPr lang="zh-CN" altLang="en-US" sz="1200" b="0" i="0" kern="1200" dirty="0" smtClean="0">
+                <a:solidFill>
+                  <a:schemeClr val="tx1"/>
+                </a:solidFill>
+                <a:effectLst/>
+                <a:latin typeface="Arial" charset="0"/>
+                <a:ea typeface="+mn-ea"/>
+                <a:cs typeface="+mn-cs"/>
+              </a:rPr>
+              <a:t>，并将</a:t>
+            </a:r>
+            <a:r>
+              <a:rPr lang="en-US" altLang="zh-CN" sz="1200" b="0" i="0" kern="1200" dirty="0" smtClean="0">
+                <a:solidFill>
+                  <a:schemeClr val="tx1"/>
+                </a:solidFill>
+                <a:effectLst/>
+                <a:latin typeface="Arial" charset="0"/>
+                <a:ea typeface="+mn-ea"/>
+                <a:cs typeface="+mn-cs"/>
+              </a:rPr>
+              <a:t>o</a:t>
+            </a:r>
+            <a:r>
+              <a:rPr lang="zh-CN" altLang="en-US" sz="1200" b="0" i="0" kern="1200" dirty="0" smtClean="0">
+                <a:solidFill>
+                  <a:schemeClr val="tx1"/>
+                </a:solidFill>
+                <a:effectLst/>
+                <a:latin typeface="Arial" charset="0"/>
+                <a:ea typeface="+mn-ea"/>
+                <a:cs typeface="+mn-cs"/>
+              </a:rPr>
+              <a:t>的字符 串值指向这个地址，而且在栈中这个地址旁边记下这个引用的对象</a:t>
+            </a:r>
+            <a:r>
+              <a:rPr lang="en-US" altLang="zh-CN" sz="1200" b="0" i="0" kern="1200" dirty="0" smtClean="0">
+                <a:solidFill>
+                  <a:schemeClr val="tx1"/>
+                </a:solidFill>
+                <a:effectLst/>
+                <a:latin typeface="Arial" charset="0"/>
+                <a:ea typeface="+mn-ea"/>
+                <a:cs typeface="+mn-cs"/>
+              </a:rPr>
+              <a:t>o</a:t>
+            </a:r>
+            <a:r>
+              <a:rPr lang="zh-CN" altLang="en-US" sz="1200" b="0" i="0" kern="1200" dirty="0" smtClean="0">
+                <a:solidFill>
+                  <a:schemeClr val="tx1"/>
+                </a:solidFill>
+                <a:effectLst/>
+                <a:latin typeface="Arial" charset="0"/>
+                <a:ea typeface="+mn-ea"/>
+                <a:cs typeface="+mn-cs"/>
+              </a:rPr>
+              <a:t>。如果已经有了值为</a:t>
+            </a:r>
+            <a:r>
+              <a:rPr lang="en-US" altLang="zh-CN" sz="1200" b="0" i="0" kern="1200" dirty="0" smtClean="0">
+                <a:solidFill>
+                  <a:schemeClr val="tx1"/>
+                </a:solidFill>
+                <a:effectLst/>
+                <a:latin typeface="Arial" charset="0"/>
+                <a:ea typeface="+mn-ea"/>
+                <a:cs typeface="+mn-cs"/>
+              </a:rPr>
+              <a:t>"</a:t>
+            </a:r>
+            <a:r>
+              <a:rPr lang="en-US" altLang="zh-CN" sz="1200" b="0" i="0" kern="1200" dirty="0" err="1" smtClean="0">
+                <a:solidFill>
+                  <a:schemeClr val="tx1"/>
+                </a:solidFill>
+                <a:effectLst/>
+                <a:latin typeface="Arial" charset="0"/>
+                <a:ea typeface="+mn-ea"/>
+                <a:cs typeface="+mn-cs"/>
+              </a:rPr>
+              <a:t>abc</a:t>
+            </a:r>
+            <a:r>
+              <a:rPr lang="en-US" altLang="zh-CN" sz="1200" b="0" i="0" kern="1200" dirty="0" smtClean="0">
+                <a:solidFill>
+                  <a:schemeClr val="tx1"/>
+                </a:solidFill>
+                <a:effectLst/>
+                <a:latin typeface="Arial" charset="0"/>
+                <a:ea typeface="+mn-ea"/>
+                <a:cs typeface="+mn-cs"/>
+              </a:rPr>
+              <a:t>"</a:t>
+            </a:r>
+            <a:r>
+              <a:rPr lang="zh-CN" altLang="en-US" sz="1200" b="0" i="0" kern="1200" dirty="0" smtClean="0">
+                <a:solidFill>
+                  <a:schemeClr val="tx1"/>
+                </a:solidFill>
+                <a:effectLst/>
+                <a:latin typeface="Arial" charset="0"/>
+                <a:ea typeface="+mn-ea"/>
+                <a:cs typeface="+mn-cs"/>
+              </a:rPr>
+              <a:t>的地址，则查找对象</a:t>
+            </a:r>
+            <a:r>
+              <a:rPr lang="en-US" altLang="zh-CN" sz="1200" b="0" i="0" kern="1200" dirty="0" smtClean="0">
+                <a:solidFill>
+                  <a:schemeClr val="tx1"/>
+                </a:solidFill>
+                <a:effectLst/>
+                <a:latin typeface="Arial" charset="0"/>
+                <a:ea typeface="+mn-ea"/>
+                <a:cs typeface="+mn-cs"/>
+              </a:rPr>
+              <a:t>o</a:t>
+            </a:r>
+            <a:r>
+              <a:rPr lang="zh-CN" altLang="en-US" sz="1200" b="0" i="0" kern="1200" dirty="0" smtClean="0">
+                <a:solidFill>
+                  <a:schemeClr val="tx1"/>
+                </a:solidFill>
+                <a:effectLst/>
+                <a:latin typeface="Arial" charset="0"/>
+                <a:ea typeface="+mn-ea"/>
+                <a:cs typeface="+mn-cs"/>
+              </a:rPr>
+              <a:t>，并返回</a:t>
+            </a:r>
+            <a:r>
+              <a:rPr lang="en-US" altLang="zh-CN" sz="1200" b="0" i="0" kern="1200" dirty="0" smtClean="0">
+                <a:solidFill>
+                  <a:schemeClr val="tx1"/>
+                </a:solidFill>
+                <a:effectLst/>
+                <a:latin typeface="Arial" charset="0"/>
+                <a:ea typeface="+mn-ea"/>
+                <a:cs typeface="+mn-cs"/>
+              </a:rPr>
+              <a:t>o</a:t>
+            </a:r>
+            <a:r>
+              <a:rPr lang="zh-CN" altLang="en-US" sz="1200" b="0" i="0" kern="1200" dirty="0" smtClean="0">
+                <a:solidFill>
+                  <a:schemeClr val="tx1"/>
+                </a:solidFill>
+                <a:effectLst/>
+                <a:latin typeface="Arial" charset="0"/>
+                <a:ea typeface="+mn-ea"/>
+                <a:cs typeface="+mn-cs"/>
+              </a:rPr>
+              <a:t>的地址。</a:t>
+            </a:r>
+            <a:br>
+              <a:rPr lang="zh-CN" altLang="en-US" sz="1200" b="0" i="0" kern="1200" dirty="0" smtClean="0">
+                <a:solidFill>
+                  <a:schemeClr val="tx1"/>
+                </a:solidFill>
+                <a:effectLst/>
+                <a:latin typeface="Arial" charset="0"/>
+                <a:ea typeface="+mn-ea"/>
+                <a:cs typeface="+mn-cs"/>
+              </a:rPr>
+            </a:br>
+            <a:r>
+              <a:rPr lang="en-US" altLang="zh-CN" sz="1200" b="0" i="0" kern="1200" dirty="0" smtClean="0">
+                <a:solidFill>
+                  <a:schemeClr val="tx1"/>
+                </a:solidFill>
+                <a:effectLst/>
+                <a:latin typeface="Arial" charset="0"/>
+                <a:ea typeface="+mn-ea"/>
+                <a:cs typeface="+mn-cs"/>
+              </a:rPr>
+              <a:t>(3)</a:t>
+            </a:r>
+            <a:r>
+              <a:rPr lang="zh-CN" altLang="en-US" sz="1200" b="0" i="0" kern="1200" dirty="0" smtClean="0">
+                <a:solidFill>
+                  <a:schemeClr val="tx1"/>
+                </a:solidFill>
+                <a:effectLst/>
+                <a:latin typeface="Arial" charset="0"/>
+                <a:ea typeface="+mn-ea"/>
+                <a:cs typeface="+mn-cs"/>
+              </a:rPr>
+              <a:t>将</a:t>
+            </a:r>
+            <a:r>
+              <a:rPr lang="en-US" altLang="zh-CN" sz="1200" b="0" i="0" kern="1200" dirty="0" err="1" smtClean="0">
+                <a:solidFill>
+                  <a:schemeClr val="tx1"/>
+                </a:solidFill>
+                <a:effectLst/>
+                <a:latin typeface="Arial" charset="0"/>
+                <a:ea typeface="+mn-ea"/>
+                <a:cs typeface="+mn-cs"/>
+              </a:rPr>
+              <a:t>str</a:t>
+            </a:r>
+            <a:r>
+              <a:rPr lang="zh-CN" altLang="en-US" sz="1200" b="0" i="0" kern="1200" dirty="0" smtClean="0">
+                <a:solidFill>
+                  <a:schemeClr val="tx1"/>
+                </a:solidFill>
+                <a:effectLst/>
+                <a:latin typeface="Arial" charset="0"/>
+                <a:ea typeface="+mn-ea"/>
+                <a:cs typeface="+mn-cs"/>
+              </a:rPr>
+              <a:t>指向对象</a:t>
+            </a:r>
+            <a:r>
+              <a:rPr lang="en-US" altLang="zh-CN" sz="1200" b="0" i="0" kern="1200" dirty="0" smtClean="0">
+                <a:solidFill>
+                  <a:schemeClr val="tx1"/>
+                </a:solidFill>
+                <a:effectLst/>
+                <a:latin typeface="Arial" charset="0"/>
+                <a:ea typeface="+mn-ea"/>
+                <a:cs typeface="+mn-cs"/>
+              </a:rPr>
+              <a:t>o</a:t>
+            </a:r>
+            <a:r>
+              <a:rPr lang="zh-CN" altLang="en-US" sz="1200" b="0" i="0" kern="1200" dirty="0" smtClean="0">
+                <a:solidFill>
+                  <a:schemeClr val="tx1"/>
+                </a:solidFill>
+                <a:effectLst/>
+                <a:latin typeface="Arial" charset="0"/>
+                <a:ea typeface="+mn-ea"/>
+                <a:cs typeface="+mn-cs"/>
+              </a:rPr>
+              <a:t>的地址。</a:t>
+            </a:r>
+            <a:br>
+              <a:rPr lang="zh-CN" altLang="en-US" sz="1200" b="0" i="0" kern="1200" dirty="0" smtClean="0">
+                <a:solidFill>
+                  <a:schemeClr val="tx1"/>
+                </a:solidFill>
+                <a:effectLst/>
+                <a:latin typeface="Arial" charset="0"/>
+                <a:ea typeface="+mn-ea"/>
+                <a:cs typeface="+mn-cs"/>
+              </a:rPr>
+            </a:br>
+            <a:r>
+              <a:rPr lang="zh-CN" altLang="en-US" sz="1200" b="0" i="0" kern="1200" dirty="0" smtClean="0">
+                <a:solidFill>
+                  <a:schemeClr val="tx1"/>
+                </a:solidFill>
+                <a:effectLst/>
+                <a:latin typeface="Arial" charset="0"/>
+                <a:ea typeface="+mn-ea"/>
+                <a:cs typeface="+mn-cs"/>
+              </a:rPr>
+              <a:t>值得注意的是，一般</a:t>
+            </a:r>
+            <a:r>
+              <a:rPr lang="en-US" altLang="zh-CN" sz="1200" b="0" i="0" kern="1200" dirty="0" smtClean="0">
+                <a:solidFill>
+                  <a:schemeClr val="tx1"/>
+                </a:solidFill>
+                <a:effectLst/>
+                <a:latin typeface="Arial" charset="0"/>
+                <a:ea typeface="+mn-ea"/>
+                <a:cs typeface="+mn-cs"/>
+              </a:rPr>
+              <a:t>String</a:t>
+            </a:r>
+            <a:r>
+              <a:rPr lang="zh-CN" altLang="en-US" sz="1200" b="0" i="0" kern="1200" dirty="0" smtClean="0">
+                <a:solidFill>
+                  <a:schemeClr val="tx1"/>
+                </a:solidFill>
+                <a:effectLst/>
+                <a:latin typeface="Arial" charset="0"/>
+                <a:ea typeface="+mn-ea"/>
+                <a:cs typeface="+mn-cs"/>
+              </a:rPr>
+              <a:t>类中字符串值都是直接存值的。但像</a:t>
+            </a:r>
+            <a:r>
+              <a:rPr lang="en-US" altLang="zh-CN" sz="1200" b="0" i="0" kern="1200" dirty="0" smtClean="0">
+                <a:solidFill>
+                  <a:schemeClr val="tx1"/>
+                </a:solidFill>
+                <a:effectLst/>
+                <a:latin typeface="Arial" charset="0"/>
+                <a:ea typeface="+mn-ea"/>
+                <a:cs typeface="+mn-cs"/>
+              </a:rPr>
+              <a:t>String </a:t>
+            </a:r>
+            <a:r>
+              <a:rPr lang="en-US" altLang="zh-CN" sz="1200" b="0" i="0" kern="1200" dirty="0" err="1" smtClean="0">
+                <a:solidFill>
+                  <a:schemeClr val="tx1"/>
+                </a:solidFill>
+                <a:effectLst/>
+                <a:latin typeface="Arial" charset="0"/>
+                <a:ea typeface="+mn-ea"/>
+                <a:cs typeface="+mn-cs"/>
+              </a:rPr>
+              <a:t>str</a:t>
+            </a:r>
+            <a:r>
+              <a:rPr lang="en-US" altLang="zh-CN" sz="1200" b="0" i="0" kern="1200" dirty="0" smtClean="0">
+                <a:solidFill>
+                  <a:schemeClr val="tx1"/>
+                </a:solidFill>
+                <a:effectLst/>
+                <a:latin typeface="Arial" charset="0"/>
+                <a:ea typeface="+mn-ea"/>
+                <a:cs typeface="+mn-cs"/>
+              </a:rPr>
+              <a:t> = "</a:t>
+            </a:r>
+            <a:r>
+              <a:rPr lang="en-US" altLang="zh-CN" sz="1200" b="0" i="0" kern="1200" dirty="0" err="1" smtClean="0">
+                <a:solidFill>
+                  <a:schemeClr val="tx1"/>
+                </a:solidFill>
+                <a:effectLst/>
+                <a:latin typeface="Arial" charset="0"/>
+                <a:ea typeface="+mn-ea"/>
+                <a:cs typeface="+mn-cs"/>
+              </a:rPr>
+              <a:t>abc</a:t>
+            </a:r>
+            <a:r>
+              <a:rPr lang="en-US" altLang="zh-CN" sz="1200" b="0" i="0" kern="1200" dirty="0" smtClean="0">
+                <a:solidFill>
+                  <a:schemeClr val="tx1"/>
+                </a:solidFill>
+                <a:effectLst/>
+                <a:latin typeface="Arial" charset="0"/>
+                <a:ea typeface="+mn-ea"/>
+                <a:cs typeface="+mn-cs"/>
+              </a:rPr>
+              <a:t>"</a:t>
+            </a:r>
+            <a:r>
+              <a:rPr lang="zh-CN" altLang="en-US" sz="1200" b="0" i="0" kern="1200" dirty="0" smtClean="0">
+                <a:solidFill>
+                  <a:schemeClr val="tx1"/>
+                </a:solidFill>
+                <a:effectLst/>
+                <a:latin typeface="Arial" charset="0"/>
+                <a:ea typeface="+mn-ea"/>
+                <a:cs typeface="+mn-cs"/>
+              </a:rPr>
+              <a:t>；这种场合下，其字符串值却是保存了一个指向存在栈中数据的引用！</a:t>
+            </a:r>
+            <a:endParaRPr lang="en-US" altLang="zh-CN" sz="1200" b="0" i="0" kern="1200" dirty="0" smtClean="0">
+              <a:solidFill>
+                <a:schemeClr val="tx1"/>
+              </a:solidFill>
+              <a:effectLst/>
+              <a:latin typeface="Arial" charset="0"/>
+              <a:ea typeface="+mn-ea"/>
+              <a:cs typeface="+mn-cs"/>
+            </a:endParaRPr>
+          </a:p>
+          <a:p>
+            <a:endParaRPr lang="en-US" altLang="zh-CN" sz="1200" b="0" i="0" kern="1200" dirty="0" smtClean="0">
+              <a:solidFill>
+                <a:schemeClr val="tx1"/>
+              </a:solidFill>
+              <a:effectLst/>
+              <a:latin typeface="Arial" charset="0"/>
+              <a:ea typeface="+mn-ea"/>
+              <a:cs typeface="+mn-cs"/>
+            </a:endParaRPr>
+          </a:p>
+          <a:p>
+            <a:r>
+              <a:rPr lang="zh-CN" altLang="en-US" sz="1200" b="0" i="0" kern="1200" dirty="0" smtClean="0">
+                <a:solidFill>
+                  <a:schemeClr val="tx1"/>
+                </a:solidFill>
+                <a:effectLst/>
+                <a:latin typeface="Arial" charset="0"/>
+                <a:ea typeface="+mn-ea"/>
+                <a:cs typeface="+mn-cs"/>
+              </a:rPr>
+              <a:t>当比较包装类里面的数值是否相等时，用</a:t>
+            </a:r>
+            <a:r>
+              <a:rPr lang="en-US" altLang="zh-CN" sz="1200" b="0" i="0" kern="1200" dirty="0" smtClean="0">
+                <a:solidFill>
+                  <a:schemeClr val="tx1"/>
+                </a:solidFill>
+                <a:effectLst/>
+                <a:latin typeface="Arial" charset="0"/>
+                <a:ea typeface="+mn-ea"/>
+                <a:cs typeface="+mn-cs"/>
+              </a:rPr>
+              <a:t>equals()</a:t>
+            </a:r>
+            <a:r>
+              <a:rPr lang="zh-CN" altLang="en-US" sz="1200" b="0" i="0" kern="1200" dirty="0" smtClean="0">
+                <a:solidFill>
+                  <a:schemeClr val="tx1"/>
+                </a:solidFill>
+                <a:effectLst/>
+                <a:latin typeface="Arial" charset="0"/>
+                <a:ea typeface="+mn-ea"/>
+                <a:cs typeface="+mn-cs"/>
+              </a:rPr>
+              <a:t>方法；当测试两个包装类的引用是否指向同一个对象时，用</a:t>
+            </a:r>
+            <a:r>
+              <a:rPr lang="en-US" altLang="zh-CN" sz="1200" b="0" i="0" kern="1200" dirty="0" smtClean="0">
+                <a:solidFill>
+                  <a:schemeClr val="tx1"/>
+                </a:solidFill>
+                <a:effectLst/>
+                <a:latin typeface="Arial" charset="0"/>
+                <a:ea typeface="+mn-ea"/>
+                <a:cs typeface="+mn-cs"/>
+              </a:rPr>
+              <a:t>==</a:t>
+            </a:r>
+          </a:p>
+          <a:p>
+            <a:endParaRPr lang="en-US" altLang="zh-CN" sz="1200" b="0" i="0" kern="1200" dirty="0" smtClean="0">
+              <a:solidFill>
+                <a:schemeClr val="tx1"/>
+              </a:solidFill>
+              <a:effectLst/>
+              <a:latin typeface="Arial" charset="0"/>
+              <a:ea typeface="+mn-ea"/>
+              <a:cs typeface="+mn-cs"/>
+            </a:endParaRPr>
+          </a:p>
+          <a:p>
+            <a:r>
+              <a:rPr lang="zh-CN" altLang="en-US" sz="1200" b="0" i="0" kern="1200" dirty="0" smtClean="0">
+                <a:solidFill>
+                  <a:schemeClr val="tx1"/>
+                </a:solidFill>
+                <a:effectLst/>
+                <a:latin typeface="Arial" charset="0"/>
+                <a:ea typeface="+mn-ea"/>
+                <a:cs typeface="+mn-cs"/>
+              </a:rPr>
+              <a:t>基本数据类型，存储在栈中，“</a:t>
+            </a:r>
+            <a:r>
+              <a:rPr lang="en-US" altLang="zh-CN" sz="1200" b="0" i="0" kern="1200" dirty="0" err="1" smtClean="0">
+                <a:solidFill>
+                  <a:schemeClr val="tx1"/>
+                </a:solidFill>
+                <a:effectLst/>
+                <a:latin typeface="Arial" charset="0"/>
+                <a:ea typeface="+mn-ea"/>
+                <a:cs typeface="+mn-cs"/>
+              </a:rPr>
+              <a:t>abc</a:t>
+            </a:r>
+            <a:r>
+              <a:rPr lang="en-US" altLang="zh-CN" sz="1200" b="0" i="0" kern="1200" dirty="0" smtClean="0">
+                <a:solidFill>
+                  <a:schemeClr val="tx1"/>
+                </a:solidFill>
+                <a:effectLst/>
+                <a:latin typeface="Arial" charset="0"/>
+                <a:ea typeface="+mn-ea"/>
+                <a:cs typeface="+mn-cs"/>
+              </a:rPr>
+              <a:t>”</a:t>
+            </a:r>
+            <a:r>
+              <a:rPr lang="zh-CN" altLang="en-US" sz="1200" b="0" i="0" kern="1200" dirty="0" smtClean="0">
+                <a:solidFill>
+                  <a:schemeClr val="tx1"/>
+                </a:solidFill>
+                <a:effectLst/>
+                <a:latin typeface="Arial" charset="0"/>
+                <a:ea typeface="+mn-ea"/>
+                <a:cs typeface="+mn-cs"/>
+              </a:rPr>
+              <a:t>存储在栈中，只要是使用</a:t>
+            </a:r>
+            <a:r>
+              <a:rPr lang="en-US" altLang="zh-CN" sz="1200" b="0" i="0" kern="1200" dirty="0" smtClean="0">
+                <a:solidFill>
+                  <a:schemeClr val="tx1"/>
+                </a:solidFill>
+                <a:effectLst/>
+                <a:latin typeface="Arial" charset="0"/>
+                <a:ea typeface="+mn-ea"/>
+                <a:cs typeface="+mn-cs"/>
+              </a:rPr>
+              <a:t>new</a:t>
+            </a:r>
+            <a:r>
+              <a:rPr lang="zh-CN" altLang="en-US" sz="1200" b="0" i="0" kern="1200" dirty="0" smtClean="0">
+                <a:solidFill>
+                  <a:schemeClr val="tx1"/>
+                </a:solidFill>
+                <a:effectLst/>
+                <a:latin typeface="Arial" charset="0"/>
+                <a:ea typeface="+mn-ea"/>
+                <a:cs typeface="+mn-cs"/>
+              </a:rPr>
+              <a:t>一个对象，则存储在堆中，而且在栈中，在新建一个新的变量或对象时，会首 先看一下是否已经存在，存在则不创建新的。那在栈中的数据是否不涉及垃圾回收呢。那这部分内容，如何处理呢，还有就是，对象的作用域，程序存储在哪儿呢？对于栈中的数据来说，当超过变量的作用域的时候，会消失。</a:t>
+            </a:r>
+            <a:endParaRPr lang="en-US" altLang="zh-CN" sz="1200" b="0" i="0" kern="1200" dirty="0" smtClean="0">
+              <a:solidFill>
+                <a:schemeClr val="tx1"/>
+              </a:solidFill>
+              <a:effectLst/>
+              <a:latin typeface="Arial" charset="0"/>
+              <a:ea typeface="+mn-ea"/>
+              <a:cs typeface="+mn-cs"/>
+            </a:endParaRPr>
+          </a:p>
+          <a:p>
+            <a:endParaRPr lang="en-US" altLang="zh-CN" sz="1200" b="0" i="0" kern="1200" dirty="0" smtClean="0">
+              <a:solidFill>
+                <a:schemeClr val="tx1"/>
+              </a:solidFill>
+              <a:effectLst/>
+              <a:latin typeface="Arial" charset="0"/>
+              <a:ea typeface="+mn-ea"/>
+              <a:cs typeface="+mn-cs"/>
+            </a:endParaRPr>
+          </a:p>
+          <a:p>
+            <a:r>
+              <a:rPr lang="zh-CN" altLang="en-US" sz="1200" b="0" i="0" kern="1200" dirty="0" smtClean="0">
+                <a:solidFill>
+                  <a:schemeClr val="tx1"/>
+                </a:solidFill>
+                <a:effectLst/>
+                <a:latin typeface="Arial" charset="0"/>
+                <a:ea typeface="+mn-ea"/>
+                <a:cs typeface="+mn-cs"/>
+              </a:rPr>
+              <a:t>只要是用</a:t>
+            </a:r>
+            <a:r>
+              <a:rPr lang="en-US" altLang="zh-CN" sz="1200" b="0" i="0" kern="1200" dirty="0" smtClean="0">
+                <a:solidFill>
+                  <a:schemeClr val="tx1"/>
+                </a:solidFill>
+                <a:effectLst/>
+                <a:latin typeface="Arial" charset="0"/>
+                <a:ea typeface="+mn-ea"/>
+                <a:cs typeface="+mn-cs"/>
+              </a:rPr>
+              <a:t>new()</a:t>
+            </a:r>
+            <a:r>
+              <a:rPr lang="zh-CN" altLang="en-US" sz="1200" b="0" i="0" kern="1200" dirty="0" smtClean="0">
+                <a:solidFill>
+                  <a:schemeClr val="tx1"/>
+                </a:solidFill>
+                <a:effectLst/>
+                <a:latin typeface="Arial" charset="0"/>
+                <a:ea typeface="+mn-ea"/>
+                <a:cs typeface="+mn-cs"/>
+              </a:rPr>
+              <a:t>来新建对象的，都会在堆中创建</a:t>
+            </a:r>
+            <a:endParaRPr lang="en-US" altLang="zh-CN" sz="1200" b="0" i="0" kern="1200" dirty="0" smtClean="0">
+              <a:solidFill>
+                <a:schemeClr val="tx1"/>
+              </a:solidFill>
+              <a:effectLst/>
+              <a:latin typeface="Arial" charset="0"/>
+              <a:ea typeface="+mn-ea"/>
+              <a:cs typeface="+mn-cs"/>
+            </a:endParaRPr>
+          </a:p>
+          <a:p>
+            <a:endParaRPr lang="en-US" altLang="zh-CN" sz="1200" b="0" i="0" kern="1200" dirty="0" smtClean="0">
+              <a:solidFill>
+                <a:schemeClr val="tx1"/>
+              </a:solidFill>
+              <a:effectLst/>
+              <a:latin typeface="Arial" charset="0"/>
+              <a:ea typeface="+mn-ea"/>
+              <a:cs typeface="+mn-cs"/>
+            </a:endParaRPr>
+          </a:p>
+          <a:p>
+            <a:r>
+              <a:rPr lang="en-US" altLang="zh-CN" sz="1200" b="0" i="0" kern="1200" dirty="0" smtClean="0">
+                <a:solidFill>
+                  <a:schemeClr val="tx1"/>
+                </a:solidFill>
+                <a:effectLst/>
+                <a:latin typeface="Arial" charset="0"/>
+                <a:ea typeface="+mn-ea"/>
+                <a:cs typeface="+mn-cs"/>
+              </a:rPr>
+              <a:t>static</a:t>
+            </a:r>
+            <a:r>
+              <a:rPr lang="zh-CN" altLang="en-US" sz="1200" b="0" i="0" kern="1200" dirty="0" smtClean="0">
+                <a:solidFill>
+                  <a:schemeClr val="tx1"/>
+                </a:solidFill>
+                <a:effectLst/>
+                <a:latin typeface="Arial" charset="0"/>
+                <a:ea typeface="+mn-ea"/>
+                <a:cs typeface="+mn-cs"/>
+              </a:rPr>
+              <a:t>声明的代码，存储在</a:t>
+            </a:r>
+            <a:r>
+              <a:rPr lang="en-US" altLang="zh-CN" sz="1200" b="0" i="0" kern="1200" dirty="0" smtClean="0">
+                <a:solidFill>
+                  <a:schemeClr val="tx1"/>
+                </a:solidFill>
+                <a:effectLst/>
+                <a:latin typeface="Arial" charset="0"/>
+                <a:ea typeface="+mn-ea"/>
+                <a:cs typeface="+mn-cs"/>
+              </a:rPr>
+              <a:t>heap</a:t>
+            </a:r>
+            <a:r>
+              <a:rPr lang="zh-CN" altLang="en-US" sz="1200" b="0" i="0" kern="1200" dirty="0" smtClean="0">
+                <a:solidFill>
+                  <a:schemeClr val="tx1"/>
+                </a:solidFill>
+                <a:effectLst/>
+                <a:latin typeface="Arial" charset="0"/>
+                <a:ea typeface="+mn-ea"/>
+                <a:cs typeface="+mn-cs"/>
+              </a:rPr>
+              <a:t>中，常量以外的类（静态）变量存储在方法区。</a:t>
+            </a:r>
+            <a:r>
+              <a:rPr lang="en-US" altLang="zh-CN" sz="1200" b="0" i="0" kern="1200" dirty="0" smtClean="0">
+                <a:solidFill>
+                  <a:schemeClr val="tx1"/>
+                </a:solidFill>
+                <a:effectLst/>
+                <a:latin typeface="Arial" charset="0"/>
+                <a:ea typeface="+mn-ea"/>
+                <a:cs typeface="+mn-cs"/>
+              </a:rPr>
+              <a:t>instance</a:t>
+            </a:r>
+            <a:r>
+              <a:rPr lang="zh-CN" altLang="en-US" sz="1200" b="0" i="0" kern="1200" dirty="0" smtClean="0">
+                <a:solidFill>
+                  <a:schemeClr val="tx1"/>
+                </a:solidFill>
+                <a:effectLst/>
+                <a:latin typeface="Arial" charset="0"/>
+                <a:ea typeface="+mn-ea"/>
+                <a:cs typeface="+mn-cs"/>
+              </a:rPr>
+              <a:t>属性在创建实例的时候初始化，</a:t>
+            </a:r>
+            <a:r>
+              <a:rPr lang="en-US" altLang="zh-CN" sz="1200" b="0" i="0" kern="1200" dirty="0" smtClean="0">
+                <a:solidFill>
+                  <a:schemeClr val="tx1"/>
+                </a:solidFill>
+                <a:effectLst/>
+                <a:latin typeface="Arial" charset="0"/>
+                <a:ea typeface="+mn-ea"/>
+                <a:cs typeface="+mn-cs"/>
+              </a:rPr>
+              <a:t>static</a:t>
+            </a:r>
+            <a:r>
+              <a:rPr lang="zh-CN" altLang="en-US" sz="1200" b="0" i="0" kern="1200" dirty="0" smtClean="0">
+                <a:solidFill>
+                  <a:schemeClr val="tx1"/>
+                </a:solidFill>
+                <a:effectLst/>
+                <a:latin typeface="Arial" charset="0"/>
+                <a:ea typeface="+mn-ea"/>
+                <a:cs typeface="+mn-cs"/>
+              </a:rPr>
+              <a:t>属性在类加载，也就是第一次用到这个类的时候初始化</a:t>
+            </a:r>
+          </a:p>
+          <a:p>
+            <a:r>
+              <a:rPr lang="zh-CN" altLang="en-US" sz="1200" b="0" i="0" kern="1200" dirty="0" smtClean="0">
+                <a:solidFill>
+                  <a:schemeClr val="tx1"/>
+                </a:solidFill>
+                <a:effectLst/>
+                <a:latin typeface="Arial" charset="0"/>
+                <a:ea typeface="+mn-ea"/>
+                <a:cs typeface="+mn-cs"/>
+              </a:rPr>
+              <a:t> </a:t>
+            </a:r>
+          </a:p>
+          <a:p>
+            <a:r>
+              <a:rPr lang="zh-CN" altLang="en-US" sz="1200" b="0" i="0" kern="1200" dirty="0" smtClean="0">
+                <a:solidFill>
+                  <a:schemeClr val="tx1"/>
+                </a:solidFill>
+                <a:effectLst/>
+                <a:latin typeface="Arial" charset="0"/>
+                <a:ea typeface="+mn-ea"/>
+                <a:cs typeface="+mn-cs"/>
+              </a:rPr>
+              <a:t>用 </a:t>
+            </a:r>
+            <a:r>
+              <a:rPr lang="en-US" altLang="zh-CN" sz="1200" b="0" i="0" kern="1200" dirty="0" smtClean="0">
+                <a:solidFill>
+                  <a:schemeClr val="tx1"/>
+                </a:solidFill>
+                <a:effectLst/>
+                <a:latin typeface="Arial" charset="0"/>
+                <a:ea typeface="+mn-ea"/>
+                <a:cs typeface="+mn-cs"/>
+              </a:rPr>
+              <a:t>new </a:t>
+            </a:r>
+            <a:r>
+              <a:rPr lang="zh-CN" altLang="en-US" sz="1200" b="0" i="0" kern="1200" dirty="0" smtClean="0">
+                <a:solidFill>
+                  <a:schemeClr val="tx1"/>
+                </a:solidFill>
+                <a:effectLst/>
+                <a:latin typeface="Arial" charset="0"/>
+                <a:ea typeface="+mn-ea"/>
+                <a:cs typeface="+mn-cs"/>
+              </a:rPr>
+              <a:t>创建 了，对象在堆中创建了，</a:t>
+            </a:r>
+            <a:r>
+              <a:rPr lang="en-US" altLang="zh-CN" sz="1200" b="0" i="0" kern="1200" dirty="0" smtClean="0">
+                <a:solidFill>
+                  <a:schemeClr val="tx1"/>
+                </a:solidFill>
+                <a:effectLst/>
+                <a:latin typeface="Arial" charset="0"/>
+                <a:ea typeface="+mn-ea"/>
+                <a:cs typeface="+mn-cs"/>
+              </a:rPr>
+              <a:t>str2  </a:t>
+            </a:r>
+            <a:r>
+              <a:rPr lang="zh-CN" altLang="en-US" sz="1200" b="0" i="0" kern="1200" dirty="0" smtClean="0">
+                <a:solidFill>
+                  <a:schemeClr val="tx1"/>
+                </a:solidFill>
+                <a:effectLst/>
+                <a:latin typeface="Arial" charset="0"/>
+                <a:ea typeface="+mn-ea"/>
+                <a:cs typeface="+mn-cs"/>
+              </a:rPr>
+              <a:t>还在 堆栈中 呢，所以是两个不同的地址</a:t>
+            </a:r>
+          </a:p>
+          <a:p>
+            <a:r>
+              <a:rPr lang="zh-CN" altLang="en-US" sz="1200" b="0" i="0" kern="1200" dirty="0" smtClean="0">
+                <a:solidFill>
+                  <a:schemeClr val="tx1"/>
+                </a:solidFill>
+                <a:effectLst/>
+                <a:latin typeface="Arial" charset="0"/>
+                <a:ea typeface="+mn-ea"/>
+                <a:cs typeface="+mn-cs"/>
+              </a:rPr>
+              <a:t>不会考虑之前是否有  </a:t>
+            </a:r>
+            <a:r>
+              <a:rPr lang="en-US" altLang="zh-CN" sz="1200" b="0" i="0" kern="1200" dirty="0" err="1" smtClean="0">
+                <a:solidFill>
+                  <a:schemeClr val="tx1"/>
+                </a:solidFill>
+                <a:effectLst/>
+                <a:latin typeface="Arial" charset="0"/>
+                <a:ea typeface="+mn-ea"/>
+                <a:cs typeface="+mn-cs"/>
+              </a:rPr>
+              <a:t>abc</a:t>
+            </a:r>
+            <a:r>
+              <a:rPr lang="en-US" altLang="zh-CN" sz="1200" b="0" i="0" kern="1200" dirty="0" smtClean="0">
+                <a:solidFill>
+                  <a:schemeClr val="tx1"/>
+                </a:solidFill>
+                <a:effectLst/>
+                <a:latin typeface="Arial" charset="0"/>
+                <a:ea typeface="+mn-ea"/>
+                <a:cs typeface="+mn-cs"/>
+              </a:rPr>
+              <a:t> </a:t>
+            </a:r>
+            <a:r>
+              <a:rPr lang="zh-CN" altLang="en-US" sz="1200" b="0" i="0" kern="1200" smtClean="0">
+                <a:solidFill>
+                  <a:schemeClr val="tx1"/>
+                </a:solidFill>
+                <a:effectLst/>
+                <a:latin typeface="Arial" charset="0"/>
+                <a:ea typeface="+mn-ea"/>
+                <a:cs typeface="+mn-cs"/>
+              </a:rPr>
+              <a:t>这个字面值，一概全部 创建</a:t>
+            </a:r>
+            <a:endParaRPr lang="zh-CN" altLang="en-US" sz="1200" b="0" i="0" kern="1200" dirty="0" smtClean="0">
+              <a:solidFill>
+                <a:schemeClr val="tx1"/>
+              </a:solidFill>
+              <a:effectLst/>
+              <a:latin typeface="Arial" charset="0"/>
+              <a:ea typeface="+mn-ea"/>
+              <a:cs typeface="+mn-cs"/>
+            </a:endParaRPr>
           </a:p>
           <a:p>
             <a:endParaRPr lang="zh-CN" altLang="en-US" dirty="0"/>
@@ -3259,7 +3247,7 @@
               <a:pPr>
                 <a:defRPr/>
               </a:pPr>
-              <a:t>8</a:t>
+              <a:t>7</a:t>
             </a:fld>
             <a:endParaRPr lang="pt-PT" altLang="zh-CN"/>
           </a:p>
@@ -3268,7 +3256,7 @@
     </p:spTree>
     <p:extLst>
       <p:ext uri="{BB962C8B-B14F-4D97-AF65-F5344CB8AC3E}">
-        <p14:creationId xmlns:p14="http://schemas.microsoft.com/office/powerpoint/2010/main" val="1083013466"/>
+        <p14:creationId xmlns:p14="http://schemas.microsoft.com/office/powerpoint/2010/main" val="369670542"/>
       </p:ext>
     </p:extLst>
   </p:cSld>
@@ -3327,43 +3315,34 @@
           <a:bodyPr/>
           <a:lstStyle/>
           <a:p>
+            <a:pPr marL="0" marR="0" indent="0" algn="l" defTabSz="914400" rtl="0" eaLnBrk="0" fontAlgn="base" latinLnBrk="0" hangingPunct="0">
+              <a:lnSpc>
+                <a:spcPct val="100000"/>
+              </a:lnSpc>
+              <a:spcBef>
+                <a:spcPct val="30000"/>
+              </a:spcBef>
+              <a:spcAft>
+                <a:spcPct val="0"/>
+              </a:spcAft>
+              <a:buClrTx/>
+              <a:buSzTx/>
+              <a:buFontTx/>
+              <a:buNone/>
+              <a:tabLst/>
+              <a:defRPr/>
+            </a:pPr>
             <a:r>
               <a:rPr lang="zh-CN" altLang="en-US" dirty="0" smtClean="0"/>
-              <a:t>基本数据类型参数先加宽次数没限制</a:t>
-            </a:r>
-            <a:endParaRPr lang="en-US" altLang="zh-CN" dirty="0" smtClean="0"/>
-          </a:p>
-          <a:p>
-            <a:r>
-              <a:rPr lang="zh-CN" altLang="en-US" dirty="0" smtClean="0"/>
-              <a:t>装箱后不加宽匹配（装箱只是对原有数据类型一次装箱）</a:t>
-            </a:r>
-            <a:endParaRPr lang="en-US" altLang="zh-CN" dirty="0" smtClean="0"/>
-          </a:p>
-          <a:p>
-            <a:r>
-              <a:rPr lang="zh-CN" altLang="en-US" dirty="0" smtClean="0"/>
-              <a:t>不定长参数的匹配是基本数据类型的不定长参数（可以是直接匹配，也可以是加宽后匹配）</a:t>
-            </a:r>
-            <a:endParaRPr lang="en-US" altLang="zh-CN" dirty="0" smtClean="0"/>
-          </a:p>
-          <a:p>
-            <a:endParaRPr lang="en-US" altLang="zh-CN" dirty="0" smtClean="0"/>
-          </a:p>
-          <a:p>
-            <a:r>
-              <a:rPr lang="zh-CN" altLang="en-US" dirty="0" smtClean="0"/>
-              <a:t>如果参数是包装器类型，只能直接匹配（或加宽成</a:t>
+              <a:t>基本数据类型的加宽与自动装箱给方法的重载带来了一定的难题</a:t>
             </a:r>
             <a:r>
               <a:rPr lang="en-US" altLang="zh-CN" dirty="0" smtClean="0"/>
-              <a:t>Object</a:t>
-            </a:r>
-            <a:r>
-              <a:rPr lang="zh-CN" altLang="en-US" dirty="0" smtClean="0"/>
-              <a:t>类型后匹配）</a:t>
-            </a:r>
-            <a:endParaRPr lang="en-US" altLang="zh-CN" dirty="0" smtClean="0"/>
+              <a:t>;</a:t>
+            </a:r>
+          </a:p>
+          <a:p>
+            <a:endParaRPr lang="zh-CN" altLang="en-US" dirty="0"/>
           </a:p>
         </p:txBody>
       </p:sp>
@@ -3390,6 +3369,137 @@
               <a:pPr>
                 <a:defRPr/>
               </a:pPr>
+              <a:t>8</a:t>
+            </a:fld>
+            <a:endParaRPr lang="pt-PT" altLang="zh-CN"/>
+          </a:p>
+        </p:txBody>
+      </p:sp>
+    </p:spTree>
+    <p:extLst>
+      <p:ext uri="{BB962C8B-B14F-4D97-AF65-F5344CB8AC3E}">
+        <p14:creationId xmlns:p14="http://schemas.microsoft.com/office/powerpoint/2010/main" val="1083013466"/>
+      </p:ext>
+    </p:extLst>
+  </p:cSld>
+  <p:clrMapOvr>
+    <a:masterClrMapping/>
+  </p:clrMapOvr>
+</p:notes>
+</file>
+
+<file path=ppt/notesSlides/notesSlide7.xml><?xml version="1.0" encoding="utf-8"?>
+<p:notes xmlns:a="http://schemas.openxmlformats.org/drawingml/2006/main" xmlns:r="http://schemas.openxmlformats.org/officeDocument/2006/relationships" xmlns:p="http://schemas.openxmlformats.org/presentationml/2006/main">
+  <p:cSld>
+    <p:spTree>
+      <p:nvGrpSpPr>
+        <p:cNvPr id="1" name=""/>
+        <p:cNvGrpSpPr/>
+        <p:nvPr/>
+      </p:nvGrpSpPr>
+      <p:grpSpPr>
+        <a:xfrm>
+          <a:off x="0" y="0"/>
+          <a:ext cx="0" cy="0"/>
+          <a:chOff x="0" y="0"/>
+          <a:chExt cx="0" cy="0"/>
+        </a:xfrm>
+      </p:grpSpPr>
+      <p:sp>
+        <p:nvSpPr>
+          <p:cNvPr id="2" name="幻灯片图像占位符 1"/>
+          <p:cNvSpPr>
+            <a:spLocks noGrp="1" noRot="1" noChangeAspect="1"/>
+          </p:cNvSpPr>
+          <p:nvPr>
+            <p:ph type="sldImg"/>
+          </p:nvPr>
+        </p:nvSpPr>
+        <p:spPr>
+          <a:xfrm>
+            <a:off x="92075" y="744538"/>
+            <a:ext cx="6610350" cy="3719512"/>
+          </a:xfrm>
+        </p:spPr>
+      </p:sp>
+      <p:sp>
+        <p:nvSpPr>
+          <p:cNvPr id="3" name="备注占位符 2"/>
+          <p:cNvSpPr>
+            <a:spLocks noGrp="1"/>
+          </p:cNvSpPr>
+          <p:nvPr>
+            <p:ph type="body" idx="1"/>
+          </p:nvPr>
+        </p:nvSpPr>
+        <p:spPr/>
+        <p:txBody>
+          <a:bodyPr/>
+          <a:lstStyle/>
+          <a:p>
+            <a:r>
+              <a:rPr lang="zh-CN" altLang="en-US" dirty="0" smtClean="0"/>
+              <a:t>基本数据类型参数先加宽次数没限制</a:t>
+            </a:r>
+            <a:endParaRPr lang="en-US" altLang="zh-CN" dirty="0" smtClean="0"/>
+          </a:p>
+          <a:p>
+            <a:r>
+              <a:rPr lang="zh-CN" altLang="en-US" dirty="0" smtClean="0"/>
+              <a:t>装箱后不加宽匹配（装箱只是对原有数据类型一次装箱）</a:t>
+            </a:r>
+            <a:endParaRPr lang="en-US" altLang="zh-CN" dirty="0" smtClean="0"/>
+          </a:p>
+          <a:p>
+            <a:r>
+              <a:rPr lang="zh-CN" altLang="en-US" dirty="0" smtClean="0"/>
+              <a:t>不定长参数的匹配是基本数据类型的不定长参数（可以是直接匹配，也可以是加宽后匹配）</a:t>
+            </a:r>
+            <a:endParaRPr lang="en-US" altLang="zh-CN" dirty="0" smtClean="0"/>
+          </a:p>
+          <a:p>
+            <a:endParaRPr lang="en-US" altLang="zh-CN" dirty="0" smtClean="0"/>
+          </a:p>
+          <a:p>
+            <a:r>
+              <a:rPr lang="zh-CN" altLang="en-US" dirty="0" smtClean="0"/>
+              <a:t>如果参数是包装器类型，只能直接匹配（或加宽成</a:t>
+            </a:r>
+            <a:r>
+              <a:rPr lang="en-US" altLang="zh-CN" dirty="0" smtClean="0"/>
+              <a:t>Object</a:t>
+            </a:r>
+            <a:r>
+              <a:rPr lang="zh-CN" altLang="en-US" dirty="0" smtClean="0"/>
+              <a:t>类型后匹配）</a:t>
+            </a:r>
+            <a:endParaRPr lang="en-US" altLang="zh-CN" dirty="0" smtClean="0"/>
+          </a:p>
+        </p:txBody>
+      </p:sp>
+      <p:sp>
+        <p:nvSpPr>
+          <p:cNvPr id="4" name="灯片编号占位符 3"/>
+          <p:cNvSpPr>
+            <a:spLocks noGrp="1"/>
+          </p:cNvSpPr>
+          <p:nvPr>
+            <p:ph type="sldNum" sz="quarter" idx="10"/>
+          </p:nvPr>
+        </p:nvSpPr>
+        <p:spPr/>
+        <p:txBody>
+          <a:bodyPr/>
+          <a:lstStyle/>
+          <a:p>
+            <a:pPr>
+              <a:defRPr/>
+            </a:pPr>
+            <a:fld id="{AC210F43-7402-419F-9DD7-2F34522E6E8C}" type="slidenum">
+              <a:rPr lang="pt-PT" altLang="zh-CN" smtClean="0"/>
+              <a:pPr>
+                <a:defRPr/>
+              </a:pPr>
               <a:t>11</a:t>
             </a:fld>
             <a:endParaRPr lang="pt-PT" altLang="zh-CN"/>
@@ -3409,7 +3519,7 @@
 </p:notes>
 </file>
 
-<file path=ppt/notesSlides/notesSlide7.xml><?xml version="1.0" encoding="utf-8"?>
+<file path=ppt/notesSlides/notesSlide8.xml><?xml version="1.0" encoding="utf-8"?>
 <p:notes xmlns:a="http://schemas.openxmlformats.org/drawingml/2006/main" xmlns:r="http://schemas.openxmlformats.org/officeDocument/2006/relationships" xmlns:p="http://schemas.openxmlformats.org/presentationml/2006/main">
   <p:cSld>
     <p:spTree>
@@ -5592,11 +5702,7 @@
           <a:p>
             <a:r>
               <a:rPr lang="zh-CN" altLang="en-US" dirty="0" smtClean="0"/>
-              <a:t>第八章  包装</a:t>
-            </a:r>
-            <a:r>
-              <a:rPr lang="zh-CN" altLang="en-US" dirty="0" smtClean="0"/>
-              <a:t>器类</a:t>
+              <a:t>第八章  包装器类</a:t>
             </a:r>
             <a:endParaRPr lang="zh-CN" altLang="en-US" dirty="0"/>
           </a:p>
@@ -5697,11 +5803,7 @@
             </a:pPr>
             <a:r>
               <a:rPr lang="zh-CN" altLang="en-US" dirty="0" smtClean="0"/>
-              <a:t>可变元参数列表给方法的重载带来了一定的</a:t>
-            </a:r>
-            <a:r>
-              <a:rPr lang="zh-CN" altLang="en-US" dirty="0" smtClean="0"/>
-              <a:t>难题</a:t>
+              <a:t>可变元参数列表给方法的重载带来了一定的难题</a:t>
             </a:r>
             <a:r>
               <a:rPr lang="zh-CN" altLang="en-US" dirty="0"/>
@@ -9614,8 +9716,8 @@
         </p:nvSpPr>
         <p:spPr>
           <a:xfrm>
-            <a:off x="3935760" y="1160749"/>
-            <a:ext cx="5544616" cy="4965415"/>
+            <a:off x="609600" y="1160749"/>
+            <a:ext cx="8870776" cy="4965415"/>
           </a:xfrm>
         </p:spPr>
         <p:txBody>
@@ -10706,14 +10808,14 @@
                 <a:gridCol w="3671887">
                   <a:extLst>
                     <a:ext uri="{9D8B030D-6E8A-4147-A177-3AD203B41FA5}">
-                      <a16:colId xmlns:a16="http://schemas.microsoft.com/office/drawing/2014/main" val="20000"/>
+                      <a16:colId xmlns:a16="http://schemas.microsoft.com/office/drawing/2014/main" xmlns="" val="20000"/>
                     </a:ext>
                   </a:extLst>
                 </a:gridCol>
                 <a:gridCol w="3671888">
                   <a:extLst>
                     <a:ext uri="{9D8B030D-6E8A-4147-A177-3AD203B41FA5}">
-                      <a16:colId xmlns:a16="http://schemas.microsoft.com/office/drawing/2014/main" val="20001"/>
+                      <a16:colId xmlns:a16="http://schemas.microsoft.com/office/drawing/2014/main" xmlns="" val="20001"/>
                     </a:ext>
                   </a:extLst>
                 </a:gridCol>
@@ -10915,7 +11017,7 @@
                 </a:tc>
                 <a:extLst>
                   <a:ext uri="{0D108BD9-81ED-4DB2-BD59-A6C34878D82A}">
-                    <a16:rowId xmlns:a16="http://schemas.microsoft.com/office/drawing/2014/main" val="10000"/>
+                    <a16:rowId xmlns:a16="http://schemas.microsoft.com/office/drawing/2014/main" xmlns="" val="10000"/>
                   </a:ext>
                 </a:extLst>
               </a:tr>
@@ -11130,7 +11232,7 @@
                 </a:tc>
                 <a:extLst>
                   <a:ext uri="{0D108BD9-81ED-4DB2-BD59-A6C34878D82A}">
-                    <a16:rowId xmlns:a16="http://schemas.microsoft.com/office/drawing/2014/main" val="10001"/>
+                    <a16:rowId xmlns:a16="http://schemas.microsoft.com/office/drawing/2014/main" xmlns="" val="10001"/>
                   </a:ext>
                 </a:extLst>
               </a:tr>
@@ -11331,7 +11433,7 @@
                 </a:tc>
                 <a:extLst>
                   <a:ext uri="{0D108BD9-81ED-4DB2-BD59-A6C34878D82A}">
-                    <a16:rowId xmlns:a16="http://schemas.microsoft.com/office/drawing/2014/main" val="10002"/>
+                    <a16:rowId xmlns:a16="http://schemas.microsoft.com/office/drawing/2014/main" xmlns="" val="10002"/>
                   </a:ext>
                 </a:extLst>
               </a:tr>
@@ -11532,7 +11634,7 @@
                 </a:tc>
                 <a:extLst>
                   <a:ext uri="{0D108BD9-81ED-4DB2-BD59-A6C34878D82A}">
-                    <a16:rowId xmlns:a16="http://schemas.microsoft.com/office/drawing/2014/main" val="10003"/>
+                    <a16:rowId xmlns:a16="http://schemas.microsoft.com/office/drawing/2014/main" xmlns="" val="10003"/>
                   </a:ext>
                 </a:extLst>
               </a:tr>
@@ -11733,7 +11835,7 @@
                 </a:tc>
                 <a:extLst>
                   <a:ext uri="{0D108BD9-81ED-4DB2-BD59-A6C34878D82A}">
-                    <a16:rowId xmlns:a16="http://schemas.microsoft.com/office/drawing/2014/main" val="10004"/>
+                    <a16:rowId xmlns:a16="http://schemas.microsoft.com/office/drawing/2014/main" xmlns="" val="10004"/>
                   </a:ext>
                 </a:extLst>
               </a:tr>
@@ -11934,7 +12036,7 @@
                 </a:tc>
                 <a:extLst>
                   <a:ext uri="{0D108BD9-81ED-4DB2-BD59-A6C34878D82A}">
-                    <a16:rowId xmlns:a16="http://schemas.microsoft.com/office/drawing/2014/main" val="10005"/>
+                    <a16:rowId xmlns:a16="http://schemas.microsoft.com/office/drawing/2014/main" xmlns="" val="10005"/>
                   </a:ext>
                 </a:extLst>
               </a:tr>
@@ -12135,7 +12237,7 @@
                 </a:tc>
                 <a:extLst>
                   <a:ext uri="{0D108BD9-81ED-4DB2-BD59-A6C34878D82A}">
-                    <a16:rowId xmlns:a16="http://schemas.microsoft.com/office/drawing/2014/main" val="10006"/>
+                    <a16:rowId xmlns:a16="http://schemas.microsoft.com/office/drawing/2014/main" xmlns="" val="10006"/>
                   </a:ext>
                 </a:extLst>
               </a:tr>
@@ -15058,11 +15160,7 @@
             </a:pPr>
             <a:r>
               <a:rPr lang="zh-CN" altLang="en-US" dirty="0" smtClean="0"/>
-              <a:t>自动装箱给方法的重载带来了一定的</a:t>
-            </a:r>
-            <a:r>
-              <a:rPr lang="zh-CN" altLang="en-US" dirty="0" smtClean="0"/>
-              <a:t>难题</a:t>
+              <a:t>自动装箱给方法的重载带来了一定的难题</a:t>
             </a:r>
             <a:r>
               <a:rPr lang="zh-CN" altLang="en-US" dirty="0"/>
